--- a/SEProject.pptx
+++ b/SEProject.pptx
@@ -2,7 +2,7 @@
 <file path=ppt/presentation.xml><?xml version="1.0" encoding="utf-8"?>
 <p:presentation xmlns:a="http://schemas.openxmlformats.org/drawingml/2006/main" xmlns:r="http://schemas.openxmlformats.org/officeDocument/2006/relationships" xmlns:p="http://schemas.openxmlformats.org/presentationml/2006/main" strictFirstAndLastChars="0" embedTrueTypeFonts="1" saveSubsetFonts="1" autoCompressPictures="0">
   <p:sldMasterIdLst>
-    <p:sldMasterId id="2147484246" r:id="rId1"/>
+    <p:sldMasterId id="2147484298" r:id="rId1"/>
   </p:sldMasterIdLst>
   <p:notesMasterIdLst>
     <p:notesMasterId r:id="rId15"/>
@@ -153,6 +153,11 @@
       </a:defRPr>
     </a:lvl9pPr>
   </p:defaultTextStyle>
+  <p:extLst>
+    <p:ext uri="{EFAFB233-063F-42B5-8137-9DF3F51BA10A}">
+      <p15:sldGuideLst xmlns:p15="http://schemas.microsoft.com/office/powerpoint/2012/main"/>
+    </p:ext>
+  </p:extLst>
 </p:presentation>
 </file>
 
@@ -2284,7 +2289,7 @@
     </p:spTree>
     <p:extLst>
       <p:ext uri="{BB962C8B-B14F-4D97-AF65-F5344CB8AC3E}">
-        <p14:creationId xmlns:p14="http://schemas.microsoft.com/office/powerpoint/2010/main" val="3170050155"/>
+        <p14:creationId xmlns:p14="http://schemas.microsoft.com/office/powerpoint/2010/main" val="4110780401"/>
       </p:ext>
     </p:extLst>
   </p:cSld>
@@ -2500,7 +2505,7 @@
     </p:spTree>
     <p:extLst>
       <p:ext uri="{BB962C8B-B14F-4D97-AF65-F5344CB8AC3E}">
-        <p14:creationId xmlns:p14="http://schemas.microsoft.com/office/powerpoint/2010/main" val="427689738"/>
+        <p14:creationId xmlns:p14="http://schemas.microsoft.com/office/powerpoint/2010/main" val="2409359003"/>
       </p:ext>
     </p:extLst>
   </p:cSld>
@@ -2742,7 +2747,7 @@
     </p:spTree>
     <p:extLst>
       <p:ext uri="{BB962C8B-B14F-4D97-AF65-F5344CB8AC3E}">
-        <p14:creationId xmlns:p14="http://schemas.microsoft.com/office/powerpoint/2010/main" val="3747474277"/>
+        <p14:creationId xmlns:p14="http://schemas.microsoft.com/office/powerpoint/2010/main" val="3080848871"/>
       </p:ext>
     </p:extLst>
   </p:cSld>
@@ -3106,7 +3111,7 @@
     </p:spTree>
     <p:extLst>
       <p:ext uri="{BB962C8B-B14F-4D97-AF65-F5344CB8AC3E}">
-        <p14:creationId xmlns:p14="http://schemas.microsoft.com/office/powerpoint/2010/main" val="2548668043"/>
+        <p14:creationId xmlns:p14="http://schemas.microsoft.com/office/powerpoint/2010/main" val="2769231656"/>
       </p:ext>
     </p:extLst>
   </p:cSld>
@@ -3315,7 +3320,7 @@
     </p:spTree>
     <p:extLst>
       <p:ext uri="{BB962C8B-B14F-4D97-AF65-F5344CB8AC3E}">
-        <p14:creationId xmlns:p14="http://schemas.microsoft.com/office/powerpoint/2010/main" val="3688286247"/>
+        <p14:creationId xmlns:p14="http://schemas.microsoft.com/office/powerpoint/2010/main" val="823212386"/>
       </p:ext>
     </p:extLst>
   </p:cSld>
@@ -3654,7 +3659,7 @@
     </p:spTree>
     <p:extLst>
       <p:ext uri="{BB962C8B-B14F-4D97-AF65-F5344CB8AC3E}">
-        <p14:creationId xmlns:p14="http://schemas.microsoft.com/office/powerpoint/2010/main" val="1626441520"/>
+        <p14:creationId xmlns:p14="http://schemas.microsoft.com/office/powerpoint/2010/main" val="1127795317"/>
       </p:ext>
     </p:extLst>
   </p:cSld>
@@ -3896,7 +3901,7 @@
     </p:spTree>
     <p:extLst>
       <p:ext uri="{BB962C8B-B14F-4D97-AF65-F5344CB8AC3E}">
-        <p14:creationId xmlns:p14="http://schemas.microsoft.com/office/powerpoint/2010/main" val="2943956159"/>
+        <p14:creationId xmlns:p14="http://schemas.microsoft.com/office/powerpoint/2010/main" val="679994324"/>
       </p:ext>
     </p:extLst>
   </p:cSld>
@@ -4290,7 +4295,7 @@
     </p:spTree>
     <p:extLst>
       <p:ext uri="{BB962C8B-B14F-4D97-AF65-F5344CB8AC3E}">
-        <p14:creationId xmlns:p14="http://schemas.microsoft.com/office/powerpoint/2010/main" val="521335031"/>
+        <p14:creationId xmlns:p14="http://schemas.microsoft.com/office/powerpoint/2010/main" val="3551184891"/>
       </p:ext>
     </p:extLst>
   </p:cSld>
@@ -4462,7 +4467,7 @@
     </p:spTree>
     <p:extLst>
       <p:ext uri="{BB962C8B-B14F-4D97-AF65-F5344CB8AC3E}">
-        <p14:creationId xmlns:p14="http://schemas.microsoft.com/office/powerpoint/2010/main" val="3809167391"/>
+        <p14:creationId xmlns:p14="http://schemas.microsoft.com/office/powerpoint/2010/main" val="1793973838"/>
       </p:ext>
     </p:extLst>
   </p:cSld>
@@ -4567,7 +4572,7 @@
     </p:spTree>
     <p:extLst>
       <p:ext uri="{BB962C8B-B14F-4D97-AF65-F5344CB8AC3E}">
-        <p14:creationId xmlns:p14="http://schemas.microsoft.com/office/powerpoint/2010/main" val="3210544547"/>
+        <p14:creationId xmlns:p14="http://schemas.microsoft.com/office/powerpoint/2010/main" val="814763845"/>
       </p:ext>
     </p:extLst>
   </p:cSld>
@@ -4958,7 +4963,7 @@
     </p:spTree>
     <p:extLst>
       <p:ext uri="{BB962C8B-B14F-4D97-AF65-F5344CB8AC3E}">
-        <p14:creationId xmlns:p14="http://schemas.microsoft.com/office/powerpoint/2010/main" val="4125479384"/>
+        <p14:creationId xmlns:p14="http://schemas.microsoft.com/office/powerpoint/2010/main" val="510820373"/>
       </p:ext>
     </p:extLst>
   </p:cSld>
@@ -5240,7 +5245,7 @@
     </p:spTree>
     <p:extLst>
       <p:ext uri="{BB962C8B-B14F-4D97-AF65-F5344CB8AC3E}">
-        <p14:creationId xmlns:p14="http://schemas.microsoft.com/office/powerpoint/2010/main" val="2628986034"/>
+        <p14:creationId xmlns:p14="http://schemas.microsoft.com/office/powerpoint/2010/main" val="144821120"/>
       </p:ext>
     </p:extLst>
   </p:cSld>
@@ -5580,24 +5585,24 @@
     </p:spTree>
     <p:extLst>
       <p:ext uri="{BB962C8B-B14F-4D97-AF65-F5344CB8AC3E}">
-        <p14:creationId xmlns:p14="http://schemas.microsoft.com/office/powerpoint/2010/main" val="30532114"/>
+        <p14:creationId xmlns:p14="http://schemas.microsoft.com/office/powerpoint/2010/main" val="1423299343"/>
       </p:ext>
     </p:extLst>
   </p:cSld>
   <p:clrMap bg1="lt1" tx1="dk1" bg2="lt2" tx2="dk2" accent1="accent1" accent2="accent2" accent3="accent3" accent4="accent4" accent5="accent5" accent6="accent6" hlink="hlink" folHlink="folHlink"/>
   <p:sldLayoutIdLst>
-    <p:sldLayoutId id="2147484247" r:id="rId1"/>
-    <p:sldLayoutId id="2147484248" r:id="rId2"/>
-    <p:sldLayoutId id="2147484249" r:id="rId3"/>
-    <p:sldLayoutId id="2147484250" r:id="rId4"/>
-    <p:sldLayoutId id="2147484251" r:id="rId5"/>
-    <p:sldLayoutId id="2147484252" r:id="rId6"/>
-    <p:sldLayoutId id="2147484253" r:id="rId7"/>
-    <p:sldLayoutId id="2147484254" r:id="rId8"/>
-    <p:sldLayoutId id="2147484255" r:id="rId9"/>
-    <p:sldLayoutId id="2147484256" r:id="rId10"/>
-    <p:sldLayoutId id="2147484257" r:id="rId11"/>
-    <p:sldLayoutId id="2147484258" r:id="rId12"/>
+    <p:sldLayoutId id="2147484299" r:id="rId1"/>
+    <p:sldLayoutId id="2147484300" r:id="rId2"/>
+    <p:sldLayoutId id="2147484301" r:id="rId3"/>
+    <p:sldLayoutId id="2147484302" r:id="rId4"/>
+    <p:sldLayoutId id="2147484303" r:id="rId5"/>
+    <p:sldLayoutId id="2147484304" r:id="rId6"/>
+    <p:sldLayoutId id="2147484305" r:id="rId7"/>
+    <p:sldLayoutId id="2147484306" r:id="rId8"/>
+    <p:sldLayoutId id="2147484307" r:id="rId9"/>
+    <p:sldLayoutId id="2147484308" r:id="rId10"/>
+    <p:sldLayoutId id="2147484309" r:id="rId11"/>
+    <p:sldLayoutId id="2147484310" r:id="rId12"/>
   </p:sldLayoutIdLst>
   <p:hf sldNum="0" hdr="0" ftr="0" dt="0"/>
   <p:txStyles>
@@ -5980,6 +5985,14 @@
 <file path=ppt/slides/slide1.xml><?xml version="1.0" encoding="utf-8"?>
 <p:sld xmlns:a="http://schemas.openxmlformats.org/drawingml/2006/main" xmlns:r="http://schemas.openxmlformats.org/officeDocument/2006/relationships" xmlns:p="http://schemas.openxmlformats.org/presentationml/2006/main">
   <p:cSld>
+    <p:bg>
+      <p:bgPr>
+        <a:solidFill>
+          <a:schemeClr val="bg1"/>
+        </a:solidFill>
+        <a:effectLst/>
+      </p:bgPr>
+    </p:bg>
     <p:spTree>
       <p:nvGrpSpPr>
         <p:cNvPr id="1" name="Shape 127"/>
@@ -6006,12 +6019,15 @@
         </p:nvSpPr>
         <p:spPr>
           <a:xfrm>
-            <a:off x="1101253" y="1223200"/>
-            <a:ext cx="6941489" cy="1448100"/>
+            <a:off x="262648" y="2065376"/>
+            <a:ext cx="8628434" cy="664290"/>
           </a:xfrm>
           <a:prstGeom prst="rect">
             <a:avLst/>
           </a:prstGeom>
+          <a:solidFill>
+            <a:schemeClr val="bg1"/>
+          </a:solidFill>
         </p:spPr>
         <p:txBody>
           <a:bodyPr spcFirstLastPara="1" wrap="square" lIns="91425" tIns="91425" rIns="91425" bIns="91425" anchor="ctr" anchorCtr="0">
@@ -6052,7 +6068,7 @@
         </p:nvSpPr>
         <p:spPr>
           <a:xfrm>
-            <a:off x="1891347" y="2840454"/>
+            <a:off x="1891350" y="2996927"/>
             <a:ext cx="5361300" cy="1300500"/>
           </a:xfrm>
           <a:prstGeom prst="rect">
@@ -6224,8 +6240,8 @@
         </p:blipFill>
         <p:spPr>
           <a:xfrm>
-            <a:off x="3906998" y="491260"/>
-            <a:ext cx="1330001" cy="1059550"/>
+            <a:off x="4157883" y="1084569"/>
+            <a:ext cx="1141657" cy="919251"/>
           </a:xfrm>
           <a:prstGeom prst="rect">
             <a:avLst/>
@@ -6236,6 +6252,55 @@
           </a:ln>
         </p:spPr>
       </p:pic>
+      <p:sp>
+        <p:nvSpPr>
+          <p:cNvPr id="2" name="CasellaDiTesto 1">
+            <a:extLst>
+              <a:ext uri="{FF2B5EF4-FFF2-40B4-BE49-F238E27FC236}">
+                <a16:creationId xmlns:a16="http://schemas.microsoft.com/office/drawing/2014/main" id="{0539FD6C-D363-E842-B06D-ABC89762DE37}"/>
+              </a:ext>
+            </a:extLst>
+          </p:cNvPr>
+          <p:cNvSpPr txBox="1"/>
+          <p:nvPr/>
+        </p:nvSpPr>
+        <p:spPr>
+          <a:xfrm>
+            <a:off x="2058469" y="499793"/>
+            <a:ext cx="5340484" cy="523220"/>
+          </a:xfrm>
+          <a:prstGeom prst="rect">
+            <a:avLst/>
+          </a:prstGeom>
+          <a:noFill/>
+        </p:spPr>
+        <p:txBody>
+          <a:bodyPr wrap="square" rtlCol="0">
+            <a:spAutoFit/>
+          </a:bodyPr>
+          <a:lstStyle/>
+          <a:p>
+            <a:pPr algn="ctr"/>
+            <a:r>
+              <a:rPr lang="en" sz="1400" dirty="0">
+                <a:latin typeface="Helvetica Neue UltraLight" panose="02000206000000020004" pitchFamily="2" charset="0"/>
+                <a:ea typeface="Helvetica Neue UltraLight" panose="02000206000000020004" pitchFamily="2" charset="0"/>
+              </a:rPr>
+              <a:t>School of Industrial and Information Engineering </a:t>
+            </a:r>
+          </a:p>
+          <a:p>
+            <a:pPr algn="ctr"/>
+            <a:r>
+              <a:rPr lang="en" sz="1400" dirty="0">
+                <a:latin typeface="Helvetica Neue Light" panose="02000403000000020004" pitchFamily="2" charset="0"/>
+                <a:ea typeface="Helvetica Neue Light" panose="02000403000000020004" pitchFamily="2" charset="0"/>
+              </a:rPr>
+              <a:t>Computer Science and Engineering </a:t>
+            </a:r>
+          </a:p>
+        </p:txBody>
+      </p:sp>
     </p:spTree>
   </p:cSld>
   <p:clrMapOvr>
@@ -10305,13 +10370,13 @@
   <p:clrMapOvr>
     <a:masterClrMapping/>
   </p:clrMapOvr>
-  <mc:AlternateContent xmlns:mc="http://schemas.openxmlformats.org/markup-compatibility/2006">
-    <mc:Choice xmlns:p14="http://schemas.microsoft.com/office/powerpoint/2010/main" Requires="p14">
+  <mc:AlternateContent xmlns:mc="http://schemas.openxmlformats.org/markup-compatibility/2006" xmlns:p14="http://schemas.microsoft.com/office/powerpoint/2010/main">
+    <mc:Choice Requires="p14">
       <p:transition spd="med" p14:dur="700">
         <p:fade/>
       </p:transition>
     </mc:Choice>
-    <mc:Fallback>
+    <mc:Fallback xmlns="">
       <p:transition spd="med">
         <p:fade/>
       </p:transition>
@@ -10341,7 +10406,7 @@
                             </p:stCondLst>
                             <p:childTnLst>
                               <p:par>
-                                <p:cTn id="5" presetID="10" presetClass="entr" presetSubtype="0" fill="hold" nodeType="afterEffect">
+                                <p:cTn id="5" presetID="9" presetClass="entr" presetSubtype="0" fill="hold" nodeType="afterEffect">
                                   <p:stCondLst>
                                     <p:cond delay="0"/>
                                   </p:stCondLst>
@@ -10349,6 +10414,50 @@
                                     <p:set>
                                       <p:cBhvr>
                                         <p:cTn id="6" dur="1" fill="hold">
+                                          <p:stCondLst>
+                                            <p:cond delay="0"/>
+                                          </p:stCondLst>
+                                        </p:cTn>
+                                        <p:tgtEl>
+                                          <p:spTgt spid="147"/>
+                                        </p:tgtEl>
+                                        <p:attrNameLst>
+                                          <p:attrName>style.visibility</p:attrName>
+                                        </p:attrNameLst>
+                                      </p:cBhvr>
+                                      <p:to>
+                                        <p:strVal val="visible"/>
+                                      </p:to>
+                                    </p:set>
+                                    <p:animEffect transition="in" filter="dissolve">
+                                      <p:cBhvr>
+                                        <p:cTn id="7" dur="500"/>
+                                        <p:tgtEl>
+                                          <p:spTgt spid="147"/>
+                                        </p:tgtEl>
+                                      </p:cBhvr>
+                                    </p:animEffect>
+                                  </p:childTnLst>
+                                </p:cTn>
+                              </p:par>
+                            </p:childTnLst>
+                          </p:cTn>
+                        </p:par>
+                        <p:par>
+                          <p:cTn id="8" fill="hold">
+                            <p:stCondLst>
+                              <p:cond delay="500"/>
+                            </p:stCondLst>
+                            <p:childTnLst>
+                              <p:par>
+                                <p:cTn id="9" presetID="10" presetClass="entr" presetSubtype="0" fill="hold" nodeType="afterEffect">
+                                  <p:stCondLst>
+                                    <p:cond delay="0"/>
+                                  </p:stCondLst>
+                                  <p:childTnLst>
+                                    <p:set>
+                                      <p:cBhvr>
+                                        <p:cTn id="10" dur="1" fill="hold">
                                           <p:stCondLst>
                                             <p:cond delay="0"/>
                                           </p:stCondLst>
@@ -10366,7 +10475,7 @@
                                     </p:set>
                                     <p:animEffect transition="in" filter="fade">
                                       <p:cBhvr>
-                                        <p:cTn id="7" dur="1000"/>
+                                        <p:cTn id="11" dur="1000"/>
                                         <p:tgtEl>
                                           <p:spTgt spid="150"/>
                                         </p:tgtEl>
@@ -10382,26 +10491,26 @@
                     </p:cTn>
                   </p:par>
                   <p:par>
-                    <p:cTn id="8" fill="hold">
+                    <p:cTn id="12" fill="hold">
                       <p:stCondLst>
                         <p:cond delay="indefinite"/>
                       </p:stCondLst>
                       <p:childTnLst>
                         <p:par>
-                          <p:cTn id="9" fill="hold">
+                          <p:cTn id="13" fill="hold">
                             <p:stCondLst>
                               <p:cond delay="0"/>
                             </p:stCondLst>
                             <p:childTnLst>
                               <p:par>
-                                <p:cTn id="10" presetID="10" presetClass="entr" presetSubtype="0" fill="hold" nodeType="clickEffect">
+                                <p:cTn id="14" presetID="10" presetClass="entr" presetSubtype="0" fill="hold" nodeType="clickEffect">
                                   <p:stCondLst>
                                     <p:cond delay="0"/>
                                   </p:stCondLst>
                                   <p:childTnLst>
                                     <p:set>
                                       <p:cBhvr>
-                                        <p:cTn id="11" dur="1" fill="hold">
+                                        <p:cTn id="15" dur="1" fill="hold">
                                           <p:stCondLst>
                                             <p:cond delay="0"/>
                                           </p:stCondLst>
@@ -10419,7 +10528,7 @@
                                     </p:set>
                                     <p:animEffect transition="in" filter="fade">
                                       <p:cBhvr>
-                                        <p:cTn id="12" dur="1000"/>
+                                        <p:cTn id="16" dur="1000"/>
                                         <p:tgtEl>
                                           <p:spTgt spid="151"/>
                                         </p:tgtEl>
@@ -10962,7 +11071,7 @@
                             </p:stCondLst>
                             <p:childTnLst>
                               <p:par>
-                                <p:cTn id="5" presetID="10" presetClass="entr" presetSubtype="0" fill="hold" nodeType="withEffect">
+                                <p:cTn id="5" presetID="9" presetClass="entr" presetSubtype="0" fill="hold" nodeType="afterEffect">
                                   <p:stCondLst>
                                     <p:cond delay="0"/>
                                   </p:stCondLst>
@@ -10970,6 +11079,50 @@
                                     <p:set>
                                       <p:cBhvr>
                                         <p:cTn id="6" dur="1" fill="hold">
+                                          <p:stCondLst>
+                                            <p:cond delay="0"/>
+                                          </p:stCondLst>
+                                        </p:cTn>
+                                        <p:tgtEl>
+                                          <p:spTgt spid="159"/>
+                                        </p:tgtEl>
+                                        <p:attrNameLst>
+                                          <p:attrName>style.visibility</p:attrName>
+                                        </p:attrNameLst>
+                                      </p:cBhvr>
+                                      <p:to>
+                                        <p:strVal val="visible"/>
+                                      </p:to>
+                                    </p:set>
+                                    <p:animEffect transition="in" filter="dissolve">
+                                      <p:cBhvr>
+                                        <p:cTn id="7" dur="500"/>
+                                        <p:tgtEl>
+                                          <p:spTgt spid="159"/>
+                                        </p:tgtEl>
+                                      </p:cBhvr>
+                                    </p:animEffect>
+                                  </p:childTnLst>
+                                </p:cTn>
+                              </p:par>
+                            </p:childTnLst>
+                          </p:cTn>
+                        </p:par>
+                        <p:par>
+                          <p:cTn id="8" fill="hold">
+                            <p:stCondLst>
+                              <p:cond delay="500"/>
+                            </p:stCondLst>
+                            <p:childTnLst>
+                              <p:par>
+                                <p:cTn id="9" presetID="10" presetClass="entr" presetSubtype="0" fill="hold" nodeType="afterEffect">
+                                  <p:stCondLst>
+                                    <p:cond delay="0"/>
+                                  </p:stCondLst>
+                                  <p:childTnLst>
+                                    <p:set>
+                                      <p:cBhvr>
+                                        <p:cTn id="10" dur="1" fill="hold">
                                           <p:stCondLst>
                                             <p:cond delay="0"/>
                                           </p:stCondLst>
@@ -10987,7 +11140,7 @@
                                     </p:set>
                                     <p:animEffect transition="in" filter="fade">
                                       <p:cBhvr>
-                                        <p:cTn id="7" dur="1000"/>
+                                        <p:cTn id="11" dur="1000"/>
                                         <p:tgtEl>
                                           <p:spTgt spid="161"/>
                                         </p:tgtEl>
@@ -11003,26 +11156,26 @@
                     </p:cTn>
                   </p:par>
                   <p:par>
-                    <p:cTn id="8" fill="hold">
+                    <p:cTn id="12" fill="hold">
                       <p:stCondLst>
                         <p:cond delay="indefinite"/>
                       </p:stCondLst>
                       <p:childTnLst>
                         <p:par>
-                          <p:cTn id="9" fill="hold">
+                          <p:cTn id="13" fill="hold">
                             <p:stCondLst>
                               <p:cond delay="0"/>
                             </p:stCondLst>
                             <p:childTnLst>
                               <p:par>
-                                <p:cTn id="10" presetID="10" presetClass="entr" presetSubtype="0" fill="hold" nodeType="clickEffect">
+                                <p:cTn id="14" presetID="10" presetClass="entr" presetSubtype="0" fill="hold" nodeType="clickEffect">
                                   <p:stCondLst>
                                     <p:cond delay="0"/>
                                   </p:stCondLst>
                                   <p:childTnLst>
                                     <p:set>
                                       <p:cBhvr>
-                                        <p:cTn id="11" dur="1" fill="hold">
+                                        <p:cTn id="15" dur="1" fill="hold">
                                           <p:stCondLst>
                                             <p:cond delay="0"/>
                                           </p:stCondLst>
@@ -11040,7 +11193,7 @@
                                     </p:set>
                                     <p:animEffect transition="in" filter="fade">
                                       <p:cBhvr>
-                                        <p:cTn id="12" dur="1000"/>
+                                        <p:cTn id="16" dur="1000"/>
                                         <p:tgtEl>
                                           <p:spTgt spid="162"/>
                                         </p:tgtEl>
@@ -11056,26 +11209,26 @@
                     </p:cTn>
                   </p:par>
                   <p:par>
-                    <p:cTn id="13" fill="hold">
+                    <p:cTn id="17" fill="hold">
                       <p:stCondLst>
                         <p:cond delay="indefinite"/>
                       </p:stCondLst>
                       <p:childTnLst>
                         <p:par>
-                          <p:cTn id="14" fill="hold">
+                          <p:cTn id="18" fill="hold">
                             <p:stCondLst>
                               <p:cond delay="0"/>
                             </p:stCondLst>
                             <p:childTnLst>
                               <p:par>
-                                <p:cTn id="15" presetID="10" presetClass="entr" presetSubtype="0" fill="hold" nodeType="clickEffect">
+                                <p:cTn id="19" presetID="10" presetClass="entr" presetSubtype="0" fill="hold" nodeType="clickEffect">
                                   <p:stCondLst>
                                     <p:cond delay="0"/>
                                   </p:stCondLst>
                                   <p:childTnLst>
                                     <p:set>
                                       <p:cBhvr>
-                                        <p:cTn id="16" dur="1" fill="hold">
+                                        <p:cTn id="20" dur="1" fill="hold">
                                           <p:stCondLst>
                                             <p:cond delay="0"/>
                                           </p:stCondLst>
@@ -11093,7 +11246,7 @@
                                     </p:set>
                                     <p:animEffect transition="in" filter="fade">
                                       <p:cBhvr>
-                                        <p:cTn id="17" dur="1000"/>
+                                        <p:cTn id="21" dur="1000"/>
                                         <p:tgtEl>
                                           <p:spTgt spid="163"/>
                                         </p:tgtEl>
@@ -11455,7 +11608,7 @@
         <p:spPr>
           <a:xfrm>
             <a:off x="3151050" y="3157675"/>
-            <a:ext cx="5232300" cy="1026900"/>
+            <a:ext cx="4961818" cy="1026900"/>
           </a:xfrm>
           <a:prstGeom prst="rect">
             <a:avLst/>
@@ -12428,7 +12581,7 @@
                               <p:par>
                                 <p:cTn id="5" presetID="10" presetClass="entr" presetSubtype="0" fill="hold" nodeType="afterEffect">
                                   <p:stCondLst>
-                                    <p:cond delay="0"/>
+                                    <p:cond delay="500"/>
                                   </p:stCondLst>
                                   <p:childTnLst>
                                     <p:set>
@@ -12463,7 +12616,7 @@
                               <p:par>
                                 <p:cTn id="8" presetID="10" presetClass="entr" presetSubtype="0" fill="hold" nodeType="withEffect">
                                   <p:stCondLst>
-                                    <p:cond delay="0"/>
+                                    <p:cond delay="500"/>
                                   </p:stCondLst>
                                   <p:childTnLst>
                                     <p:set>
@@ -13165,7 +13318,7 @@
                               <p:par>
                                 <p:cTn id="5" presetID="10" presetClass="entr" presetSubtype="0" fill="hold" nodeType="afterEffect">
                                   <p:stCondLst>
-                                    <p:cond delay="0"/>
+                                    <p:cond delay="500"/>
                                   </p:stCondLst>
                                   <p:childTnLst>
                                     <p:set>
@@ -13200,7 +13353,7 @@
                               <p:par>
                                 <p:cTn id="8" presetID="10" presetClass="entr" presetSubtype="0" fill="hold" nodeType="withEffect">
                                   <p:stCondLst>
-                                    <p:cond delay="0"/>
+                                    <p:cond delay="500"/>
                                   </p:stCondLst>
                                   <p:childTnLst>
                                     <p:set>
@@ -13752,15 +13905,7 @@
           </a:bodyPr>
           <a:lstStyle/>
           <a:p>
-            <a:pPr marL="0" lvl="0" indent="0" algn="l" rtl="0">
-              <a:spcBef>
-                <a:spcPts val="0"/>
-              </a:spcBef>
-              <a:spcAft>
-                <a:spcPts val="0"/>
-              </a:spcAft>
-              <a:buNone/>
-            </a:pPr>
+            <a:pPr lvl="0"/>
             <a:r>
               <a:rPr lang="it-IT" cap="none" dirty="0">
                 <a:solidFill>
@@ -13773,6 +13918,27 @@
               </a:rPr>
               <a:t>System Architecture</a:t>
             </a:r>
+            <a:r>
+              <a:rPr lang="en" cap="none" dirty="0">
+                <a:solidFill>
+                  <a:schemeClr val="accent1"/>
+                </a:solidFill>
+                <a:latin typeface="Helvetica Neue Thin" panose="020B0403020202020204" pitchFamily="34" charset="0"/>
+                <a:ea typeface="Helvetica Neue Thin" panose="020B0403020202020204" pitchFamily="34" charset="0"/>
+                <a:cs typeface="Nunito ExtraLight"/>
+                <a:sym typeface="Nunito ExtraLight"/>
+              </a:rPr>
+              <a:t> and Patterns</a:t>
+            </a:r>
+            <a:endParaRPr lang="it-IT" cap="none" dirty="0">
+              <a:solidFill>
+                <a:schemeClr val="accent1"/>
+              </a:solidFill>
+              <a:latin typeface="Helvetica Neue Thin" panose="020B0403020202020204" pitchFamily="34" charset="0"/>
+              <a:ea typeface="Helvetica Neue Thin" panose="020B0403020202020204" pitchFamily="34" charset="0"/>
+              <a:cs typeface="Nunito ExtraLight"/>
+              <a:sym typeface="Nunito ExtraLight"/>
+            </a:endParaRPr>
           </a:p>
         </p:txBody>
       </p:sp>

--- a/SEProject.pptx
+++ b/SEProject.pptx
@@ -5,7 +5,7 @@
     <p:sldMasterId id="2147484298" r:id="rId1"/>
   </p:sldMasterIdLst>
   <p:notesMasterIdLst>
-    <p:notesMasterId r:id="rId15"/>
+    <p:notesMasterId r:id="rId17"/>
   </p:notesMasterIdLst>
   <p:sldIdLst>
     <p:sldId id="256" r:id="rId2"/>
@@ -21,41 +21,43 @@
     <p:sldId id="266" r:id="rId12"/>
     <p:sldId id="267" r:id="rId13"/>
     <p:sldId id="268" r:id="rId14"/>
+    <p:sldId id="269" r:id="rId15"/>
+    <p:sldId id="270" r:id="rId16"/>
   </p:sldIdLst>
   <p:sldSz cx="9144000" cy="5143500" type="screen16x9"/>
   <p:notesSz cx="6858000" cy="9144000"/>
   <p:embeddedFontLst>
     <p:embeddedFont>
       <p:font typeface="Calibri" panose="020F0502020204030204" pitchFamily="34" charset="0"/>
-      <p:regular r:id="rId16"/>
-      <p:bold r:id="rId17"/>
-      <p:italic r:id="rId18"/>
-      <p:boldItalic r:id="rId19"/>
+      <p:regular r:id="rId18"/>
+      <p:bold r:id="rId19"/>
+      <p:italic r:id="rId20"/>
+      <p:boldItalic r:id="rId21"/>
     </p:embeddedFont>
     <p:embeddedFont>
       <p:font typeface="Gill Sans MT" panose="020B0502020104020203" pitchFamily="34" charset="77"/>
-      <p:regular r:id="rId20"/>
-      <p:bold r:id="rId21"/>
-      <p:italic r:id="rId22"/>
-      <p:boldItalic r:id="rId23"/>
+      <p:regular r:id="rId22"/>
+      <p:bold r:id="rId23"/>
+      <p:italic r:id="rId24"/>
+      <p:boldItalic r:id="rId25"/>
     </p:embeddedFont>
     <p:embeddedFont>
       <p:font typeface="Montserrat" pitchFamily="2" charset="77"/>
-      <p:regular r:id="rId24"/>
-      <p:bold r:id="rId25"/>
-      <p:italic r:id="rId26"/>
-      <p:boldItalic r:id="rId27"/>
+      <p:regular r:id="rId26"/>
+      <p:bold r:id="rId27"/>
+      <p:italic r:id="rId28"/>
+      <p:boldItalic r:id="rId29"/>
     </p:embeddedFont>
     <p:embeddedFont>
       <p:font typeface="Nunito Light" pitchFamily="2" charset="77"/>
-      <p:regular r:id="rId28"/>
-      <p:bold r:id="rId29"/>
-      <p:italic r:id="rId30"/>
-      <p:boldItalic r:id="rId31"/>
+      <p:regular r:id="rId30"/>
+      <p:bold r:id="rId31"/>
+      <p:italic r:id="rId32"/>
+      <p:boldItalic r:id="rId33"/>
     </p:embeddedFont>
     <p:embeddedFont>
       <p:font typeface="Wingdings 2" pitchFamily="2" charset="2"/>
-      <p:regular r:id="rId32"/>
+      <p:regular r:id="rId34"/>
     </p:embeddedFont>
   </p:embeddedFontLst>
   <p:defaultTextStyle>
@@ -1113,6 +1115,72 @@
         </p:txBody>
       </p:sp>
     </p:spTree>
+  </p:cSld>
+  <p:clrMapOvr>
+    <a:masterClrMapping/>
+  </p:clrMapOvr>
+</p:notes>
+</file>
+
+<file path=ppt/notesSlides/notesSlide14.xml><?xml version="1.0" encoding="utf-8"?>
+<p:notes xmlns:a="http://schemas.openxmlformats.org/drawingml/2006/main" xmlns:r="http://schemas.openxmlformats.org/officeDocument/2006/relationships" xmlns:p="http://schemas.openxmlformats.org/presentationml/2006/main">
+  <p:cSld>
+    <p:spTree>
+      <p:nvGrpSpPr>
+        <p:cNvPr id="1" name=""/>
+        <p:cNvGrpSpPr/>
+        <p:nvPr/>
+      </p:nvGrpSpPr>
+      <p:grpSpPr>
+        <a:xfrm>
+          <a:off x="0" y="0"/>
+          <a:ext cx="0" cy="0"/>
+          <a:chOff x="0" y="0"/>
+          <a:chExt cx="0" cy="0"/>
+        </a:xfrm>
+      </p:grpSpPr>
+      <p:sp>
+        <p:nvSpPr>
+          <p:cNvPr id="2" name="Segnaposto immagine diapositiva 1"/>
+          <p:cNvSpPr>
+            <a:spLocks noGrp="1" noRot="1" noChangeAspect="1"/>
+          </p:cNvSpPr>
+          <p:nvPr>
+            <p:ph type="sldImg"/>
+          </p:nvPr>
+        </p:nvSpPr>
+        <p:spPr>
+          <a:xfrm>
+            <a:off x="381000" y="685800"/>
+            <a:ext cx="6096000" cy="3429000"/>
+          </a:xfrm>
+        </p:spPr>
+      </p:sp>
+      <p:sp>
+        <p:nvSpPr>
+          <p:cNvPr id="3" name="Segnaposto note 2"/>
+          <p:cNvSpPr>
+            <a:spLocks noGrp="1"/>
+          </p:cNvSpPr>
+          <p:nvPr>
+            <p:ph type="body" idx="1"/>
+          </p:nvPr>
+        </p:nvSpPr>
+        <p:spPr/>
+        <p:txBody>
+          <a:bodyPr/>
+          <a:lstStyle/>
+          <a:p>
+            <a:endParaRPr lang="it-IT" dirty="0"/>
+          </a:p>
+        </p:txBody>
+      </p:sp>
+    </p:spTree>
+    <p:extLst>
+      <p:ext uri="{BB962C8B-B14F-4D97-AF65-F5344CB8AC3E}">
+        <p14:creationId xmlns:p14="http://schemas.microsoft.com/office/powerpoint/2010/main" val="2269983956"/>
+      </p:ext>
+    </p:extLst>
   </p:cSld>
   <p:clrMapOvr>
     <a:masterClrMapping/>
@@ -6658,9 +6726,6 @@
   <p:clrMapOvr>
     <a:masterClrMapping/>
   </p:clrMapOvr>
-  <p:transition spd="slow">
-    <p:cover/>
-  </p:transition>
   <p:timing>
     <p:tnLst>
       <p:par>
@@ -7341,9 +7406,6 @@
   <p:clrMapOvr>
     <a:masterClrMapping/>
   </p:clrMapOvr>
-  <p:transition spd="slow">
-    <p:cover/>
-  </p:transition>
   <p:timing>
     <p:tnLst>
       <p:par>
@@ -7936,9 +7998,6 @@
   <p:clrMapOvr>
     <a:masterClrMapping/>
   </p:clrMapOvr>
-  <p:transition spd="slow">
-    <p:cover/>
-  </p:transition>
   <p:timing>
     <p:tnLst>
       <p:par>
@@ -8894,9 +8953,6 @@
   <p:clrMapOvr>
     <a:masterClrMapping/>
   </p:clrMapOvr>
-  <p:transition spd="slow">
-    <p:cover/>
-  </p:transition>
   <p:timing>
     <p:tnLst>
       <p:par>
@@ -9414,6 +9470,2162 @@
 </p:sld>
 </file>
 
+<file path=ppt/slides/slide14.xml><?xml version="1.0" encoding="utf-8"?>
+<p:sld xmlns:a="http://schemas.openxmlformats.org/drawingml/2006/main" xmlns:r="http://schemas.openxmlformats.org/officeDocument/2006/relationships" xmlns:p="http://schemas.openxmlformats.org/presentationml/2006/main">
+  <p:cSld>
+    <p:bg>
+      <p:bgPr>
+        <a:solidFill>
+          <a:schemeClr val="bg1"/>
+        </a:solidFill>
+        <a:effectLst/>
+      </p:bgPr>
+    </p:bg>
+    <p:spTree>
+      <p:nvGrpSpPr>
+        <p:cNvPr id="1" name=""/>
+        <p:cNvGrpSpPr/>
+        <p:nvPr/>
+      </p:nvGrpSpPr>
+      <p:grpSpPr>
+        <a:xfrm>
+          <a:off x="0" y="0"/>
+          <a:ext cx="0" cy="0"/>
+          <a:chOff x="0" y="0"/>
+          <a:chExt cx="0" cy="0"/>
+        </a:xfrm>
+      </p:grpSpPr>
+      <p:sp>
+        <p:nvSpPr>
+          <p:cNvPr id="2" name="Titolo 1">
+            <a:extLst>
+              <a:ext uri="{FF2B5EF4-FFF2-40B4-BE49-F238E27FC236}">
+                <a16:creationId xmlns:a16="http://schemas.microsoft.com/office/drawing/2014/main" id="{9DD33683-3EA1-FB4C-85E3-32060E4029DA}"/>
+              </a:ext>
+            </a:extLst>
+          </p:cNvPr>
+          <p:cNvSpPr>
+            <a:spLocks noGrp="1"/>
+          </p:cNvSpPr>
+          <p:nvPr>
+            <p:ph type="title"/>
+          </p:nvPr>
+        </p:nvSpPr>
+        <p:spPr>
+          <a:xfrm>
+            <a:off x="819149" y="680230"/>
+            <a:ext cx="7505700" cy="808102"/>
+          </a:xfrm>
+        </p:spPr>
+        <p:txBody>
+          <a:bodyPr>
+            <a:noAutofit/>
+          </a:bodyPr>
+          <a:lstStyle/>
+          <a:p>
+            <a:pPr algn="ctr"/>
+            <a:r>
+              <a:rPr lang="it-IT" sz="4000" dirty="0" err="1">
+                <a:solidFill>
+                  <a:schemeClr val="accent1"/>
+                </a:solidFill>
+              </a:rPr>
+              <a:t>Thank</a:t>
+            </a:r>
+            <a:r>
+              <a:rPr lang="it-IT" sz="4000" dirty="0">
+                <a:solidFill>
+                  <a:schemeClr val="accent1"/>
+                </a:solidFill>
+              </a:rPr>
+              <a:t> </a:t>
+            </a:r>
+            <a:r>
+              <a:rPr lang="it-IT" sz="4000" dirty="0" err="1">
+                <a:solidFill>
+                  <a:schemeClr val="accent1"/>
+                </a:solidFill>
+              </a:rPr>
+              <a:t>you</a:t>
+            </a:r>
+            <a:endParaRPr lang="it-IT" sz="4000" dirty="0">
+              <a:solidFill>
+                <a:schemeClr val="accent1"/>
+              </a:solidFill>
+            </a:endParaRPr>
+          </a:p>
+        </p:txBody>
+      </p:sp>
+      <p:sp>
+        <p:nvSpPr>
+          <p:cNvPr id="3" name="Segnaposto testo 2">
+            <a:extLst>
+              <a:ext uri="{FF2B5EF4-FFF2-40B4-BE49-F238E27FC236}">
+                <a16:creationId xmlns:a16="http://schemas.microsoft.com/office/drawing/2014/main" id="{72DC9F92-FD04-C945-91F2-10F11C5F5EE4}"/>
+              </a:ext>
+            </a:extLst>
+          </p:cNvPr>
+          <p:cNvSpPr>
+            <a:spLocks noGrp="1"/>
+          </p:cNvSpPr>
+          <p:nvPr>
+            <p:ph type="body" idx="1"/>
+          </p:nvPr>
+        </p:nvSpPr>
+        <p:spPr>
+          <a:xfrm>
+            <a:off x="325875" y="83974"/>
+            <a:ext cx="8492247" cy="3941551"/>
+          </a:xfrm>
+          <a:solidFill>
+            <a:schemeClr val="bg1">
+              <a:alpha val="90000"/>
+            </a:schemeClr>
+          </a:solidFill>
+        </p:spPr>
+        <p:txBody>
+          <a:bodyPr>
+            <a:normAutofit lnSpcReduction="10000"/>
+          </a:bodyPr>
+          <a:lstStyle/>
+          <a:p>
+            <a:pPr marL="146050" indent="0" algn="ctr">
+              <a:buNone/>
+            </a:pPr>
+            <a:r>
+              <a:rPr lang="it-IT" sz="1800" dirty="0">
+                <a:solidFill>
+                  <a:schemeClr val="accent1"/>
+                </a:solidFill>
+                <a:latin typeface="Helvetica Neue" panose="02000503000000020004" pitchFamily="2" charset="0"/>
+                <a:ea typeface="Helvetica Neue" panose="02000503000000020004" pitchFamily="2" charset="0"/>
+                <a:cs typeface="Helvetica Neue" panose="02000503000000020004" pitchFamily="2" charset="0"/>
+              </a:rPr>
+              <a:t>Reference </a:t>
+            </a:r>
+            <a:r>
+              <a:rPr lang="it-IT" sz="1800" dirty="0" err="1">
+                <a:solidFill>
+                  <a:schemeClr val="accent1"/>
+                </a:solidFill>
+                <a:latin typeface="Helvetica Neue" panose="02000503000000020004" pitchFamily="2" charset="0"/>
+                <a:ea typeface="Helvetica Neue" panose="02000503000000020004" pitchFamily="2" charset="0"/>
+                <a:cs typeface="Helvetica Neue" panose="02000503000000020004" pitchFamily="2" charset="0"/>
+              </a:rPr>
+              <a:t>Documents</a:t>
+            </a:r>
+            <a:endParaRPr lang="it-IT" sz="1800" dirty="0">
+              <a:solidFill>
+                <a:schemeClr val="accent1"/>
+              </a:solidFill>
+              <a:latin typeface="Helvetica Neue" panose="02000503000000020004" pitchFamily="2" charset="0"/>
+              <a:ea typeface="Helvetica Neue" panose="02000503000000020004" pitchFamily="2" charset="0"/>
+              <a:cs typeface="Helvetica Neue" panose="02000503000000020004" pitchFamily="2" charset="0"/>
+            </a:endParaRPr>
+          </a:p>
+          <a:p>
+            <a:pPr marL="146050" indent="0">
+              <a:buNone/>
+            </a:pPr>
+            <a:r>
+              <a:rPr lang="it-IT" sz="1600" i="1" dirty="0">
+                <a:solidFill>
+                  <a:schemeClr val="accent1"/>
+                </a:solidFill>
+                <a:latin typeface="Helvetica Neue" panose="02000503000000020004" pitchFamily="2" charset="0"/>
+                <a:ea typeface="Helvetica Neue" panose="02000503000000020004" pitchFamily="2" charset="0"/>
+                <a:cs typeface="Helvetica Neue" panose="02000503000000020004" pitchFamily="2" charset="0"/>
+              </a:rPr>
+              <a:t>Requirements Analysis and </a:t>
+            </a:r>
+            <a:r>
+              <a:rPr lang="it-IT" sz="1600" i="1" dirty="0" err="1">
+                <a:solidFill>
+                  <a:schemeClr val="accent1"/>
+                </a:solidFill>
+                <a:latin typeface="Helvetica Neue" panose="02000503000000020004" pitchFamily="2" charset="0"/>
+                <a:ea typeface="Helvetica Neue" panose="02000503000000020004" pitchFamily="2" charset="0"/>
+                <a:cs typeface="Helvetica Neue" panose="02000503000000020004" pitchFamily="2" charset="0"/>
+              </a:rPr>
+              <a:t>Specification</a:t>
+            </a:r>
+            <a:r>
+              <a:rPr lang="it-IT" sz="1600" i="1" dirty="0">
+                <a:solidFill>
+                  <a:schemeClr val="accent1"/>
+                </a:solidFill>
+                <a:latin typeface="Helvetica Neue" panose="02000503000000020004" pitchFamily="2" charset="0"/>
+                <a:ea typeface="Helvetica Neue" panose="02000503000000020004" pitchFamily="2" charset="0"/>
+                <a:cs typeface="Helvetica Neue" panose="02000503000000020004" pitchFamily="2" charset="0"/>
+              </a:rPr>
+              <a:t> </a:t>
+            </a:r>
+            <a:r>
+              <a:rPr lang="it-IT" sz="1600" i="1" dirty="0" err="1">
+                <a:solidFill>
+                  <a:schemeClr val="accent1"/>
+                </a:solidFill>
+                <a:latin typeface="Helvetica Neue" panose="02000503000000020004" pitchFamily="2" charset="0"/>
+                <a:ea typeface="Helvetica Neue" panose="02000503000000020004" pitchFamily="2" charset="0"/>
+                <a:cs typeface="Helvetica Neue" panose="02000503000000020004" pitchFamily="2" charset="0"/>
+              </a:rPr>
+              <a:t>Document</a:t>
+            </a:r>
+            <a:r>
+              <a:rPr lang="it-IT" sz="1600" i="1" dirty="0">
+                <a:solidFill>
+                  <a:schemeClr val="accent1"/>
+                </a:solidFill>
+                <a:latin typeface="Helvetica Neue" panose="02000503000000020004" pitchFamily="2" charset="0"/>
+                <a:ea typeface="Helvetica Neue" panose="02000503000000020004" pitchFamily="2" charset="0"/>
+                <a:cs typeface="Helvetica Neue" panose="02000503000000020004" pitchFamily="2" charset="0"/>
+              </a:rPr>
+              <a:t> </a:t>
+            </a:r>
+          </a:p>
+          <a:p>
+            <a:pPr marL="146050" indent="0">
+              <a:buNone/>
+            </a:pPr>
+            <a:r>
+              <a:rPr lang="en" sz="1600" dirty="0">
+                <a:solidFill>
+                  <a:schemeClr val="accent1"/>
+                </a:solidFill>
+                <a:latin typeface="Helvetica Neue Light" panose="02000403000000020004" pitchFamily="2" charset="0"/>
+                <a:ea typeface="Helvetica Neue Light" panose="02000403000000020004" pitchFamily="2" charset="0"/>
+              </a:rPr>
+              <a:t>Specification Document "Mandatory Project Assignment AY 2018-2019".</a:t>
+            </a:r>
+          </a:p>
+          <a:p>
+            <a:pPr marL="146050" indent="0">
+              <a:buNone/>
+            </a:pPr>
+            <a:r>
+              <a:rPr lang="en" sz="1600" dirty="0">
+                <a:solidFill>
+                  <a:schemeClr val="accent1"/>
+                </a:solidFill>
+                <a:latin typeface="Helvetica Neue Light" panose="02000403000000020004" pitchFamily="2" charset="0"/>
+                <a:ea typeface="Helvetica Neue Light" panose="02000403000000020004" pitchFamily="2" charset="0"/>
+              </a:rPr>
+              <a:t>Slides "Structure of RASD".</a:t>
+            </a:r>
+            <a:br>
+              <a:rPr lang="en" sz="1600" dirty="0">
+                <a:solidFill>
+                  <a:schemeClr val="accent1"/>
+                </a:solidFill>
+                <a:latin typeface="Helvetica Neue Light" panose="02000403000000020004" pitchFamily="2" charset="0"/>
+                <a:ea typeface="Helvetica Neue Light" panose="02000403000000020004" pitchFamily="2" charset="0"/>
+              </a:rPr>
+            </a:br>
+            <a:r>
+              <a:rPr lang="en" sz="1600" dirty="0">
+                <a:solidFill>
+                  <a:schemeClr val="accent1"/>
+                </a:solidFill>
+                <a:latin typeface="Helvetica Neue Light" panose="02000403000000020004" pitchFamily="2" charset="0"/>
+                <a:ea typeface="Helvetica Neue Light" panose="02000403000000020004" pitchFamily="2" charset="0"/>
+              </a:rPr>
+              <a:t>Slides "Use of Alloy in RE".</a:t>
+            </a:r>
+            <a:br>
+              <a:rPr lang="en" sz="1600" dirty="0">
+                <a:solidFill>
+                  <a:schemeClr val="accent1"/>
+                </a:solidFill>
+                <a:latin typeface="Helvetica Neue Light" panose="02000403000000020004" pitchFamily="2" charset="0"/>
+                <a:ea typeface="Helvetica Neue Light" panose="02000403000000020004" pitchFamily="2" charset="0"/>
+              </a:rPr>
+            </a:br>
+            <a:r>
+              <a:rPr lang="en" sz="1600" dirty="0">
+                <a:solidFill>
+                  <a:schemeClr val="accent1"/>
+                </a:solidFill>
+                <a:latin typeface="Helvetica Neue Light" panose="02000403000000020004" pitchFamily="2" charset="0"/>
+                <a:ea typeface="Helvetica Neue Light" panose="02000403000000020004" pitchFamily="2" charset="0"/>
+              </a:rPr>
+              <a:t>Use Case Diagrams created with https://</a:t>
+            </a:r>
+            <a:r>
+              <a:rPr lang="en" sz="1600" dirty="0" err="1">
+                <a:solidFill>
+                  <a:schemeClr val="accent1"/>
+                </a:solidFill>
+                <a:latin typeface="Helvetica Neue Light" panose="02000403000000020004" pitchFamily="2" charset="0"/>
+                <a:ea typeface="Helvetica Neue Light" panose="02000403000000020004" pitchFamily="2" charset="0"/>
+              </a:rPr>
+              <a:t>www.lucidchart.com</a:t>
+            </a:r>
+            <a:r>
+              <a:rPr lang="en" sz="1600" dirty="0">
+                <a:solidFill>
+                  <a:schemeClr val="accent1"/>
+                </a:solidFill>
+                <a:latin typeface="Helvetica Neue Light" panose="02000403000000020004" pitchFamily="2" charset="0"/>
+                <a:ea typeface="Helvetica Neue Light" panose="02000403000000020004" pitchFamily="2" charset="0"/>
+              </a:rPr>
+              <a:t> </a:t>
+            </a:r>
+          </a:p>
+          <a:p>
+            <a:pPr marL="146050" indent="0">
+              <a:buNone/>
+            </a:pPr>
+            <a:r>
+              <a:rPr lang="en" sz="1600" dirty="0">
+                <a:solidFill>
+                  <a:schemeClr val="accent1"/>
+                </a:solidFill>
+                <a:latin typeface="Helvetica Neue Light" panose="02000403000000020004" pitchFamily="2" charset="0"/>
+                <a:ea typeface="Helvetica Neue Light" panose="02000403000000020004" pitchFamily="2" charset="0"/>
+              </a:rPr>
+              <a:t>Mockups created with https://</a:t>
+            </a:r>
+            <a:r>
+              <a:rPr lang="en" sz="1600" dirty="0" err="1">
+                <a:solidFill>
+                  <a:schemeClr val="accent1"/>
+                </a:solidFill>
+                <a:latin typeface="Helvetica Neue Light" panose="02000403000000020004" pitchFamily="2" charset="0"/>
+                <a:ea typeface="Helvetica Neue Light" panose="02000403000000020004" pitchFamily="2" charset="0"/>
+              </a:rPr>
+              <a:t>www.fluidui.com</a:t>
+            </a:r>
+            <a:r>
+              <a:rPr lang="en" sz="1600" dirty="0">
+                <a:solidFill>
+                  <a:schemeClr val="accent1"/>
+                </a:solidFill>
+                <a:latin typeface="Helvetica Neue Light" panose="02000403000000020004" pitchFamily="2" charset="0"/>
+                <a:ea typeface="Helvetica Neue Light" panose="02000403000000020004" pitchFamily="2" charset="0"/>
+              </a:rPr>
+              <a:t> </a:t>
+            </a:r>
+          </a:p>
+          <a:p>
+            <a:pPr marL="146050" indent="0">
+              <a:buNone/>
+            </a:pPr>
+            <a:endParaRPr lang="en" sz="1600" dirty="0">
+              <a:solidFill>
+                <a:schemeClr val="accent1"/>
+              </a:solidFill>
+              <a:latin typeface="Helvetica Neue Light" panose="02000403000000020004" pitchFamily="2" charset="0"/>
+              <a:ea typeface="Helvetica Neue Light" panose="02000403000000020004" pitchFamily="2" charset="0"/>
+            </a:endParaRPr>
+          </a:p>
+          <a:p>
+            <a:pPr marL="146050" indent="0">
+              <a:buNone/>
+            </a:pPr>
+            <a:r>
+              <a:rPr lang="en" sz="1600" i="1" dirty="0">
+                <a:solidFill>
+                  <a:schemeClr val="accent1"/>
+                </a:solidFill>
+                <a:latin typeface="Helvetica Neue" panose="02000503000000020004" pitchFamily="2" charset="0"/>
+                <a:ea typeface="Helvetica Neue" panose="02000503000000020004" pitchFamily="2" charset="0"/>
+                <a:cs typeface="Helvetica Neue" panose="02000503000000020004" pitchFamily="2" charset="0"/>
+              </a:rPr>
+              <a:t>Design Document</a:t>
+            </a:r>
+          </a:p>
+          <a:p>
+            <a:pPr marL="146050" indent="0">
+              <a:buNone/>
+            </a:pPr>
+            <a:r>
+              <a:rPr lang="en" sz="1600" dirty="0">
+                <a:solidFill>
+                  <a:schemeClr val="accent1"/>
+                </a:solidFill>
+                <a:latin typeface="Helvetica Neue Light" panose="02000403000000020004" pitchFamily="2" charset="0"/>
+                <a:ea typeface="Helvetica Neue Light" panose="02000403000000020004" pitchFamily="2" charset="0"/>
+              </a:rPr>
+              <a:t>Specification Document "Mandatory Project Assignment AY 2018-2019".</a:t>
+            </a:r>
+            <a:br>
+              <a:rPr lang="en" sz="1600" dirty="0">
+                <a:solidFill>
+                  <a:schemeClr val="accent1"/>
+                </a:solidFill>
+                <a:latin typeface="Helvetica Neue Light" panose="02000403000000020004" pitchFamily="2" charset="0"/>
+                <a:ea typeface="Helvetica Neue Light" panose="02000403000000020004" pitchFamily="2" charset="0"/>
+              </a:rPr>
+            </a:br>
+            <a:r>
+              <a:rPr lang="en" sz="1600" dirty="0">
+                <a:solidFill>
+                  <a:schemeClr val="accent1"/>
+                </a:solidFill>
+                <a:latin typeface="Helvetica Neue Light" panose="02000403000000020004" pitchFamily="2" charset="0"/>
+                <a:ea typeface="Helvetica Neue Light" panose="02000403000000020004" pitchFamily="2" charset="0"/>
+              </a:rPr>
+              <a:t>Slides about "Design".</a:t>
+            </a:r>
+            <a:br>
+              <a:rPr lang="en" sz="1600" dirty="0">
+                <a:solidFill>
+                  <a:schemeClr val="accent1"/>
+                </a:solidFill>
+                <a:latin typeface="Helvetica Neue Light" panose="02000403000000020004" pitchFamily="2" charset="0"/>
+                <a:ea typeface="Helvetica Neue Light" panose="02000403000000020004" pitchFamily="2" charset="0"/>
+              </a:rPr>
+            </a:br>
+            <a:r>
+              <a:rPr lang="en" sz="1600" dirty="0">
+                <a:solidFill>
+                  <a:schemeClr val="accent1"/>
+                </a:solidFill>
+                <a:latin typeface="Helvetica Neue Light" panose="02000403000000020004" pitchFamily="2" charset="0"/>
+                <a:ea typeface="Helvetica Neue Light" panose="02000403000000020004" pitchFamily="2" charset="0"/>
+              </a:rPr>
+              <a:t>Slides about "Implementation, Integration and Test Plan".</a:t>
+            </a:r>
+            <a:br>
+              <a:rPr lang="en" sz="1600" dirty="0">
+                <a:solidFill>
+                  <a:schemeClr val="accent1"/>
+                </a:solidFill>
+                <a:latin typeface="Helvetica Neue Light" panose="02000403000000020004" pitchFamily="2" charset="0"/>
+                <a:ea typeface="Helvetica Neue Light" panose="02000403000000020004" pitchFamily="2" charset="0"/>
+              </a:rPr>
+            </a:br>
+            <a:r>
+              <a:rPr lang="en" sz="1600" dirty="0">
+                <a:solidFill>
+                  <a:schemeClr val="accent1"/>
+                </a:solidFill>
+                <a:latin typeface="Helvetica Neue Light" panose="02000403000000020004" pitchFamily="2" charset="0"/>
+                <a:ea typeface="Helvetica Neue Light" panose="02000403000000020004" pitchFamily="2" charset="0"/>
+              </a:rPr>
+              <a:t>Sequence Diagrams created with https://</a:t>
+            </a:r>
+            <a:r>
+              <a:rPr lang="en" sz="1600" dirty="0" err="1">
+                <a:solidFill>
+                  <a:schemeClr val="accent1"/>
+                </a:solidFill>
+                <a:latin typeface="Helvetica Neue Light" panose="02000403000000020004" pitchFamily="2" charset="0"/>
+                <a:ea typeface="Helvetica Neue Light" panose="02000403000000020004" pitchFamily="2" charset="0"/>
+              </a:rPr>
+              <a:t>www.nomagic.com</a:t>
+            </a:r>
+            <a:r>
+              <a:rPr lang="en" sz="1600" dirty="0">
+                <a:solidFill>
+                  <a:schemeClr val="accent1"/>
+                </a:solidFill>
+                <a:latin typeface="Helvetica Neue Light" panose="02000403000000020004" pitchFamily="2" charset="0"/>
+                <a:ea typeface="Helvetica Neue Light" panose="02000403000000020004" pitchFamily="2" charset="0"/>
+              </a:rPr>
+              <a:t>/products/</a:t>
+            </a:r>
+            <a:r>
+              <a:rPr lang="en" sz="1600" dirty="0" err="1">
+                <a:solidFill>
+                  <a:schemeClr val="accent1"/>
+                </a:solidFill>
+                <a:latin typeface="Helvetica Neue Light" panose="02000403000000020004" pitchFamily="2" charset="0"/>
+                <a:ea typeface="Helvetica Neue Light" panose="02000403000000020004" pitchFamily="2" charset="0"/>
+              </a:rPr>
+              <a:t>magicdraw</a:t>
+            </a:r>
+            <a:r>
+              <a:rPr lang="en" sz="1600" dirty="0">
+                <a:solidFill>
+                  <a:schemeClr val="accent1"/>
+                </a:solidFill>
+                <a:latin typeface="Helvetica Neue Light" panose="02000403000000020004" pitchFamily="2" charset="0"/>
+                <a:ea typeface="Helvetica Neue Light" panose="02000403000000020004" pitchFamily="2" charset="0"/>
+              </a:rPr>
+              <a:t> </a:t>
+            </a:r>
+          </a:p>
+          <a:p>
+            <a:pPr marL="146050" indent="0">
+              <a:buNone/>
+            </a:pPr>
+            <a:r>
+              <a:rPr lang="en" sz="1600" dirty="0">
+                <a:solidFill>
+                  <a:schemeClr val="accent1"/>
+                </a:solidFill>
+                <a:latin typeface="Helvetica Neue Light" panose="02000403000000020004" pitchFamily="2" charset="0"/>
+                <a:ea typeface="Helvetica Neue Light" panose="02000403000000020004" pitchFamily="2" charset="0"/>
+              </a:rPr>
+              <a:t>Mockups created with https://</a:t>
+            </a:r>
+            <a:r>
+              <a:rPr lang="en" sz="1600" dirty="0" err="1">
+                <a:solidFill>
+                  <a:schemeClr val="accent1"/>
+                </a:solidFill>
+                <a:latin typeface="Helvetica Neue Light" panose="02000403000000020004" pitchFamily="2" charset="0"/>
+                <a:ea typeface="Helvetica Neue Light" panose="02000403000000020004" pitchFamily="2" charset="0"/>
+              </a:rPr>
+              <a:t>www.fluidui.com</a:t>
+            </a:r>
+            <a:r>
+              <a:rPr lang="en" sz="1600" dirty="0">
+                <a:solidFill>
+                  <a:schemeClr val="accent1"/>
+                </a:solidFill>
+                <a:latin typeface="Helvetica Neue Light" panose="02000403000000020004" pitchFamily="2" charset="0"/>
+                <a:ea typeface="Helvetica Neue Light" panose="02000403000000020004" pitchFamily="2" charset="0"/>
+              </a:rPr>
+              <a:t> and https://www.simbla.com</a:t>
+            </a:r>
+          </a:p>
+          <a:p>
+            <a:pPr marL="146050" indent="0">
+              <a:buNone/>
+            </a:pPr>
+            <a:r>
+              <a:rPr lang="en" sz="1600" dirty="0">
+                <a:solidFill>
+                  <a:schemeClr val="accent1"/>
+                </a:solidFill>
+                <a:latin typeface="Helvetica Neue Light" panose="02000403000000020004" pitchFamily="2" charset="0"/>
+                <a:ea typeface="Helvetica Neue Light" panose="02000403000000020004" pitchFamily="2" charset="0"/>
+              </a:rPr>
+              <a:t>Component Diagram created with https://</a:t>
+            </a:r>
+            <a:r>
+              <a:rPr lang="en" sz="1600" dirty="0" err="1">
+                <a:solidFill>
+                  <a:schemeClr val="accent1"/>
+                </a:solidFill>
+                <a:latin typeface="Helvetica Neue Light" panose="02000403000000020004" pitchFamily="2" charset="0"/>
+                <a:ea typeface="Helvetica Neue Light" panose="02000403000000020004" pitchFamily="2" charset="0"/>
+              </a:rPr>
+              <a:t>online.visual-paradigm.com</a:t>
+            </a:r>
+            <a:r>
+              <a:rPr lang="en" sz="1600" dirty="0">
+                <a:solidFill>
+                  <a:schemeClr val="accent1"/>
+                </a:solidFill>
+                <a:latin typeface="Helvetica Neue Light" panose="02000403000000020004" pitchFamily="2" charset="0"/>
+                <a:ea typeface="Helvetica Neue Light" panose="02000403000000020004" pitchFamily="2" charset="0"/>
+              </a:rPr>
+              <a:t> </a:t>
+            </a:r>
+          </a:p>
+          <a:p>
+            <a:pPr marL="146050" indent="0">
+              <a:buNone/>
+            </a:pPr>
+            <a:r>
+              <a:rPr lang="en" sz="1600" dirty="0">
+                <a:solidFill>
+                  <a:schemeClr val="accent1"/>
+                </a:solidFill>
+                <a:latin typeface="Helvetica Neue Light" panose="02000403000000020004" pitchFamily="2" charset="0"/>
+                <a:ea typeface="Helvetica Neue Light" panose="02000403000000020004" pitchFamily="2" charset="0"/>
+              </a:rPr>
+              <a:t>Other Diagrams created with https://</a:t>
+            </a:r>
+            <a:r>
+              <a:rPr lang="en" sz="1600" dirty="0" err="1">
+                <a:solidFill>
+                  <a:schemeClr val="accent1"/>
+                </a:solidFill>
+                <a:latin typeface="Helvetica Neue Light" panose="02000403000000020004" pitchFamily="2" charset="0"/>
+                <a:ea typeface="Helvetica Neue Light" panose="02000403000000020004" pitchFamily="2" charset="0"/>
+              </a:rPr>
+              <a:t>www.draw.io</a:t>
+            </a:r>
+            <a:r>
+              <a:rPr lang="en" sz="1600" dirty="0">
+                <a:solidFill>
+                  <a:schemeClr val="accent1"/>
+                </a:solidFill>
+                <a:latin typeface="Helvetica Neue Light" panose="02000403000000020004" pitchFamily="2" charset="0"/>
+                <a:ea typeface="Helvetica Neue Light" panose="02000403000000020004" pitchFamily="2" charset="0"/>
+              </a:rPr>
+              <a:t> </a:t>
+            </a:r>
+          </a:p>
+          <a:p>
+            <a:endParaRPr lang="it-IT" dirty="0"/>
+          </a:p>
+        </p:txBody>
+      </p:sp>
+    </p:spTree>
+    <p:extLst>
+      <p:ext uri="{BB962C8B-B14F-4D97-AF65-F5344CB8AC3E}">
+        <p14:creationId xmlns:p14="http://schemas.microsoft.com/office/powerpoint/2010/main" val="609638620"/>
+      </p:ext>
+    </p:extLst>
+  </p:cSld>
+  <p:clrMapOvr>
+    <a:masterClrMapping/>
+  </p:clrMapOvr>
+  <p:transition spd="slow">
+    <p:push dir="u"/>
+  </p:transition>
+  <p:timing>
+    <p:tnLst>
+      <p:par>
+        <p:cTn id="1" dur="indefinite" restart="never" nodeType="tmRoot">
+          <p:childTnLst>
+            <p:seq concurrent="1" nextAc="seek">
+              <p:cTn id="2" dur="indefinite" nodeType="mainSeq">
+                <p:childTnLst>
+                  <p:par>
+                    <p:cTn id="3" fill="hold">
+                      <p:stCondLst>
+                        <p:cond delay="indefinite"/>
+                        <p:cond evt="onBegin" delay="0">
+                          <p:tn val="2"/>
+                        </p:cond>
+                      </p:stCondLst>
+                      <p:childTnLst>
+                        <p:par>
+                          <p:cTn id="4" fill="hold">
+                            <p:stCondLst>
+                              <p:cond delay="0"/>
+                            </p:stCondLst>
+                            <p:childTnLst>
+                              <p:par>
+                                <p:cTn id="5" presetID="28" presetClass="entr" presetSubtype="0" fill="hold" grpId="0" nodeType="withEffect">
+                                  <p:stCondLst>
+                                    <p:cond delay="0"/>
+                                  </p:stCondLst>
+                                  <p:childTnLst>
+                                    <p:set>
+                                      <p:cBhvr>
+                                        <p:cTn id="6" dur="1" fill="hold">
+                                          <p:stCondLst>
+                                            <p:cond delay="0"/>
+                                          </p:stCondLst>
+                                        </p:cTn>
+                                        <p:tgtEl>
+                                          <p:spTgt spid="3">
+                                            <p:bg/>
+                                          </p:spTgt>
+                                        </p:tgtEl>
+                                        <p:attrNameLst>
+                                          <p:attrName>style.visibility</p:attrName>
+                                        </p:attrNameLst>
+                                      </p:cBhvr>
+                                      <p:to>
+                                        <p:strVal val="visible"/>
+                                      </p:to>
+                                    </p:set>
+                                    <p:anim calcmode="lin" valueType="num">
+                                      <p:cBhvr>
+                                        <p:cTn id="7" dur="20000" fill="hold"/>
+                                        <p:tgtEl>
+                                          <p:spTgt spid="3">
+                                            <p:bg/>
+                                          </p:spTgt>
+                                        </p:tgtEl>
+                                        <p:attrNameLst>
+                                          <p:attrName>ppt_x</p:attrName>
+                                        </p:attrNameLst>
+                                      </p:cBhvr>
+                                      <p:tavLst>
+                                        <p:tav tm="0">
+                                          <p:val>
+                                            <p:strVal val="#ppt_x"/>
+                                          </p:val>
+                                        </p:tav>
+                                        <p:tav tm="100000">
+                                          <p:val>
+                                            <p:strVal val="#ppt_x"/>
+                                          </p:val>
+                                        </p:tav>
+                                      </p:tavLst>
+                                    </p:anim>
+                                    <p:anim calcmode="lin" valueType="num">
+                                      <p:cBhvr>
+                                        <p:cTn id="8" dur="20000" fill="hold"/>
+                                        <p:tgtEl>
+                                          <p:spTgt spid="3">
+                                            <p:bg/>
+                                          </p:spTgt>
+                                        </p:tgtEl>
+                                        <p:attrNameLst>
+                                          <p:attrName>ppt_y</p:attrName>
+                                        </p:attrNameLst>
+                                      </p:cBhvr>
+                                      <p:tavLst>
+                                        <p:tav tm="0">
+                                          <p:val>
+                                            <p:strVal val="#ppt_y+1"/>
+                                          </p:val>
+                                        </p:tav>
+                                        <p:tav tm="100000">
+                                          <p:val>
+                                            <p:strVal val="#ppt_y-1"/>
+                                          </p:val>
+                                        </p:tav>
+                                      </p:tavLst>
+                                    </p:anim>
+                                  </p:childTnLst>
+                                </p:cTn>
+                              </p:par>
+                              <p:par>
+                                <p:cTn id="9" presetID="28" presetClass="entr" presetSubtype="0" fill="hold" grpId="0" nodeType="withEffect">
+                                  <p:stCondLst>
+                                    <p:cond delay="0"/>
+                                  </p:stCondLst>
+                                  <p:childTnLst>
+                                    <p:set>
+                                      <p:cBhvr>
+                                        <p:cTn id="10" dur="1" fill="hold">
+                                          <p:stCondLst>
+                                            <p:cond delay="0"/>
+                                          </p:stCondLst>
+                                        </p:cTn>
+                                        <p:tgtEl>
+                                          <p:spTgt spid="3">
+                                            <p:txEl>
+                                              <p:pRg st="0" end="0"/>
+                                            </p:txEl>
+                                          </p:spTgt>
+                                        </p:tgtEl>
+                                        <p:attrNameLst>
+                                          <p:attrName>style.visibility</p:attrName>
+                                        </p:attrNameLst>
+                                      </p:cBhvr>
+                                      <p:to>
+                                        <p:strVal val="visible"/>
+                                      </p:to>
+                                    </p:set>
+                                    <p:anim calcmode="lin" valueType="num">
+                                      <p:cBhvr>
+                                        <p:cTn id="11" dur="20000" fill="hold"/>
+                                        <p:tgtEl>
+                                          <p:spTgt spid="3">
+                                            <p:txEl>
+                                              <p:pRg st="0" end="0"/>
+                                            </p:txEl>
+                                          </p:spTgt>
+                                        </p:tgtEl>
+                                        <p:attrNameLst>
+                                          <p:attrName>ppt_x</p:attrName>
+                                        </p:attrNameLst>
+                                      </p:cBhvr>
+                                      <p:tavLst>
+                                        <p:tav tm="0">
+                                          <p:val>
+                                            <p:strVal val="#ppt_x"/>
+                                          </p:val>
+                                        </p:tav>
+                                        <p:tav tm="100000">
+                                          <p:val>
+                                            <p:strVal val="#ppt_x"/>
+                                          </p:val>
+                                        </p:tav>
+                                      </p:tavLst>
+                                    </p:anim>
+                                    <p:anim calcmode="lin" valueType="num">
+                                      <p:cBhvr>
+                                        <p:cTn id="12" dur="20000" fill="hold"/>
+                                        <p:tgtEl>
+                                          <p:spTgt spid="3">
+                                            <p:txEl>
+                                              <p:pRg st="0" end="0"/>
+                                            </p:txEl>
+                                          </p:spTgt>
+                                        </p:tgtEl>
+                                        <p:attrNameLst>
+                                          <p:attrName>ppt_y</p:attrName>
+                                        </p:attrNameLst>
+                                      </p:cBhvr>
+                                      <p:tavLst>
+                                        <p:tav tm="0">
+                                          <p:val>
+                                            <p:strVal val="#ppt_y+1"/>
+                                          </p:val>
+                                        </p:tav>
+                                        <p:tav tm="100000">
+                                          <p:val>
+                                            <p:strVal val="#ppt_y-1"/>
+                                          </p:val>
+                                        </p:tav>
+                                      </p:tavLst>
+                                    </p:anim>
+                                  </p:childTnLst>
+                                </p:cTn>
+                              </p:par>
+                              <p:par>
+                                <p:cTn id="13" presetID="28" presetClass="entr" presetSubtype="0" fill="hold" grpId="0" nodeType="withEffect">
+                                  <p:stCondLst>
+                                    <p:cond delay="0"/>
+                                  </p:stCondLst>
+                                  <p:childTnLst>
+                                    <p:set>
+                                      <p:cBhvr>
+                                        <p:cTn id="14" dur="1" fill="hold">
+                                          <p:stCondLst>
+                                            <p:cond delay="0"/>
+                                          </p:stCondLst>
+                                        </p:cTn>
+                                        <p:tgtEl>
+                                          <p:spTgt spid="3">
+                                            <p:txEl>
+                                              <p:pRg st="1" end="1"/>
+                                            </p:txEl>
+                                          </p:spTgt>
+                                        </p:tgtEl>
+                                        <p:attrNameLst>
+                                          <p:attrName>style.visibility</p:attrName>
+                                        </p:attrNameLst>
+                                      </p:cBhvr>
+                                      <p:to>
+                                        <p:strVal val="visible"/>
+                                      </p:to>
+                                    </p:set>
+                                    <p:anim calcmode="lin" valueType="num">
+                                      <p:cBhvr>
+                                        <p:cTn id="15" dur="20000" fill="hold"/>
+                                        <p:tgtEl>
+                                          <p:spTgt spid="3">
+                                            <p:txEl>
+                                              <p:pRg st="1" end="1"/>
+                                            </p:txEl>
+                                          </p:spTgt>
+                                        </p:tgtEl>
+                                        <p:attrNameLst>
+                                          <p:attrName>ppt_x</p:attrName>
+                                        </p:attrNameLst>
+                                      </p:cBhvr>
+                                      <p:tavLst>
+                                        <p:tav tm="0">
+                                          <p:val>
+                                            <p:strVal val="#ppt_x"/>
+                                          </p:val>
+                                        </p:tav>
+                                        <p:tav tm="100000">
+                                          <p:val>
+                                            <p:strVal val="#ppt_x"/>
+                                          </p:val>
+                                        </p:tav>
+                                      </p:tavLst>
+                                    </p:anim>
+                                    <p:anim calcmode="lin" valueType="num">
+                                      <p:cBhvr>
+                                        <p:cTn id="16" dur="20000" fill="hold"/>
+                                        <p:tgtEl>
+                                          <p:spTgt spid="3">
+                                            <p:txEl>
+                                              <p:pRg st="1" end="1"/>
+                                            </p:txEl>
+                                          </p:spTgt>
+                                        </p:tgtEl>
+                                        <p:attrNameLst>
+                                          <p:attrName>ppt_y</p:attrName>
+                                        </p:attrNameLst>
+                                      </p:cBhvr>
+                                      <p:tavLst>
+                                        <p:tav tm="0">
+                                          <p:val>
+                                            <p:strVal val="#ppt_y+1"/>
+                                          </p:val>
+                                        </p:tav>
+                                        <p:tav tm="100000">
+                                          <p:val>
+                                            <p:strVal val="#ppt_y-1"/>
+                                          </p:val>
+                                        </p:tav>
+                                      </p:tavLst>
+                                    </p:anim>
+                                  </p:childTnLst>
+                                </p:cTn>
+                              </p:par>
+                              <p:par>
+                                <p:cTn id="17" presetID="28" presetClass="entr" presetSubtype="0" fill="hold" grpId="0" nodeType="withEffect">
+                                  <p:stCondLst>
+                                    <p:cond delay="0"/>
+                                  </p:stCondLst>
+                                  <p:childTnLst>
+                                    <p:set>
+                                      <p:cBhvr>
+                                        <p:cTn id="18" dur="1" fill="hold">
+                                          <p:stCondLst>
+                                            <p:cond delay="0"/>
+                                          </p:stCondLst>
+                                        </p:cTn>
+                                        <p:tgtEl>
+                                          <p:spTgt spid="3">
+                                            <p:txEl>
+                                              <p:pRg st="2" end="2"/>
+                                            </p:txEl>
+                                          </p:spTgt>
+                                        </p:tgtEl>
+                                        <p:attrNameLst>
+                                          <p:attrName>style.visibility</p:attrName>
+                                        </p:attrNameLst>
+                                      </p:cBhvr>
+                                      <p:to>
+                                        <p:strVal val="visible"/>
+                                      </p:to>
+                                    </p:set>
+                                    <p:anim calcmode="lin" valueType="num">
+                                      <p:cBhvr>
+                                        <p:cTn id="19" dur="20000" fill="hold"/>
+                                        <p:tgtEl>
+                                          <p:spTgt spid="3">
+                                            <p:txEl>
+                                              <p:pRg st="2" end="2"/>
+                                            </p:txEl>
+                                          </p:spTgt>
+                                        </p:tgtEl>
+                                        <p:attrNameLst>
+                                          <p:attrName>ppt_x</p:attrName>
+                                        </p:attrNameLst>
+                                      </p:cBhvr>
+                                      <p:tavLst>
+                                        <p:tav tm="0">
+                                          <p:val>
+                                            <p:strVal val="#ppt_x"/>
+                                          </p:val>
+                                        </p:tav>
+                                        <p:tav tm="100000">
+                                          <p:val>
+                                            <p:strVal val="#ppt_x"/>
+                                          </p:val>
+                                        </p:tav>
+                                      </p:tavLst>
+                                    </p:anim>
+                                    <p:anim calcmode="lin" valueType="num">
+                                      <p:cBhvr>
+                                        <p:cTn id="20" dur="20000" fill="hold"/>
+                                        <p:tgtEl>
+                                          <p:spTgt spid="3">
+                                            <p:txEl>
+                                              <p:pRg st="2" end="2"/>
+                                            </p:txEl>
+                                          </p:spTgt>
+                                        </p:tgtEl>
+                                        <p:attrNameLst>
+                                          <p:attrName>ppt_y</p:attrName>
+                                        </p:attrNameLst>
+                                      </p:cBhvr>
+                                      <p:tavLst>
+                                        <p:tav tm="0">
+                                          <p:val>
+                                            <p:strVal val="#ppt_y+1"/>
+                                          </p:val>
+                                        </p:tav>
+                                        <p:tav tm="100000">
+                                          <p:val>
+                                            <p:strVal val="#ppt_y-1"/>
+                                          </p:val>
+                                        </p:tav>
+                                      </p:tavLst>
+                                    </p:anim>
+                                  </p:childTnLst>
+                                </p:cTn>
+                              </p:par>
+                              <p:par>
+                                <p:cTn id="21" presetID="28" presetClass="entr" presetSubtype="0" fill="hold" grpId="0" nodeType="withEffect">
+                                  <p:stCondLst>
+                                    <p:cond delay="0"/>
+                                  </p:stCondLst>
+                                  <p:childTnLst>
+                                    <p:set>
+                                      <p:cBhvr>
+                                        <p:cTn id="22" dur="1" fill="hold">
+                                          <p:stCondLst>
+                                            <p:cond delay="0"/>
+                                          </p:stCondLst>
+                                        </p:cTn>
+                                        <p:tgtEl>
+                                          <p:spTgt spid="3">
+                                            <p:txEl>
+                                              <p:pRg st="3" end="3"/>
+                                            </p:txEl>
+                                          </p:spTgt>
+                                        </p:tgtEl>
+                                        <p:attrNameLst>
+                                          <p:attrName>style.visibility</p:attrName>
+                                        </p:attrNameLst>
+                                      </p:cBhvr>
+                                      <p:to>
+                                        <p:strVal val="visible"/>
+                                      </p:to>
+                                    </p:set>
+                                    <p:anim calcmode="lin" valueType="num">
+                                      <p:cBhvr>
+                                        <p:cTn id="23" dur="20000" fill="hold"/>
+                                        <p:tgtEl>
+                                          <p:spTgt spid="3">
+                                            <p:txEl>
+                                              <p:pRg st="3" end="3"/>
+                                            </p:txEl>
+                                          </p:spTgt>
+                                        </p:tgtEl>
+                                        <p:attrNameLst>
+                                          <p:attrName>ppt_x</p:attrName>
+                                        </p:attrNameLst>
+                                      </p:cBhvr>
+                                      <p:tavLst>
+                                        <p:tav tm="0">
+                                          <p:val>
+                                            <p:strVal val="#ppt_x"/>
+                                          </p:val>
+                                        </p:tav>
+                                        <p:tav tm="100000">
+                                          <p:val>
+                                            <p:strVal val="#ppt_x"/>
+                                          </p:val>
+                                        </p:tav>
+                                      </p:tavLst>
+                                    </p:anim>
+                                    <p:anim calcmode="lin" valueType="num">
+                                      <p:cBhvr>
+                                        <p:cTn id="24" dur="20000" fill="hold"/>
+                                        <p:tgtEl>
+                                          <p:spTgt spid="3">
+                                            <p:txEl>
+                                              <p:pRg st="3" end="3"/>
+                                            </p:txEl>
+                                          </p:spTgt>
+                                        </p:tgtEl>
+                                        <p:attrNameLst>
+                                          <p:attrName>ppt_y</p:attrName>
+                                        </p:attrNameLst>
+                                      </p:cBhvr>
+                                      <p:tavLst>
+                                        <p:tav tm="0">
+                                          <p:val>
+                                            <p:strVal val="#ppt_y+1"/>
+                                          </p:val>
+                                        </p:tav>
+                                        <p:tav tm="100000">
+                                          <p:val>
+                                            <p:strVal val="#ppt_y-1"/>
+                                          </p:val>
+                                        </p:tav>
+                                      </p:tavLst>
+                                    </p:anim>
+                                  </p:childTnLst>
+                                </p:cTn>
+                              </p:par>
+                              <p:par>
+                                <p:cTn id="25" presetID="28" presetClass="entr" presetSubtype="0" fill="hold" grpId="0" nodeType="withEffect">
+                                  <p:stCondLst>
+                                    <p:cond delay="0"/>
+                                  </p:stCondLst>
+                                  <p:childTnLst>
+                                    <p:set>
+                                      <p:cBhvr>
+                                        <p:cTn id="26" dur="1" fill="hold">
+                                          <p:stCondLst>
+                                            <p:cond delay="0"/>
+                                          </p:stCondLst>
+                                        </p:cTn>
+                                        <p:tgtEl>
+                                          <p:spTgt spid="3">
+                                            <p:txEl>
+                                              <p:pRg st="4" end="4"/>
+                                            </p:txEl>
+                                          </p:spTgt>
+                                        </p:tgtEl>
+                                        <p:attrNameLst>
+                                          <p:attrName>style.visibility</p:attrName>
+                                        </p:attrNameLst>
+                                      </p:cBhvr>
+                                      <p:to>
+                                        <p:strVal val="visible"/>
+                                      </p:to>
+                                    </p:set>
+                                    <p:anim calcmode="lin" valueType="num">
+                                      <p:cBhvr>
+                                        <p:cTn id="27" dur="20000" fill="hold"/>
+                                        <p:tgtEl>
+                                          <p:spTgt spid="3">
+                                            <p:txEl>
+                                              <p:pRg st="4" end="4"/>
+                                            </p:txEl>
+                                          </p:spTgt>
+                                        </p:tgtEl>
+                                        <p:attrNameLst>
+                                          <p:attrName>ppt_x</p:attrName>
+                                        </p:attrNameLst>
+                                      </p:cBhvr>
+                                      <p:tavLst>
+                                        <p:tav tm="0">
+                                          <p:val>
+                                            <p:strVal val="#ppt_x"/>
+                                          </p:val>
+                                        </p:tav>
+                                        <p:tav tm="100000">
+                                          <p:val>
+                                            <p:strVal val="#ppt_x"/>
+                                          </p:val>
+                                        </p:tav>
+                                      </p:tavLst>
+                                    </p:anim>
+                                    <p:anim calcmode="lin" valueType="num">
+                                      <p:cBhvr>
+                                        <p:cTn id="28" dur="20000" fill="hold"/>
+                                        <p:tgtEl>
+                                          <p:spTgt spid="3">
+                                            <p:txEl>
+                                              <p:pRg st="4" end="4"/>
+                                            </p:txEl>
+                                          </p:spTgt>
+                                        </p:tgtEl>
+                                        <p:attrNameLst>
+                                          <p:attrName>ppt_y</p:attrName>
+                                        </p:attrNameLst>
+                                      </p:cBhvr>
+                                      <p:tavLst>
+                                        <p:tav tm="0">
+                                          <p:val>
+                                            <p:strVal val="#ppt_y+1"/>
+                                          </p:val>
+                                        </p:tav>
+                                        <p:tav tm="100000">
+                                          <p:val>
+                                            <p:strVal val="#ppt_y-1"/>
+                                          </p:val>
+                                        </p:tav>
+                                      </p:tavLst>
+                                    </p:anim>
+                                  </p:childTnLst>
+                                </p:cTn>
+                              </p:par>
+                              <p:par>
+                                <p:cTn id="29" presetID="28" presetClass="entr" presetSubtype="0" fill="hold" grpId="0" nodeType="withEffect">
+                                  <p:stCondLst>
+                                    <p:cond delay="0"/>
+                                  </p:stCondLst>
+                                  <p:childTnLst>
+                                    <p:set>
+                                      <p:cBhvr>
+                                        <p:cTn id="30" dur="1" fill="hold">
+                                          <p:stCondLst>
+                                            <p:cond delay="0"/>
+                                          </p:stCondLst>
+                                        </p:cTn>
+                                        <p:tgtEl>
+                                          <p:spTgt spid="3">
+                                            <p:txEl>
+                                              <p:pRg st="6" end="6"/>
+                                            </p:txEl>
+                                          </p:spTgt>
+                                        </p:tgtEl>
+                                        <p:attrNameLst>
+                                          <p:attrName>style.visibility</p:attrName>
+                                        </p:attrNameLst>
+                                      </p:cBhvr>
+                                      <p:to>
+                                        <p:strVal val="visible"/>
+                                      </p:to>
+                                    </p:set>
+                                    <p:anim calcmode="lin" valueType="num">
+                                      <p:cBhvr>
+                                        <p:cTn id="31" dur="20000" fill="hold"/>
+                                        <p:tgtEl>
+                                          <p:spTgt spid="3">
+                                            <p:txEl>
+                                              <p:pRg st="6" end="6"/>
+                                            </p:txEl>
+                                          </p:spTgt>
+                                        </p:tgtEl>
+                                        <p:attrNameLst>
+                                          <p:attrName>ppt_x</p:attrName>
+                                        </p:attrNameLst>
+                                      </p:cBhvr>
+                                      <p:tavLst>
+                                        <p:tav tm="0">
+                                          <p:val>
+                                            <p:strVal val="#ppt_x"/>
+                                          </p:val>
+                                        </p:tav>
+                                        <p:tav tm="100000">
+                                          <p:val>
+                                            <p:strVal val="#ppt_x"/>
+                                          </p:val>
+                                        </p:tav>
+                                      </p:tavLst>
+                                    </p:anim>
+                                    <p:anim calcmode="lin" valueType="num">
+                                      <p:cBhvr>
+                                        <p:cTn id="32" dur="20000" fill="hold"/>
+                                        <p:tgtEl>
+                                          <p:spTgt spid="3">
+                                            <p:txEl>
+                                              <p:pRg st="6" end="6"/>
+                                            </p:txEl>
+                                          </p:spTgt>
+                                        </p:tgtEl>
+                                        <p:attrNameLst>
+                                          <p:attrName>ppt_y</p:attrName>
+                                        </p:attrNameLst>
+                                      </p:cBhvr>
+                                      <p:tavLst>
+                                        <p:tav tm="0">
+                                          <p:val>
+                                            <p:strVal val="#ppt_y+1"/>
+                                          </p:val>
+                                        </p:tav>
+                                        <p:tav tm="100000">
+                                          <p:val>
+                                            <p:strVal val="#ppt_y-1"/>
+                                          </p:val>
+                                        </p:tav>
+                                      </p:tavLst>
+                                    </p:anim>
+                                  </p:childTnLst>
+                                </p:cTn>
+                              </p:par>
+                              <p:par>
+                                <p:cTn id="33" presetID="28" presetClass="entr" presetSubtype="0" fill="hold" grpId="0" nodeType="withEffect">
+                                  <p:stCondLst>
+                                    <p:cond delay="0"/>
+                                  </p:stCondLst>
+                                  <p:childTnLst>
+                                    <p:set>
+                                      <p:cBhvr>
+                                        <p:cTn id="34" dur="1" fill="hold">
+                                          <p:stCondLst>
+                                            <p:cond delay="0"/>
+                                          </p:stCondLst>
+                                        </p:cTn>
+                                        <p:tgtEl>
+                                          <p:spTgt spid="3">
+                                            <p:txEl>
+                                              <p:pRg st="7" end="7"/>
+                                            </p:txEl>
+                                          </p:spTgt>
+                                        </p:tgtEl>
+                                        <p:attrNameLst>
+                                          <p:attrName>style.visibility</p:attrName>
+                                        </p:attrNameLst>
+                                      </p:cBhvr>
+                                      <p:to>
+                                        <p:strVal val="visible"/>
+                                      </p:to>
+                                    </p:set>
+                                    <p:anim calcmode="lin" valueType="num">
+                                      <p:cBhvr>
+                                        <p:cTn id="35" dur="20000" fill="hold"/>
+                                        <p:tgtEl>
+                                          <p:spTgt spid="3">
+                                            <p:txEl>
+                                              <p:pRg st="7" end="7"/>
+                                            </p:txEl>
+                                          </p:spTgt>
+                                        </p:tgtEl>
+                                        <p:attrNameLst>
+                                          <p:attrName>ppt_x</p:attrName>
+                                        </p:attrNameLst>
+                                      </p:cBhvr>
+                                      <p:tavLst>
+                                        <p:tav tm="0">
+                                          <p:val>
+                                            <p:strVal val="#ppt_x"/>
+                                          </p:val>
+                                        </p:tav>
+                                        <p:tav tm="100000">
+                                          <p:val>
+                                            <p:strVal val="#ppt_x"/>
+                                          </p:val>
+                                        </p:tav>
+                                      </p:tavLst>
+                                    </p:anim>
+                                    <p:anim calcmode="lin" valueType="num">
+                                      <p:cBhvr>
+                                        <p:cTn id="36" dur="20000" fill="hold"/>
+                                        <p:tgtEl>
+                                          <p:spTgt spid="3">
+                                            <p:txEl>
+                                              <p:pRg st="7" end="7"/>
+                                            </p:txEl>
+                                          </p:spTgt>
+                                        </p:tgtEl>
+                                        <p:attrNameLst>
+                                          <p:attrName>ppt_y</p:attrName>
+                                        </p:attrNameLst>
+                                      </p:cBhvr>
+                                      <p:tavLst>
+                                        <p:tav tm="0">
+                                          <p:val>
+                                            <p:strVal val="#ppt_y+1"/>
+                                          </p:val>
+                                        </p:tav>
+                                        <p:tav tm="100000">
+                                          <p:val>
+                                            <p:strVal val="#ppt_y-1"/>
+                                          </p:val>
+                                        </p:tav>
+                                      </p:tavLst>
+                                    </p:anim>
+                                  </p:childTnLst>
+                                </p:cTn>
+                              </p:par>
+                              <p:par>
+                                <p:cTn id="37" presetID="28" presetClass="entr" presetSubtype="0" fill="hold" grpId="0" nodeType="withEffect">
+                                  <p:stCondLst>
+                                    <p:cond delay="0"/>
+                                  </p:stCondLst>
+                                  <p:childTnLst>
+                                    <p:set>
+                                      <p:cBhvr>
+                                        <p:cTn id="38" dur="1" fill="hold">
+                                          <p:stCondLst>
+                                            <p:cond delay="0"/>
+                                          </p:stCondLst>
+                                        </p:cTn>
+                                        <p:tgtEl>
+                                          <p:spTgt spid="3">
+                                            <p:txEl>
+                                              <p:pRg st="8" end="8"/>
+                                            </p:txEl>
+                                          </p:spTgt>
+                                        </p:tgtEl>
+                                        <p:attrNameLst>
+                                          <p:attrName>style.visibility</p:attrName>
+                                        </p:attrNameLst>
+                                      </p:cBhvr>
+                                      <p:to>
+                                        <p:strVal val="visible"/>
+                                      </p:to>
+                                    </p:set>
+                                    <p:anim calcmode="lin" valueType="num">
+                                      <p:cBhvr>
+                                        <p:cTn id="39" dur="20000" fill="hold"/>
+                                        <p:tgtEl>
+                                          <p:spTgt spid="3">
+                                            <p:txEl>
+                                              <p:pRg st="8" end="8"/>
+                                            </p:txEl>
+                                          </p:spTgt>
+                                        </p:tgtEl>
+                                        <p:attrNameLst>
+                                          <p:attrName>ppt_x</p:attrName>
+                                        </p:attrNameLst>
+                                      </p:cBhvr>
+                                      <p:tavLst>
+                                        <p:tav tm="0">
+                                          <p:val>
+                                            <p:strVal val="#ppt_x"/>
+                                          </p:val>
+                                        </p:tav>
+                                        <p:tav tm="100000">
+                                          <p:val>
+                                            <p:strVal val="#ppt_x"/>
+                                          </p:val>
+                                        </p:tav>
+                                      </p:tavLst>
+                                    </p:anim>
+                                    <p:anim calcmode="lin" valueType="num">
+                                      <p:cBhvr>
+                                        <p:cTn id="40" dur="20000" fill="hold"/>
+                                        <p:tgtEl>
+                                          <p:spTgt spid="3">
+                                            <p:txEl>
+                                              <p:pRg st="8" end="8"/>
+                                            </p:txEl>
+                                          </p:spTgt>
+                                        </p:tgtEl>
+                                        <p:attrNameLst>
+                                          <p:attrName>ppt_y</p:attrName>
+                                        </p:attrNameLst>
+                                      </p:cBhvr>
+                                      <p:tavLst>
+                                        <p:tav tm="0">
+                                          <p:val>
+                                            <p:strVal val="#ppt_y+1"/>
+                                          </p:val>
+                                        </p:tav>
+                                        <p:tav tm="100000">
+                                          <p:val>
+                                            <p:strVal val="#ppt_y-1"/>
+                                          </p:val>
+                                        </p:tav>
+                                      </p:tavLst>
+                                    </p:anim>
+                                  </p:childTnLst>
+                                </p:cTn>
+                              </p:par>
+                              <p:par>
+                                <p:cTn id="41" presetID="28" presetClass="entr" presetSubtype="0" fill="hold" grpId="0" nodeType="withEffect">
+                                  <p:stCondLst>
+                                    <p:cond delay="0"/>
+                                  </p:stCondLst>
+                                  <p:childTnLst>
+                                    <p:set>
+                                      <p:cBhvr>
+                                        <p:cTn id="42" dur="1" fill="hold">
+                                          <p:stCondLst>
+                                            <p:cond delay="0"/>
+                                          </p:stCondLst>
+                                        </p:cTn>
+                                        <p:tgtEl>
+                                          <p:spTgt spid="3">
+                                            <p:txEl>
+                                              <p:pRg st="9" end="9"/>
+                                            </p:txEl>
+                                          </p:spTgt>
+                                        </p:tgtEl>
+                                        <p:attrNameLst>
+                                          <p:attrName>style.visibility</p:attrName>
+                                        </p:attrNameLst>
+                                      </p:cBhvr>
+                                      <p:to>
+                                        <p:strVal val="visible"/>
+                                      </p:to>
+                                    </p:set>
+                                    <p:anim calcmode="lin" valueType="num">
+                                      <p:cBhvr>
+                                        <p:cTn id="43" dur="20000" fill="hold"/>
+                                        <p:tgtEl>
+                                          <p:spTgt spid="3">
+                                            <p:txEl>
+                                              <p:pRg st="9" end="9"/>
+                                            </p:txEl>
+                                          </p:spTgt>
+                                        </p:tgtEl>
+                                        <p:attrNameLst>
+                                          <p:attrName>ppt_x</p:attrName>
+                                        </p:attrNameLst>
+                                      </p:cBhvr>
+                                      <p:tavLst>
+                                        <p:tav tm="0">
+                                          <p:val>
+                                            <p:strVal val="#ppt_x"/>
+                                          </p:val>
+                                        </p:tav>
+                                        <p:tav tm="100000">
+                                          <p:val>
+                                            <p:strVal val="#ppt_x"/>
+                                          </p:val>
+                                        </p:tav>
+                                      </p:tavLst>
+                                    </p:anim>
+                                    <p:anim calcmode="lin" valueType="num">
+                                      <p:cBhvr>
+                                        <p:cTn id="44" dur="20000" fill="hold"/>
+                                        <p:tgtEl>
+                                          <p:spTgt spid="3">
+                                            <p:txEl>
+                                              <p:pRg st="9" end="9"/>
+                                            </p:txEl>
+                                          </p:spTgt>
+                                        </p:tgtEl>
+                                        <p:attrNameLst>
+                                          <p:attrName>ppt_y</p:attrName>
+                                        </p:attrNameLst>
+                                      </p:cBhvr>
+                                      <p:tavLst>
+                                        <p:tav tm="0">
+                                          <p:val>
+                                            <p:strVal val="#ppt_y+1"/>
+                                          </p:val>
+                                        </p:tav>
+                                        <p:tav tm="100000">
+                                          <p:val>
+                                            <p:strVal val="#ppt_y-1"/>
+                                          </p:val>
+                                        </p:tav>
+                                      </p:tavLst>
+                                    </p:anim>
+                                  </p:childTnLst>
+                                </p:cTn>
+                              </p:par>
+                              <p:par>
+                                <p:cTn id="45" presetID="28" presetClass="entr" presetSubtype="0" fill="hold" grpId="0" nodeType="withEffect">
+                                  <p:stCondLst>
+                                    <p:cond delay="0"/>
+                                  </p:stCondLst>
+                                  <p:childTnLst>
+                                    <p:set>
+                                      <p:cBhvr>
+                                        <p:cTn id="46" dur="1" fill="hold">
+                                          <p:stCondLst>
+                                            <p:cond delay="0"/>
+                                          </p:stCondLst>
+                                        </p:cTn>
+                                        <p:tgtEl>
+                                          <p:spTgt spid="3">
+                                            <p:txEl>
+                                              <p:pRg st="10" end="10"/>
+                                            </p:txEl>
+                                          </p:spTgt>
+                                        </p:tgtEl>
+                                        <p:attrNameLst>
+                                          <p:attrName>style.visibility</p:attrName>
+                                        </p:attrNameLst>
+                                      </p:cBhvr>
+                                      <p:to>
+                                        <p:strVal val="visible"/>
+                                      </p:to>
+                                    </p:set>
+                                    <p:anim calcmode="lin" valueType="num">
+                                      <p:cBhvr>
+                                        <p:cTn id="47" dur="20000" fill="hold"/>
+                                        <p:tgtEl>
+                                          <p:spTgt spid="3">
+                                            <p:txEl>
+                                              <p:pRg st="10" end="10"/>
+                                            </p:txEl>
+                                          </p:spTgt>
+                                        </p:tgtEl>
+                                        <p:attrNameLst>
+                                          <p:attrName>ppt_x</p:attrName>
+                                        </p:attrNameLst>
+                                      </p:cBhvr>
+                                      <p:tavLst>
+                                        <p:tav tm="0">
+                                          <p:val>
+                                            <p:strVal val="#ppt_x"/>
+                                          </p:val>
+                                        </p:tav>
+                                        <p:tav tm="100000">
+                                          <p:val>
+                                            <p:strVal val="#ppt_x"/>
+                                          </p:val>
+                                        </p:tav>
+                                      </p:tavLst>
+                                    </p:anim>
+                                    <p:anim calcmode="lin" valueType="num">
+                                      <p:cBhvr>
+                                        <p:cTn id="48" dur="20000" fill="hold"/>
+                                        <p:tgtEl>
+                                          <p:spTgt spid="3">
+                                            <p:txEl>
+                                              <p:pRg st="10" end="10"/>
+                                            </p:txEl>
+                                          </p:spTgt>
+                                        </p:tgtEl>
+                                        <p:attrNameLst>
+                                          <p:attrName>ppt_y</p:attrName>
+                                        </p:attrNameLst>
+                                      </p:cBhvr>
+                                      <p:tavLst>
+                                        <p:tav tm="0">
+                                          <p:val>
+                                            <p:strVal val="#ppt_y+1"/>
+                                          </p:val>
+                                        </p:tav>
+                                        <p:tav tm="100000">
+                                          <p:val>
+                                            <p:strVal val="#ppt_y-1"/>
+                                          </p:val>
+                                        </p:tav>
+                                      </p:tavLst>
+                                    </p:anim>
+                                  </p:childTnLst>
+                                </p:cTn>
+                              </p:par>
+                            </p:childTnLst>
+                          </p:cTn>
+                        </p:par>
+                      </p:childTnLst>
+                    </p:cTn>
+                  </p:par>
+                </p:childTnLst>
+              </p:cTn>
+              <p:prevCondLst>
+                <p:cond evt="onPrev" delay="0">
+                  <p:tgtEl>
+                    <p:sldTgt/>
+                  </p:tgtEl>
+                </p:cond>
+              </p:prevCondLst>
+              <p:nextCondLst>
+                <p:cond evt="onNext" delay="0">
+                  <p:tgtEl>
+                    <p:sldTgt/>
+                  </p:tgtEl>
+                </p:cond>
+              </p:nextCondLst>
+            </p:seq>
+          </p:childTnLst>
+        </p:cTn>
+      </p:par>
+    </p:tnLst>
+    <p:bldLst>
+      <p:bldP spid="3" grpId="0" build="allAtOnce" animBg="1"/>
+    </p:bldLst>
+  </p:timing>
+</p:sld>
+</file>
+
+<file path=ppt/slides/slide15.xml><?xml version="1.0" encoding="utf-8"?>
+<p:sld xmlns:a="http://schemas.openxmlformats.org/drawingml/2006/main" xmlns:r="http://schemas.openxmlformats.org/officeDocument/2006/relationships" xmlns:p="http://schemas.openxmlformats.org/presentationml/2006/main">
+  <p:cSld>
+    <p:spTree>
+      <p:nvGrpSpPr>
+        <p:cNvPr id="1" name=""/>
+        <p:cNvGrpSpPr/>
+        <p:nvPr/>
+      </p:nvGrpSpPr>
+      <p:grpSpPr>
+        <a:xfrm>
+          <a:off x="0" y="0"/>
+          <a:ext cx="0" cy="0"/>
+          <a:chOff x="0" y="0"/>
+          <a:chExt cx="0" cy="0"/>
+        </a:xfrm>
+      </p:grpSpPr>
+      <p:sp>
+        <p:nvSpPr>
+          <p:cNvPr id="4" name="Segnaposto testo 2">
+            <a:extLst>
+              <a:ext uri="{FF2B5EF4-FFF2-40B4-BE49-F238E27FC236}">
+                <a16:creationId xmlns:a16="http://schemas.microsoft.com/office/drawing/2014/main" id="{B90F0490-F1C7-5546-B84B-15491BADE636}"/>
+              </a:ext>
+            </a:extLst>
+          </p:cNvPr>
+          <p:cNvSpPr>
+            <a:spLocks noGrp="1"/>
+          </p:cNvSpPr>
+          <p:nvPr>
+            <p:ph type="body" idx="1"/>
+          </p:nvPr>
+        </p:nvSpPr>
+        <p:spPr>
+          <a:xfrm>
+            <a:off x="325876" y="1047012"/>
+            <a:ext cx="8492247" cy="3941551"/>
+          </a:xfrm>
+          <a:solidFill>
+            <a:schemeClr val="bg1">
+              <a:alpha val="84000"/>
+            </a:schemeClr>
+          </a:solidFill>
+        </p:spPr>
+        <p:txBody>
+          <a:bodyPr>
+            <a:normAutofit/>
+          </a:bodyPr>
+          <a:lstStyle/>
+          <a:p>
+            <a:pPr marL="146050" indent="0">
+              <a:buNone/>
+            </a:pPr>
+            <a:r>
+              <a:rPr lang="it-IT" sz="1600" dirty="0">
+                <a:solidFill>
+                  <a:schemeClr val="accent1"/>
+                </a:solidFill>
+                <a:latin typeface="Helvetica Neue" panose="02000503000000020004" pitchFamily="2" charset="0"/>
+                <a:ea typeface="Helvetica Neue" panose="02000503000000020004" pitchFamily="2" charset="0"/>
+                <a:cs typeface="Helvetica Neue" panose="02000503000000020004" pitchFamily="2" charset="0"/>
+              </a:rPr>
+              <a:t>Requirements Analysis and </a:t>
+            </a:r>
+            <a:r>
+              <a:rPr lang="it-IT" sz="1600" dirty="0" err="1">
+                <a:solidFill>
+                  <a:schemeClr val="accent1"/>
+                </a:solidFill>
+                <a:latin typeface="Helvetica Neue" panose="02000503000000020004" pitchFamily="2" charset="0"/>
+                <a:ea typeface="Helvetica Neue" panose="02000503000000020004" pitchFamily="2" charset="0"/>
+                <a:cs typeface="Helvetica Neue" panose="02000503000000020004" pitchFamily="2" charset="0"/>
+              </a:rPr>
+              <a:t>Specification</a:t>
+            </a:r>
+            <a:r>
+              <a:rPr lang="it-IT" sz="1600" dirty="0">
+                <a:solidFill>
+                  <a:schemeClr val="accent1"/>
+                </a:solidFill>
+                <a:latin typeface="Helvetica Neue" panose="02000503000000020004" pitchFamily="2" charset="0"/>
+                <a:ea typeface="Helvetica Neue" panose="02000503000000020004" pitchFamily="2" charset="0"/>
+                <a:cs typeface="Helvetica Neue" panose="02000503000000020004" pitchFamily="2" charset="0"/>
+              </a:rPr>
+              <a:t> </a:t>
+            </a:r>
+            <a:r>
+              <a:rPr lang="it-IT" sz="1600" dirty="0" err="1">
+                <a:solidFill>
+                  <a:schemeClr val="accent1"/>
+                </a:solidFill>
+                <a:latin typeface="Helvetica Neue" panose="02000503000000020004" pitchFamily="2" charset="0"/>
+                <a:ea typeface="Helvetica Neue" panose="02000503000000020004" pitchFamily="2" charset="0"/>
+                <a:cs typeface="Helvetica Neue" panose="02000503000000020004" pitchFamily="2" charset="0"/>
+              </a:rPr>
+              <a:t>Document</a:t>
+            </a:r>
+            <a:r>
+              <a:rPr lang="it-IT" sz="1600" dirty="0">
+                <a:solidFill>
+                  <a:schemeClr val="accent1"/>
+                </a:solidFill>
+                <a:latin typeface="Helvetica Neue" panose="02000503000000020004" pitchFamily="2" charset="0"/>
+                <a:ea typeface="Helvetica Neue" panose="02000503000000020004" pitchFamily="2" charset="0"/>
+                <a:cs typeface="Helvetica Neue" panose="02000503000000020004" pitchFamily="2" charset="0"/>
+              </a:rPr>
+              <a:t> </a:t>
+            </a:r>
+          </a:p>
+          <a:p>
+            <a:pPr marL="146050" indent="0">
+              <a:buNone/>
+            </a:pPr>
+            <a:r>
+              <a:rPr lang="en" sz="1600" dirty="0">
+                <a:solidFill>
+                  <a:schemeClr val="accent1"/>
+                </a:solidFill>
+                <a:latin typeface="Helvetica Neue Light" panose="02000403000000020004" pitchFamily="2" charset="0"/>
+                <a:ea typeface="Helvetica Neue Light" panose="02000403000000020004" pitchFamily="2" charset="0"/>
+              </a:rPr>
+              <a:t>Specification Document "Mandatory Project Assignment AY 2018-2019".</a:t>
+            </a:r>
+          </a:p>
+          <a:p>
+            <a:pPr marL="146050" indent="0">
+              <a:buNone/>
+            </a:pPr>
+            <a:r>
+              <a:rPr lang="en" sz="1600" dirty="0">
+                <a:solidFill>
+                  <a:schemeClr val="accent1"/>
+                </a:solidFill>
+                <a:latin typeface="Helvetica Neue Light" panose="02000403000000020004" pitchFamily="2" charset="0"/>
+                <a:ea typeface="Helvetica Neue Light" panose="02000403000000020004" pitchFamily="2" charset="0"/>
+              </a:rPr>
+              <a:t>Slides "Structure of RASD".</a:t>
+            </a:r>
+            <a:br>
+              <a:rPr lang="en" sz="1600" dirty="0">
+                <a:solidFill>
+                  <a:schemeClr val="accent1"/>
+                </a:solidFill>
+                <a:latin typeface="Helvetica Neue Light" panose="02000403000000020004" pitchFamily="2" charset="0"/>
+                <a:ea typeface="Helvetica Neue Light" panose="02000403000000020004" pitchFamily="2" charset="0"/>
+              </a:rPr>
+            </a:br>
+            <a:r>
+              <a:rPr lang="en" sz="1600" dirty="0">
+                <a:solidFill>
+                  <a:schemeClr val="accent1"/>
+                </a:solidFill>
+                <a:latin typeface="Helvetica Neue Light" panose="02000403000000020004" pitchFamily="2" charset="0"/>
+                <a:ea typeface="Helvetica Neue Light" panose="02000403000000020004" pitchFamily="2" charset="0"/>
+              </a:rPr>
+              <a:t>Slides "Use of Alloy in RE".</a:t>
+            </a:r>
+            <a:br>
+              <a:rPr lang="en" sz="1600" dirty="0">
+                <a:solidFill>
+                  <a:schemeClr val="accent1"/>
+                </a:solidFill>
+                <a:latin typeface="Helvetica Neue Light" panose="02000403000000020004" pitchFamily="2" charset="0"/>
+                <a:ea typeface="Helvetica Neue Light" panose="02000403000000020004" pitchFamily="2" charset="0"/>
+              </a:rPr>
+            </a:br>
+            <a:r>
+              <a:rPr lang="en" sz="1600" dirty="0">
+                <a:solidFill>
+                  <a:schemeClr val="accent1"/>
+                </a:solidFill>
+                <a:latin typeface="Helvetica Neue Light" panose="02000403000000020004" pitchFamily="2" charset="0"/>
+                <a:ea typeface="Helvetica Neue Light" panose="02000403000000020004" pitchFamily="2" charset="0"/>
+              </a:rPr>
+              <a:t>Use Case Diagrams created with https://</a:t>
+            </a:r>
+            <a:r>
+              <a:rPr lang="en" sz="1600" dirty="0" err="1">
+                <a:solidFill>
+                  <a:schemeClr val="accent1"/>
+                </a:solidFill>
+                <a:latin typeface="Helvetica Neue Light" panose="02000403000000020004" pitchFamily="2" charset="0"/>
+                <a:ea typeface="Helvetica Neue Light" panose="02000403000000020004" pitchFamily="2" charset="0"/>
+              </a:rPr>
+              <a:t>www.lucidchart.com</a:t>
+            </a:r>
+            <a:r>
+              <a:rPr lang="en" sz="1600" dirty="0">
+                <a:solidFill>
+                  <a:schemeClr val="accent1"/>
+                </a:solidFill>
+                <a:latin typeface="Helvetica Neue Light" panose="02000403000000020004" pitchFamily="2" charset="0"/>
+                <a:ea typeface="Helvetica Neue Light" panose="02000403000000020004" pitchFamily="2" charset="0"/>
+              </a:rPr>
+              <a:t> </a:t>
+            </a:r>
+          </a:p>
+          <a:p>
+            <a:pPr marL="146050" indent="0">
+              <a:buNone/>
+            </a:pPr>
+            <a:r>
+              <a:rPr lang="en" sz="1600" dirty="0">
+                <a:solidFill>
+                  <a:schemeClr val="accent1"/>
+                </a:solidFill>
+                <a:latin typeface="Helvetica Neue Light" panose="02000403000000020004" pitchFamily="2" charset="0"/>
+                <a:ea typeface="Helvetica Neue Light" panose="02000403000000020004" pitchFamily="2" charset="0"/>
+              </a:rPr>
+              <a:t>Mockups created with https://</a:t>
+            </a:r>
+            <a:r>
+              <a:rPr lang="en" sz="1600" dirty="0" err="1">
+                <a:solidFill>
+                  <a:schemeClr val="accent1"/>
+                </a:solidFill>
+                <a:latin typeface="Helvetica Neue Light" panose="02000403000000020004" pitchFamily="2" charset="0"/>
+                <a:ea typeface="Helvetica Neue Light" panose="02000403000000020004" pitchFamily="2" charset="0"/>
+              </a:rPr>
+              <a:t>www.fluidui.com</a:t>
+            </a:r>
+            <a:r>
+              <a:rPr lang="en" sz="1600" dirty="0">
+                <a:solidFill>
+                  <a:schemeClr val="accent1"/>
+                </a:solidFill>
+                <a:latin typeface="Helvetica Neue Light" panose="02000403000000020004" pitchFamily="2" charset="0"/>
+                <a:ea typeface="Helvetica Neue Light" panose="02000403000000020004" pitchFamily="2" charset="0"/>
+              </a:rPr>
+              <a:t> </a:t>
+            </a:r>
+          </a:p>
+          <a:p>
+            <a:pPr marL="146050" indent="0">
+              <a:buNone/>
+            </a:pPr>
+            <a:endParaRPr lang="en" sz="1600" dirty="0">
+              <a:solidFill>
+                <a:schemeClr val="accent1"/>
+              </a:solidFill>
+              <a:latin typeface="Helvetica Neue Light" panose="02000403000000020004" pitchFamily="2" charset="0"/>
+              <a:ea typeface="Helvetica Neue Light" panose="02000403000000020004" pitchFamily="2" charset="0"/>
+            </a:endParaRPr>
+          </a:p>
+          <a:p>
+            <a:pPr marL="146050" indent="0">
+              <a:buNone/>
+            </a:pPr>
+            <a:r>
+              <a:rPr lang="en" sz="1600" dirty="0">
+                <a:solidFill>
+                  <a:schemeClr val="accent1"/>
+                </a:solidFill>
+                <a:latin typeface="Helvetica Neue" panose="02000503000000020004" pitchFamily="2" charset="0"/>
+                <a:ea typeface="Helvetica Neue" panose="02000503000000020004" pitchFamily="2" charset="0"/>
+                <a:cs typeface="Helvetica Neue" panose="02000503000000020004" pitchFamily="2" charset="0"/>
+              </a:rPr>
+              <a:t>Design Document</a:t>
+            </a:r>
+          </a:p>
+          <a:p>
+            <a:pPr marL="146050" indent="0">
+              <a:buNone/>
+            </a:pPr>
+            <a:r>
+              <a:rPr lang="en" sz="1600" dirty="0">
+                <a:solidFill>
+                  <a:schemeClr val="accent1"/>
+                </a:solidFill>
+                <a:latin typeface="Helvetica Neue Light" panose="02000403000000020004" pitchFamily="2" charset="0"/>
+                <a:ea typeface="Helvetica Neue Light" panose="02000403000000020004" pitchFamily="2" charset="0"/>
+              </a:rPr>
+              <a:t>Specification Document "Mandatory Project Assignment AY 2018-2019".</a:t>
+            </a:r>
+            <a:br>
+              <a:rPr lang="en" sz="1600" dirty="0">
+                <a:solidFill>
+                  <a:schemeClr val="accent1"/>
+                </a:solidFill>
+                <a:latin typeface="Helvetica Neue Light" panose="02000403000000020004" pitchFamily="2" charset="0"/>
+                <a:ea typeface="Helvetica Neue Light" panose="02000403000000020004" pitchFamily="2" charset="0"/>
+              </a:rPr>
+            </a:br>
+            <a:r>
+              <a:rPr lang="en" sz="1600" dirty="0">
+                <a:solidFill>
+                  <a:schemeClr val="accent1"/>
+                </a:solidFill>
+                <a:latin typeface="Helvetica Neue Light" panose="02000403000000020004" pitchFamily="2" charset="0"/>
+                <a:ea typeface="Helvetica Neue Light" panose="02000403000000020004" pitchFamily="2" charset="0"/>
+              </a:rPr>
+              <a:t>Slides about "Design".</a:t>
+            </a:r>
+            <a:br>
+              <a:rPr lang="en" sz="1600" dirty="0">
+                <a:solidFill>
+                  <a:schemeClr val="accent1"/>
+                </a:solidFill>
+                <a:latin typeface="Helvetica Neue Light" panose="02000403000000020004" pitchFamily="2" charset="0"/>
+                <a:ea typeface="Helvetica Neue Light" panose="02000403000000020004" pitchFamily="2" charset="0"/>
+              </a:rPr>
+            </a:br>
+            <a:r>
+              <a:rPr lang="en" sz="1600" dirty="0">
+                <a:solidFill>
+                  <a:schemeClr val="accent1"/>
+                </a:solidFill>
+                <a:latin typeface="Helvetica Neue Light" panose="02000403000000020004" pitchFamily="2" charset="0"/>
+                <a:ea typeface="Helvetica Neue Light" panose="02000403000000020004" pitchFamily="2" charset="0"/>
+              </a:rPr>
+              <a:t>Slides about "Implementation, Integration and Test Plan".</a:t>
+            </a:r>
+            <a:br>
+              <a:rPr lang="en" sz="1600" dirty="0">
+                <a:solidFill>
+                  <a:schemeClr val="accent1"/>
+                </a:solidFill>
+                <a:latin typeface="Helvetica Neue Light" panose="02000403000000020004" pitchFamily="2" charset="0"/>
+                <a:ea typeface="Helvetica Neue Light" panose="02000403000000020004" pitchFamily="2" charset="0"/>
+              </a:rPr>
+            </a:br>
+            <a:r>
+              <a:rPr lang="en" sz="1600" dirty="0">
+                <a:solidFill>
+                  <a:schemeClr val="accent1"/>
+                </a:solidFill>
+                <a:latin typeface="Helvetica Neue Light" panose="02000403000000020004" pitchFamily="2" charset="0"/>
+                <a:ea typeface="Helvetica Neue Light" panose="02000403000000020004" pitchFamily="2" charset="0"/>
+              </a:rPr>
+              <a:t>Sequence Diagrams created with https://</a:t>
+            </a:r>
+            <a:r>
+              <a:rPr lang="en" sz="1600" dirty="0" err="1">
+                <a:solidFill>
+                  <a:schemeClr val="accent1"/>
+                </a:solidFill>
+                <a:latin typeface="Helvetica Neue Light" panose="02000403000000020004" pitchFamily="2" charset="0"/>
+                <a:ea typeface="Helvetica Neue Light" panose="02000403000000020004" pitchFamily="2" charset="0"/>
+              </a:rPr>
+              <a:t>www.nomagic.com</a:t>
+            </a:r>
+            <a:r>
+              <a:rPr lang="en" sz="1600" dirty="0">
+                <a:solidFill>
+                  <a:schemeClr val="accent1"/>
+                </a:solidFill>
+                <a:latin typeface="Helvetica Neue Light" panose="02000403000000020004" pitchFamily="2" charset="0"/>
+                <a:ea typeface="Helvetica Neue Light" panose="02000403000000020004" pitchFamily="2" charset="0"/>
+              </a:rPr>
+              <a:t>/products/</a:t>
+            </a:r>
+            <a:r>
+              <a:rPr lang="en" sz="1600" dirty="0" err="1">
+                <a:solidFill>
+                  <a:schemeClr val="accent1"/>
+                </a:solidFill>
+                <a:latin typeface="Helvetica Neue Light" panose="02000403000000020004" pitchFamily="2" charset="0"/>
+                <a:ea typeface="Helvetica Neue Light" panose="02000403000000020004" pitchFamily="2" charset="0"/>
+              </a:rPr>
+              <a:t>magicdraw</a:t>
+            </a:r>
+            <a:r>
+              <a:rPr lang="en" sz="1600" dirty="0">
+                <a:solidFill>
+                  <a:schemeClr val="accent1"/>
+                </a:solidFill>
+                <a:latin typeface="Helvetica Neue Light" panose="02000403000000020004" pitchFamily="2" charset="0"/>
+                <a:ea typeface="Helvetica Neue Light" panose="02000403000000020004" pitchFamily="2" charset="0"/>
+              </a:rPr>
+              <a:t> </a:t>
+            </a:r>
+          </a:p>
+          <a:p>
+            <a:pPr marL="146050" indent="0">
+              <a:buNone/>
+            </a:pPr>
+            <a:r>
+              <a:rPr lang="en" sz="1600" dirty="0">
+                <a:solidFill>
+                  <a:schemeClr val="accent1"/>
+                </a:solidFill>
+                <a:latin typeface="Helvetica Neue Light" panose="02000403000000020004" pitchFamily="2" charset="0"/>
+                <a:ea typeface="Helvetica Neue Light" panose="02000403000000020004" pitchFamily="2" charset="0"/>
+              </a:rPr>
+              <a:t>Mockups created with https://</a:t>
+            </a:r>
+            <a:r>
+              <a:rPr lang="en" sz="1600" dirty="0" err="1">
+                <a:solidFill>
+                  <a:schemeClr val="accent1"/>
+                </a:solidFill>
+                <a:latin typeface="Helvetica Neue Light" panose="02000403000000020004" pitchFamily="2" charset="0"/>
+                <a:ea typeface="Helvetica Neue Light" panose="02000403000000020004" pitchFamily="2" charset="0"/>
+              </a:rPr>
+              <a:t>www.fluidui.com</a:t>
+            </a:r>
+            <a:r>
+              <a:rPr lang="en" sz="1600" dirty="0">
+                <a:solidFill>
+                  <a:schemeClr val="accent1"/>
+                </a:solidFill>
+                <a:latin typeface="Helvetica Neue Light" panose="02000403000000020004" pitchFamily="2" charset="0"/>
+                <a:ea typeface="Helvetica Neue Light" panose="02000403000000020004" pitchFamily="2" charset="0"/>
+              </a:rPr>
+              <a:t> and https://www.simbla.com</a:t>
+            </a:r>
+          </a:p>
+          <a:p>
+            <a:pPr marL="146050" indent="0">
+              <a:buNone/>
+            </a:pPr>
+            <a:r>
+              <a:rPr lang="en" sz="1600" dirty="0">
+                <a:solidFill>
+                  <a:schemeClr val="accent1"/>
+                </a:solidFill>
+                <a:latin typeface="Helvetica Neue Light" panose="02000403000000020004" pitchFamily="2" charset="0"/>
+                <a:ea typeface="Helvetica Neue Light" panose="02000403000000020004" pitchFamily="2" charset="0"/>
+              </a:rPr>
+              <a:t>Component Diagram created with https://</a:t>
+            </a:r>
+            <a:r>
+              <a:rPr lang="en" sz="1600" dirty="0" err="1">
+                <a:solidFill>
+                  <a:schemeClr val="accent1"/>
+                </a:solidFill>
+                <a:latin typeface="Helvetica Neue Light" panose="02000403000000020004" pitchFamily="2" charset="0"/>
+                <a:ea typeface="Helvetica Neue Light" panose="02000403000000020004" pitchFamily="2" charset="0"/>
+              </a:rPr>
+              <a:t>online.visual-paradigm.com</a:t>
+            </a:r>
+            <a:r>
+              <a:rPr lang="en" sz="1600" dirty="0">
+                <a:solidFill>
+                  <a:schemeClr val="accent1"/>
+                </a:solidFill>
+                <a:latin typeface="Helvetica Neue Light" panose="02000403000000020004" pitchFamily="2" charset="0"/>
+                <a:ea typeface="Helvetica Neue Light" panose="02000403000000020004" pitchFamily="2" charset="0"/>
+              </a:rPr>
+              <a:t> </a:t>
+            </a:r>
+          </a:p>
+          <a:p>
+            <a:pPr marL="146050" indent="0">
+              <a:buNone/>
+            </a:pPr>
+            <a:r>
+              <a:rPr lang="en" sz="1600" dirty="0">
+                <a:solidFill>
+                  <a:schemeClr val="accent1"/>
+                </a:solidFill>
+                <a:latin typeface="Helvetica Neue Light" panose="02000403000000020004" pitchFamily="2" charset="0"/>
+                <a:ea typeface="Helvetica Neue Light" panose="02000403000000020004" pitchFamily="2" charset="0"/>
+              </a:rPr>
+              <a:t>Other Diagrams created with https://</a:t>
+            </a:r>
+            <a:r>
+              <a:rPr lang="en" sz="1600" dirty="0" err="1">
+                <a:solidFill>
+                  <a:schemeClr val="accent1"/>
+                </a:solidFill>
+                <a:latin typeface="Helvetica Neue Light" panose="02000403000000020004" pitchFamily="2" charset="0"/>
+                <a:ea typeface="Helvetica Neue Light" panose="02000403000000020004" pitchFamily="2" charset="0"/>
+              </a:rPr>
+              <a:t>www.draw.io</a:t>
+            </a:r>
+            <a:r>
+              <a:rPr lang="en" sz="1600" dirty="0">
+                <a:solidFill>
+                  <a:schemeClr val="accent1"/>
+                </a:solidFill>
+                <a:latin typeface="Helvetica Neue Light" panose="02000403000000020004" pitchFamily="2" charset="0"/>
+                <a:ea typeface="Helvetica Neue Light" panose="02000403000000020004" pitchFamily="2" charset="0"/>
+              </a:rPr>
+              <a:t> </a:t>
+            </a:r>
+          </a:p>
+          <a:p>
+            <a:endParaRPr lang="it-IT" dirty="0"/>
+          </a:p>
+        </p:txBody>
+      </p:sp>
+      <p:sp>
+        <p:nvSpPr>
+          <p:cNvPr id="5" name="Google Shape;275;p25">
+            <a:extLst>
+              <a:ext uri="{FF2B5EF4-FFF2-40B4-BE49-F238E27FC236}">
+                <a16:creationId xmlns:a16="http://schemas.microsoft.com/office/drawing/2014/main" id="{1E102DD0-AF83-4E49-B2FE-F424ED7E93D6}"/>
+              </a:ext>
+            </a:extLst>
+          </p:cNvPr>
+          <p:cNvSpPr txBox="1">
+            <a:spLocks noGrp="1"/>
+          </p:cNvSpPr>
+          <p:nvPr>
+            <p:ph type="title"/>
+          </p:nvPr>
+        </p:nvSpPr>
+        <p:spPr>
+          <a:xfrm>
+            <a:off x="819150" y="405500"/>
+            <a:ext cx="7505700" cy="546600"/>
+          </a:xfrm>
+          <a:prstGeom prst="rect">
+            <a:avLst/>
+          </a:prstGeom>
+        </p:spPr>
+        <p:txBody>
+          <a:bodyPr spcFirstLastPara="1" wrap="square" lIns="91425" tIns="91425" rIns="91425" bIns="91425" anchor="t" anchorCtr="0">
+            <a:noAutofit/>
+          </a:bodyPr>
+          <a:lstStyle/>
+          <a:p>
+            <a:pPr marL="0" lvl="0" indent="0" algn="l" rtl="0">
+              <a:spcBef>
+                <a:spcPts val="0"/>
+              </a:spcBef>
+              <a:spcAft>
+                <a:spcPts val="0"/>
+              </a:spcAft>
+              <a:buNone/>
+            </a:pPr>
+            <a:r>
+              <a:rPr lang="it-IT" cap="none" dirty="0">
+                <a:solidFill>
+                  <a:schemeClr val="accent1"/>
+                </a:solidFill>
+                <a:latin typeface="Helvetica Neue Thin" panose="020B0403020202020204" pitchFamily="34" charset="0"/>
+                <a:ea typeface="Helvetica Neue Thin" panose="020B0403020202020204" pitchFamily="34" charset="0"/>
+                <a:cs typeface="Nunito ExtraLight"/>
+                <a:sym typeface="Nunito ExtraLight"/>
+              </a:rPr>
+              <a:t>Reference </a:t>
+            </a:r>
+            <a:r>
+              <a:rPr lang="it-IT" cap="none" dirty="0" err="1">
+                <a:solidFill>
+                  <a:schemeClr val="accent1"/>
+                </a:solidFill>
+                <a:latin typeface="Helvetica Neue Thin" panose="020B0403020202020204" pitchFamily="34" charset="0"/>
+                <a:ea typeface="Helvetica Neue Thin" panose="020B0403020202020204" pitchFamily="34" charset="0"/>
+                <a:cs typeface="Nunito ExtraLight"/>
+                <a:sym typeface="Nunito ExtraLight"/>
+              </a:rPr>
+              <a:t>Documents</a:t>
+            </a:r>
+            <a:endParaRPr lang="it-IT" cap="none" dirty="0">
+              <a:solidFill>
+                <a:schemeClr val="accent1"/>
+              </a:solidFill>
+              <a:latin typeface="Helvetica Neue Thin" panose="020B0403020202020204" pitchFamily="34" charset="0"/>
+              <a:ea typeface="Helvetica Neue Thin" panose="020B0403020202020204" pitchFamily="34" charset="0"/>
+              <a:cs typeface="Nunito ExtraLight"/>
+              <a:sym typeface="Nunito ExtraLight"/>
+            </a:endParaRPr>
+          </a:p>
+        </p:txBody>
+      </p:sp>
+    </p:spTree>
+    <p:extLst>
+      <p:ext uri="{BB962C8B-B14F-4D97-AF65-F5344CB8AC3E}">
+        <p14:creationId xmlns:p14="http://schemas.microsoft.com/office/powerpoint/2010/main" val="1902771622"/>
+      </p:ext>
+    </p:extLst>
+  </p:cSld>
+  <p:clrMapOvr>
+    <a:masterClrMapping/>
+  </p:clrMapOvr>
+</p:sld>
+</file>
+
 <file path=ppt/slides/slide2.xml><?xml version="1.0" encoding="utf-8"?>
 <p:sld xmlns:a="http://schemas.openxmlformats.org/drawingml/2006/main" xmlns:r="http://schemas.openxmlformats.org/officeDocument/2006/relationships" xmlns:p="http://schemas.openxmlformats.org/presentationml/2006/main">
   <p:cSld>
@@ -9804,9 +12016,6 @@
   <p:clrMapOvr>
     <a:masterClrMapping/>
   </p:clrMapOvr>
-  <p:transition spd="slow">
-    <p:cover/>
-  </p:transition>
   <p:timing>
     <p:tnLst>
       <p:par>
@@ -10370,18 +12579,6 @@
   <p:clrMapOvr>
     <a:masterClrMapping/>
   </p:clrMapOvr>
-  <mc:AlternateContent xmlns:mc="http://schemas.openxmlformats.org/markup-compatibility/2006" xmlns:p14="http://schemas.microsoft.com/office/powerpoint/2010/main">
-    <mc:Choice Requires="p14">
-      <p:transition spd="med" p14:dur="700">
-        <p:fade/>
-      </p:transition>
-    </mc:Choice>
-    <mc:Fallback xmlns="">
-      <p:transition spd="med">
-        <p:fade/>
-      </p:transition>
-    </mc:Fallback>
-  </mc:AlternateContent>
   <p:timing>
     <p:tnLst>
       <p:par>
@@ -11841,9 +14038,6 @@
   <p:clrMapOvr>
     <a:masterClrMapping/>
   </p:clrMapOvr>
-  <p:transition spd="slow">
-    <p:cover/>
-  </p:transition>
   <p:timing>
     <p:tnLst>
       <p:par>
@@ -11870,7 +14064,7 @@
                               <p:par>
                                 <p:cTn id="5" presetID="10" presetClass="entr" presetSubtype="0" fill="hold" nodeType="afterEffect">
                                   <p:stCondLst>
-                                    <p:cond delay="0"/>
+                                    <p:cond delay="500"/>
                                   </p:stCondLst>
                                   <p:childTnLst>
                                     <p:set>
@@ -11905,7 +14099,7 @@
                               <p:par>
                                 <p:cTn id="8" presetID="10" presetClass="entr" presetSubtype="0" fill="hold" nodeType="withEffect">
                                   <p:stCondLst>
-                                    <p:cond delay="0"/>
+                                    <p:cond delay="500"/>
                                   </p:stCondLst>
                                   <p:childTnLst>
                                     <p:set>
@@ -13947,9 +16141,6 @@
   <p:clrMapOvr>
     <a:masterClrMapping/>
   </p:clrMapOvr>
-  <p:transition spd="slow">
-    <p:cover/>
-  </p:transition>
   <p:timing>
     <p:tnLst>
       <p:par>

--- a/SEProject.pptx
+++ b/SEProject.pptx
@@ -6547,8 +6547,8 @@
         </p:nvSpPr>
         <p:spPr>
           <a:xfrm>
-            <a:off x="5894325" y="954477"/>
-            <a:ext cx="2647800" cy="800100"/>
+            <a:off x="5894325" y="954476"/>
+            <a:ext cx="2647800" cy="937933"/>
           </a:xfrm>
           <a:prstGeom prst="rect">
             <a:avLst/>
@@ -6625,8 +6625,8 @@
         </p:nvSpPr>
         <p:spPr>
           <a:xfrm>
-            <a:off x="5956125" y="3084240"/>
-            <a:ext cx="2586000" cy="546600"/>
+            <a:off x="5956124" y="3084240"/>
+            <a:ext cx="2876979" cy="644262"/>
           </a:xfrm>
           <a:prstGeom prst="rect">
             <a:avLst/>
@@ -6658,7 +6658,7 @@
                 <a:cs typeface="Nunito Light"/>
                 <a:sym typeface="Nunito Light"/>
               </a:rPr>
-              <a:t>Components that retrieve information</a:t>
+              <a:t>Components that manage Information Requests</a:t>
             </a:r>
             <a:endParaRPr dirty="0">
               <a:latin typeface="Helvetica Neue Thin" panose="020B0403020202020204" pitchFamily="34" charset="0"/>
@@ -6677,7 +6677,7 @@
         </p:nvSpPr>
         <p:spPr>
           <a:xfrm>
-            <a:off x="5956124" y="3728502"/>
+            <a:off x="5956123" y="3843201"/>
             <a:ext cx="2876979" cy="800100"/>
           </a:xfrm>
           <a:prstGeom prst="rect">
@@ -7175,8 +7175,8 @@
         </p:nvSpPr>
         <p:spPr>
           <a:xfrm>
-            <a:off x="6601950" y="1069175"/>
-            <a:ext cx="2064000" cy="800100"/>
+            <a:off x="6601950" y="1022076"/>
+            <a:ext cx="2267559" cy="1198569"/>
           </a:xfrm>
           <a:prstGeom prst="rect">
             <a:avLst/>
@@ -7208,7 +7208,7 @@
                 <a:cs typeface="Nunito Light"/>
                 <a:sym typeface="Nunito Light"/>
               </a:rPr>
-              <a:t>Components</a:t>
+              <a:t>Data4Help components</a:t>
             </a:r>
             <a:endParaRPr dirty="0">
               <a:latin typeface="Helvetica Neue Thin" panose="020B0403020202020204" pitchFamily="34" charset="0"/>
@@ -7260,7 +7260,16 @@
                 <a:cs typeface="Nunito Light"/>
                 <a:sym typeface="Nunito Light"/>
               </a:rPr>
-              <a:t>the system</a:t>
+              <a:t>the </a:t>
+            </a:r>
+            <a:r>
+              <a:rPr lang="en" dirty="0" err="1">
+                <a:latin typeface="Helvetica Neue Thin" panose="020B0403020202020204" pitchFamily="34" charset="0"/>
+                <a:ea typeface="Helvetica Neue Thin" panose="020B0403020202020204" pitchFamily="34" charset="0"/>
+                <a:cs typeface="Nunito Light"/>
+                <a:sym typeface="Nunito Light"/>
+              </a:rPr>
+              <a:t>ApplicationServer</a:t>
             </a:r>
             <a:endParaRPr dirty="0">
               <a:latin typeface="Helvetica Neue Thin" panose="020B0403020202020204" pitchFamily="34" charset="0"/>
@@ -7279,8 +7288,8 @@
         </p:nvSpPr>
         <p:spPr>
           <a:xfrm>
-            <a:off x="6601950" y="1986348"/>
-            <a:ext cx="1722900" cy="662400"/>
+            <a:off x="6601950" y="2290621"/>
+            <a:ext cx="1722900" cy="1544031"/>
           </a:xfrm>
           <a:prstGeom prst="rect">
             <a:avLst/>
@@ -7312,9 +7321,18 @@
                 <a:cs typeface="Nunito Light"/>
                 <a:sym typeface="Nunito Light"/>
               </a:rPr>
-              <a:t>Components of our applications</a:t>
-            </a:r>
-            <a:endParaRPr dirty="0">
+              <a:t>Components of the specific   applications Track4Run and </a:t>
+            </a:r>
+            <a:r>
+              <a:rPr lang="en" dirty="0" err="1">
+                <a:latin typeface="Helvetica Neue Thin" panose="020B0403020202020204" pitchFamily="34" charset="0"/>
+                <a:ea typeface="Helvetica Neue Thin" panose="020B0403020202020204" pitchFamily="34" charset="0"/>
+                <a:cs typeface="Nunito Light"/>
+                <a:sym typeface="Nunito Light"/>
+              </a:rPr>
+              <a:t>AutomatedSOS</a:t>
+            </a:r>
+            <a:endParaRPr lang="en" dirty="0">
               <a:latin typeface="Helvetica Neue Thin" panose="020B0403020202020204" pitchFamily="34" charset="0"/>
               <a:ea typeface="Helvetica Neue Thin" panose="020B0403020202020204" pitchFamily="34" charset="0"/>
               <a:cs typeface="Nunito Light"/>
@@ -7331,7 +7349,7 @@
         </p:nvSpPr>
         <p:spPr>
           <a:xfrm>
-            <a:off x="6601950" y="2648750"/>
+            <a:off x="6601950" y="3751096"/>
             <a:ext cx="1863300" cy="756300"/>
           </a:xfrm>
           <a:prstGeom prst="rect">
@@ -7358,39 +7376,31 @@
               <a:buNone/>
             </a:pPr>
             <a:r>
+              <a:rPr lang="it-IT" dirty="0" err="1">
+                <a:latin typeface="Helvetica Neue Thin" panose="020B0403020202020204" pitchFamily="34" charset="0"/>
+                <a:ea typeface="Helvetica Neue Thin" panose="020B0403020202020204" pitchFamily="34" charset="0"/>
+                <a:cs typeface="Nunito Light"/>
+                <a:sym typeface="Nunito Light"/>
+              </a:rPr>
+              <a:t>Interaction</a:t>
+            </a:r>
+            <a:r>
+              <a:rPr lang="it-IT" dirty="0">
+                <a:latin typeface="Helvetica Neue Thin" panose="020B0403020202020204" pitchFamily="34" charset="0"/>
+                <a:ea typeface="Helvetica Neue Thin" panose="020B0403020202020204" pitchFamily="34" charset="0"/>
+                <a:cs typeface="Nunito Light"/>
+                <a:sym typeface="Nunito Light"/>
+              </a:rPr>
+              <a:t> </a:t>
+            </a:r>
+            <a:r>
               <a:rPr lang="en" dirty="0">
                 <a:latin typeface="Helvetica Neue Thin" panose="020B0403020202020204" pitchFamily="34" charset="0"/>
                 <a:ea typeface="Helvetica Neue Thin" panose="020B0403020202020204" pitchFamily="34" charset="0"/>
                 <a:cs typeface="Nunito Light"/>
                 <a:sym typeface="Nunito Light"/>
               </a:rPr>
-              <a:t>Components </a:t>
-            </a:r>
-            <a:endParaRPr dirty="0">
-              <a:latin typeface="Helvetica Neue Thin" panose="020B0403020202020204" pitchFamily="34" charset="0"/>
-              <a:ea typeface="Helvetica Neue Thin" panose="020B0403020202020204" pitchFamily="34" charset="0"/>
-              <a:cs typeface="Nunito Light"/>
-              <a:sym typeface="Nunito Light"/>
-            </a:endParaRPr>
-          </a:p>
-          <a:p>
-            <a:pPr marL="0" lvl="0" indent="0" algn="l" rtl="0">
-              <a:spcBef>
-                <a:spcPts val="0"/>
-              </a:spcBef>
-              <a:spcAft>
-                <a:spcPts val="0"/>
-              </a:spcAft>
-              <a:buNone/>
-            </a:pPr>
-            <a:r>
-              <a:rPr lang="en" dirty="0">
-                <a:latin typeface="Helvetica Neue Thin" panose="020B0403020202020204" pitchFamily="34" charset="0"/>
-                <a:ea typeface="Helvetica Neue Thin" panose="020B0403020202020204" pitchFamily="34" charset="0"/>
-                <a:cs typeface="Nunito Light"/>
-                <a:sym typeface="Nunito Light"/>
-              </a:rPr>
-              <a:t>interfaced with the external world</a:t>
+              <a:t>with the external world</a:t>
             </a:r>
             <a:endParaRPr dirty="0">
               <a:latin typeface="Helvetica Neue Thin" panose="020B0403020202020204" pitchFamily="34" charset="0"/>
@@ -8010,6 +8020,9 @@
                     <p:cTn id="3" fill="hold">
                       <p:stCondLst>
                         <p:cond delay="indefinite"/>
+                        <p:cond evt="onBegin" delay="0">
+                          <p:tn val="2"/>
+                        </p:cond>
                       </p:stCondLst>
                       <p:childTnLst>
                         <p:par>
@@ -8019,7 +8032,7 @@
                             </p:stCondLst>
                             <p:childTnLst>
                               <p:par>
-                                <p:cTn id="5" presetID="10" presetClass="entr" presetSubtype="0" fill="hold" nodeType="clickEffect">
+                                <p:cTn id="5" presetID="10" presetClass="entr" presetSubtype="0" fill="hold" nodeType="afterEffect">
                                   <p:stCondLst>
                                     <p:cond delay="0"/>
                                   </p:stCondLst>
@@ -8056,30 +8069,21 @@
                             </p:childTnLst>
                           </p:cTn>
                         </p:par>
-                      </p:childTnLst>
-                    </p:cTn>
-                  </p:par>
-                  <p:par>
-                    <p:cTn id="8" fill="hold">
-                      <p:stCondLst>
-                        <p:cond delay="indefinite"/>
-                      </p:stCondLst>
-                      <p:childTnLst>
                         <p:par>
-                          <p:cTn id="9" fill="hold">
+                          <p:cTn id="8" fill="hold">
                             <p:stCondLst>
-                              <p:cond delay="0"/>
+                              <p:cond delay="1000"/>
                             </p:stCondLst>
                             <p:childTnLst>
                               <p:par>
-                                <p:cTn id="10" presetID="10" presetClass="entr" presetSubtype="0" fill="hold" nodeType="clickEffect">
+                                <p:cTn id="9" presetID="10" presetClass="entr" presetSubtype="0" fill="hold" nodeType="afterEffect">
                                   <p:stCondLst>
                                     <p:cond delay="0"/>
                                   </p:stCondLst>
                                   <p:childTnLst>
                                     <p:set>
                                       <p:cBhvr>
-                                        <p:cTn id="11" dur="1" fill="hold">
+                                        <p:cTn id="10" dur="1" fill="hold">
                                           <p:stCondLst>
                                             <p:cond delay="0"/>
                                           </p:stCondLst>
@@ -8097,7 +8101,7 @@
                                     </p:set>
                                     <p:animEffect transition="in" filter="fade">
                                       <p:cBhvr>
-                                        <p:cTn id="12" dur="1000"/>
+                                        <p:cTn id="11" dur="1000"/>
                                         <p:tgtEl>
                                           <p:spTgt spid="266"/>
                                         </p:tgtEl>
@@ -8109,30 +8113,21 @@
                             </p:childTnLst>
                           </p:cTn>
                         </p:par>
-                      </p:childTnLst>
-                    </p:cTn>
-                  </p:par>
-                  <p:par>
-                    <p:cTn id="13" fill="hold">
-                      <p:stCondLst>
-                        <p:cond delay="indefinite"/>
-                      </p:stCondLst>
-                      <p:childTnLst>
                         <p:par>
-                          <p:cTn id="14" fill="hold">
+                          <p:cTn id="12" fill="hold">
                             <p:stCondLst>
-                              <p:cond delay="0"/>
+                              <p:cond delay="2000"/>
                             </p:stCondLst>
                             <p:childTnLst>
                               <p:par>
-                                <p:cTn id="15" presetID="10" presetClass="entr" presetSubtype="0" fill="hold" nodeType="clickEffect">
+                                <p:cTn id="13" presetID="10" presetClass="entr" presetSubtype="0" fill="hold" nodeType="afterEffect">
                                   <p:stCondLst>
                                     <p:cond delay="0"/>
                                   </p:stCondLst>
                                   <p:childTnLst>
                                     <p:set>
                                       <p:cBhvr>
-                                        <p:cTn id="16" dur="1" fill="hold">
+                                        <p:cTn id="14" dur="1" fill="hold">
                                           <p:stCondLst>
                                             <p:cond delay="0"/>
                                           </p:stCondLst>
@@ -8150,7 +8145,7 @@
                                     </p:set>
                                     <p:animEffect transition="in" filter="fade">
                                       <p:cBhvr>
-                                        <p:cTn id="17" dur="1000"/>
+                                        <p:cTn id="15" dur="1000"/>
                                         <p:tgtEl>
                                           <p:spTgt spid="267"/>
                                         </p:tgtEl>
@@ -8314,13 +8309,13 @@
       </p:sp>
       <p:sp>
         <p:nvSpPr>
-          <p:cNvPr id="276" name="Google Shape;276;p25"/>
+          <p:cNvPr id="277" name="Google Shape;277;p25"/>
           <p:cNvSpPr txBox="1"/>
           <p:nvPr/>
         </p:nvSpPr>
         <p:spPr>
           <a:xfrm>
-            <a:off x="335700" y="1035875"/>
+            <a:off x="351059" y="1291525"/>
             <a:ext cx="3157500" cy="468000"/>
           </a:xfrm>
           <a:prstGeom prst="rect">
@@ -8358,7 +8353,7 @@
                 <a:cs typeface="Nunito Light"/>
                 <a:sym typeface="Nunito Light"/>
               </a:rPr>
-              <a:t>Critical components first</a:t>
+              <a:t>Unit testing</a:t>
             </a:r>
             <a:endParaRPr sz="1800" dirty="0">
               <a:latin typeface="Helvetica Neue Thin" panose="020B0403020202020204" pitchFamily="34" charset="0"/>
@@ -8388,13 +8383,13 @@
       </p:sp>
       <p:sp>
         <p:nvSpPr>
-          <p:cNvPr id="277" name="Google Shape;277;p25"/>
+          <p:cNvPr id="278" name="Google Shape;278;p25"/>
           <p:cNvSpPr txBox="1"/>
           <p:nvPr/>
         </p:nvSpPr>
         <p:spPr>
           <a:xfrm>
-            <a:off x="335700" y="1405100"/>
+            <a:off x="351059" y="1757059"/>
             <a:ext cx="3157500" cy="468000"/>
           </a:xfrm>
           <a:prstGeom prst="rect">
@@ -8432,7 +8427,7 @@
                 <a:cs typeface="Nunito Light"/>
                 <a:sym typeface="Nunito Light"/>
               </a:rPr>
-              <a:t>Unit testing</a:t>
+              <a:t>Top-Down approach</a:t>
             </a:r>
             <a:endParaRPr sz="1800" dirty="0">
               <a:latin typeface="Helvetica Neue Thin" panose="020B0403020202020204" pitchFamily="34" charset="0"/>
@@ -8462,87 +8457,13 @@
       </p:sp>
       <p:sp>
         <p:nvSpPr>
-          <p:cNvPr id="278" name="Google Shape;278;p25"/>
-          <p:cNvSpPr txBox="1"/>
-          <p:nvPr/>
-        </p:nvSpPr>
-        <p:spPr>
-          <a:xfrm>
-            <a:off x="335700" y="1766013"/>
-            <a:ext cx="3157500" cy="468000"/>
-          </a:xfrm>
-          <a:prstGeom prst="rect">
-            <a:avLst/>
-          </a:prstGeom>
-          <a:noFill/>
-          <a:ln>
-            <a:noFill/>
-          </a:ln>
-        </p:spPr>
-        <p:txBody>
-          <a:bodyPr spcFirstLastPara="1" wrap="square" lIns="91425" tIns="91425" rIns="91425" bIns="91425" anchor="t" anchorCtr="0">
-            <a:noAutofit/>
-          </a:bodyPr>
-          <a:lstStyle/>
-          <a:p>
-            <a:pPr marL="0" lvl="0" indent="0" algn="l" rtl="0">
-              <a:spcBef>
-                <a:spcPts val="0"/>
-              </a:spcBef>
-              <a:spcAft>
-                <a:spcPts val="0"/>
-              </a:spcAft>
-              <a:buClr>
-                <a:srgbClr val="000000"/>
-              </a:buClr>
-              <a:buSzPts val="1100"/>
-              <a:buFont typeface="Arial"/>
-              <a:buNone/>
-            </a:pPr>
-            <a:r>
-              <a:rPr lang="en" sz="1800" dirty="0">
-                <a:latin typeface="Helvetica Neue Thin" panose="020B0403020202020204" pitchFamily="34" charset="0"/>
-                <a:ea typeface="Helvetica Neue Thin" panose="020B0403020202020204" pitchFamily="34" charset="0"/>
-                <a:cs typeface="Nunito Light"/>
-                <a:sym typeface="Nunito Light"/>
-              </a:rPr>
-              <a:t>Top-Down approach</a:t>
-            </a:r>
-            <a:endParaRPr sz="1800" dirty="0">
-              <a:latin typeface="Helvetica Neue Thin" panose="020B0403020202020204" pitchFamily="34" charset="0"/>
-              <a:ea typeface="Helvetica Neue Thin" panose="020B0403020202020204" pitchFamily="34" charset="0"/>
-              <a:cs typeface="Nunito Light"/>
-              <a:sym typeface="Nunito Light"/>
-            </a:endParaRPr>
-          </a:p>
-          <a:p>
-            <a:pPr marL="0" lvl="0" indent="0" algn="l" rtl="0">
-              <a:spcBef>
-                <a:spcPts val="0"/>
-              </a:spcBef>
-              <a:spcAft>
-                <a:spcPts val="0"/>
-              </a:spcAft>
-              <a:buNone/>
-            </a:pPr>
-            <a:endParaRPr sz="1800" dirty="0">
-              <a:latin typeface="Montserrat"/>
-              <a:ea typeface="Montserrat"/>
-              <a:cs typeface="Montserrat"/>
-              <a:sym typeface="Montserrat"/>
-            </a:endParaRPr>
-          </a:p>
-        </p:txBody>
-      </p:sp>
-      <p:sp>
-        <p:nvSpPr>
           <p:cNvPr id="279" name="Google Shape;279;p25"/>
           <p:cNvSpPr txBox="1"/>
           <p:nvPr/>
         </p:nvSpPr>
         <p:spPr>
           <a:xfrm>
-            <a:off x="335700" y="2091931"/>
+            <a:off x="351059" y="2213567"/>
             <a:ext cx="3157500" cy="679800"/>
           </a:xfrm>
           <a:prstGeom prst="rect">
@@ -8965,6 +8886,9 @@
                     <p:cTn id="3" fill="hold">
                       <p:stCondLst>
                         <p:cond delay="indefinite"/>
+                        <p:cond evt="onBegin" delay="0">
+                          <p:tn val="2"/>
+                        </p:cond>
                       </p:stCondLst>
                       <p:childTnLst>
                         <p:par>
@@ -8974,7 +8898,7 @@
                             </p:stCondLst>
                             <p:childTnLst>
                               <p:par>
-                                <p:cTn id="5" presetID="10" presetClass="entr" presetSubtype="0" fill="hold" nodeType="clickEffect">
+                                <p:cTn id="5" presetID="10" presetClass="entr" presetSubtype="0" fill="hold" nodeType="afterEffect">
                                   <p:stCondLst>
                                     <p:cond delay="0"/>
                                   </p:stCondLst>
@@ -8982,59 +8906,6 @@
                                     <p:set>
                                       <p:cBhvr>
                                         <p:cTn id="6" dur="1" fill="hold">
-                                          <p:stCondLst>
-                                            <p:cond delay="0"/>
-                                          </p:stCondLst>
-                                        </p:cTn>
-                                        <p:tgtEl>
-                                          <p:spTgt spid="276"/>
-                                        </p:tgtEl>
-                                        <p:attrNameLst>
-                                          <p:attrName>style.visibility</p:attrName>
-                                        </p:attrNameLst>
-                                      </p:cBhvr>
-                                      <p:to>
-                                        <p:strVal val="visible"/>
-                                      </p:to>
-                                    </p:set>
-                                    <p:animEffect transition="in" filter="fade">
-                                      <p:cBhvr>
-                                        <p:cTn id="7" dur="1000"/>
-                                        <p:tgtEl>
-                                          <p:spTgt spid="276"/>
-                                        </p:tgtEl>
-                                      </p:cBhvr>
-                                    </p:animEffect>
-                                  </p:childTnLst>
-                                </p:cTn>
-                              </p:par>
-                            </p:childTnLst>
-                          </p:cTn>
-                        </p:par>
-                      </p:childTnLst>
-                    </p:cTn>
-                  </p:par>
-                  <p:par>
-                    <p:cTn id="8" fill="hold">
-                      <p:stCondLst>
-                        <p:cond delay="indefinite"/>
-                      </p:stCondLst>
-                      <p:childTnLst>
-                        <p:par>
-                          <p:cTn id="9" fill="hold">
-                            <p:stCondLst>
-                              <p:cond delay="0"/>
-                            </p:stCondLst>
-                            <p:childTnLst>
-                              <p:par>
-                                <p:cTn id="10" presetID="10" presetClass="entr" presetSubtype="0" fill="hold" nodeType="clickEffect">
-                                  <p:stCondLst>
-                                    <p:cond delay="0"/>
-                                  </p:stCondLst>
-                                  <p:childTnLst>
-                                    <p:set>
-                                      <p:cBhvr>
-                                        <p:cTn id="11" dur="1" fill="hold">
                                           <p:stCondLst>
                                             <p:cond delay="0"/>
                                           </p:stCondLst>
@@ -9052,7 +8923,7 @@
                                     </p:set>
                                     <p:animEffect transition="in" filter="fade">
                                       <p:cBhvr>
-                                        <p:cTn id="12" dur="2400"/>
+                                        <p:cTn id="7" dur="2400"/>
                                         <p:tgtEl>
                                           <p:spTgt spid="277"/>
                                         </p:tgtEl>
@@ -9064,30 +8935,21 @@
                             </p:childTnLst>
                           </p:cTn>
                         </p:par>
-                      </p:childTnLst>
-                    </p:cTn>
-                  </p:par>
-                  <p:par>
-                    <p:cTn id="13" fill="hold">
-                      <p:stCondLst>
-                        <p:cond delay="indefinite"/>
-                      </p:stCondLst>
-                      <p:childTnLst>
                         <p:par>
-                          <p:cTn id="14" fill="hold">
+                          <p:cTn id="8" fill="hold">
                             <p:stCondLst>
-                              <p:cond delay="0"/>
+                              <p:cond delay="2400"/>
                             </p:stCondLst>
                             <p:childTnLst>
                               <p:par>
-                                <p:cTn id="15" presetID="10" presetClass="entr" presetSubtype="0" fill="hold" nodeType="clickEffect">
+                                <p:cTn id="9" presetID="10" presetClass="entr" presetSubtype="0" fill="hold" nodeType="afterEffect">
                                   <p:stCondLst>
                                     <p:cond delay="0"/>
                                   </p:stCondLst>
                                   <p:childTnLst>
                                     <p:set>
                                       <p:cBhvr>
-                                        <p:cTn id="16" dur="1" fill="hold">
+                                        <p:cTn id="10" dur="1" fill="hold">
                                           <p:stCondLst>
                                             <p:cond delay="0"/>
                                           </p:stCondLst>
@@ -9105,7 +8967,7 @@
                                     </p:set>
                                     <p:animEffect transition="in" filter="fade">
                                       <p:cBhvr>
-                                        <p:cTn id="17" dur="1000"/>
+                                        <p:cTn id="11" dur="1000"/>
                                         <p:tgtEl>
                                           <p:spTgt spid="278"/>
                                         </p:tgtEl>
@@ -9117,30 +8979,21 @@
                             </p:childTnLst>
                           </p:cTn>
                         </p:par>
-                      </p:childTnLst>
-                    </p:cTn>
-                  </p:par>
-                  <p:par>
-                    <p:cTn id="18" fill="hold">
-                      <p:stCondLst>
-                        <p:cond delay="indefinite"/>
-                      </p:stCondLst>
-                      <p:childTnLst>
                         <p:par>
-                          <p:cTn id="19" fill="hold">
+                          <p:cTn id="12" fill="hold">
                             <p:stCondLst>
-                              <p:cond delay="0"/>
+                              <p:cond delay="3400"/>
                             </p:stCondLst>
                             <p:childTnLst>
                               <p:par>
-                                <p:cTn id="20" presetID="10" presetClass="entr" presetSubtype="0" fill="hold" nodeType="clickEffect">
+                                <p:cTn id="13" presetID="10" presetClass="entr" presetSubtype="0" fill="hold" nodeType="afterEffect">
                                   <p:stCondLst>
                                     <p:cond delay="0"/>
                                   </p:stCondLst>
                                   <p:childTnLst>
                                     <p:set>
                                       <p:cBhvr>
-                                        <p:cTn id="21" dur="1" fill="hold">
+                                        <p:cTn id="14" dur="1" fill="hold">
                                           <p:stCondLst>
                                             <p:cond delay="0"/>
                                           </p:stCondLst>
@@ -9158,7 +9011,7 @@
                                     </p:set>
                                     <p:animEffect transition="in" filter="fade">
                                       <p:cBhvr>
-                                        <p:cTn id="22" dur="1000"/>
+                                        <p:cTn id="15" dur="1000"/>
                                         <p:tgtEl>
                                           <p:spTgt spid="279"/>
                                         </p:tgtEl>
@@ -9174,26 +9027,26 @@
                     </p:cTn>
                   </p:par>
                   <p:par>
-                    <p:cTn id="23" fill="hold">
+                    <p:cTn id="16" fill="hold">
                       <p:stCondLst>
                         <p:cond delay="indefinite"/>
                       </p:stCondLst>
                       <p:childTnLst>
                         <p:par>
-                          <p:cTn id="24" fill="hold">
+                          <p:cTn id="17" fill="hold">
                             <p:stCondLst>
                               <p:cond delay="0"/>
                             </p:stCondLst>
                             <p:childTnLst>
                               <p:par>
-                                <p:cTn id="25" presetID="10" presetClass="entr" presetSubtype="0" fill="hold" nodeType="clickEffect">
+                                <p:cTn id="18" presetID="10" presetClass="entr" presetSubtype="0" fill="hold" nodeType="clickEffect">
                                   <p:stCondLst>
                                     <p:cond delay="0"/>
                                   </p:stCondLst>
                                   <p:childTnLst>
                                     <p:set>
                                       <p:cBhvr>
-                                        <p:cTn id="26" dur="1" fill="hold">
+                                        <p:cTn id="19" dur="1" fill="hold">
                                           <p:stCondLst>
                                             <p:cond delay="0"/>
                                           </p:stCondLst>
@@ -9211,7 +9064,7 @@
                                     </p:set>
                                     <p:animEffect transition="in" filter="fade">
                                       <p:cBhvr>
-                                        <p:cTn id="27" dur="1000"/>
+                                        <p:cTn id="20" dur="1000"/>
                                         <p:tgtEl>
                                           <p:spTgt spid="280"/>
                                         </p:tgtEl>
@@ -9224,20 +9077,20 @@
                           </p:cTn>
                         </p:par>
                         <p:par>
-                          <p:cTn id="28" fill="hold">
+                          <p:cTn id="21" fill="hold">
                             <p:stCondLst>
                               <p:cond delay="1000"/>
                             </p:stCondLst>
                             <p:childTnLst>
                               <p:par>
-                                <p:cTn id="29" presetID="10" presetClass="entr" presetSubtype="0" fill="hold" nodeType="afterEffect">
+                                <p:cTn id="22" presetID="10" presetClass="entr" presetSubtype="0" fill="hold" nodeType="afterEffect">
                                   <p:stCondLst>
                                     <p:cond delay="0"/>
                                   </p:stCondLst>
                                   <p:childTnLst>
                                     <p:set>
                                       <p:cBhvr>
-                                        <p:cTn id="30" dur="1" fill="hold">
+                                        <p:cTn id="23" dur="1" fill="hold">
                                           <p:stCondLst>
                                             <p:cond delay="0"/>
                                           </p:stCondLst>
@@ -9255,7 +9108,7 @@
                                     </p:set>
                                     <p:animEffect transition="in" filter="fade">
                                       <p:cBhvr>
-                                        <p:cTn id="31" dur="1000"/>
+                                        <p:cTn id="24" dur="1000"/>
                                         <p:tgtEl>
                                           <p:spTgt spid="286"/>
                                         </p:tgtEl>
@@ -9265,14 +9118,14 @@
                                 </p:cTn>
                               </p:par>
                               <p:par>
-                                <p:cTn id="32" presetID="10" presetClass="entr" presetSubtype="0" fill="hold" nodeType="withEffect">
+                                <p:cTn id="25" presetID="10" presetClass="entr" presetSubtype="0" fill="hold" nodeType="withEffect">
                                   <p:stCondLst>
                                     <p:cond delay="0"/>
                                   </p:stCondLst>
                                   <p:childTnLst>
                                     <p:set>
                                       <p:cBhvr>
-                                        <p:cTn id="33" dur="1" fill="hold">
+                                        <p:cTn id="26" dur="1" fill="hold">
                                           <p:stCondLst>
                                             <p:cond delay="0"/>
                                           </p:stCondLst>
@@ -9290,7 +9143,7 @@
                                     </p:set>
                                     <p:animEffect transition="in" filter="fade">
                                       <p:cBhvr>
-                                        <p:cTn id="34" dur="1000"/>
+                                        <p:cTn id="27" dur="1000"/>
                                         <p:tgtEl>
                                           <p:spTgt spid="281"/>
                                         </p:tgtEl>
@@ -9300,14 +9153,14 @@
                                 </p:cTn>
                               </p:par>
                               <p:par>
-                                <p:cTn id="35" presetID="10" presetClass="entr" presetSubtype="0" fill="hold" nodeType="withEffect">
+                                <p:cTn id="28" presetID="10" presetClass="entr" presetSubtype="0" fill="hold" nodeType="withEffect">
                                   <p:stCondLst>
                                     <p:cond delay="0"/>
                                   </p:stCondLst>
                                   <p:childTnLst>
                                     <p:set>
                                       <p:cBhvr>
-                                        <p:cTn id="36" dur="1" fill="hold">
+                                        <p:cTn id="29" dur="1" fill="hold">
                                           <p:stCondLst>
                                             <p:cond delay="0"/>
                                           </p:stCondLst>
@@ -9325,7 +9178,7 @@
                                     </p:set>
                                     <p:animEffect transition="in" filter="fade">
                                       <p:cBhvr>
-                                        <p:cTn id="37" dur="1000"/>
+                                        <p:cTn id="30" dur="1000"/>
                                         <p:tgtEl>
                                           <p:spTgt spid="285"/>
                                         </p:tgtEl>
@@ -9335,14 +9188,14 @@
                                 </p:cTn>
                               </p:par>
                               <p:par>
-                                <p:cTn id="38" presetID="10" presetClass="entr" presetSubtype="0" fill="hold" nodeType="withEffect">
+                                <p:cTn id="31" presetID="10" presetClass="entr" presetSubtype="0" fill="hold" nodeType="withEffect">
                                   <p:stCondLst>
                                     <p:cond delay="0"/>
                                   </p:stCondLst>
                                   <p:childTnLst>
                                     <p:set>
                                       <p:cBhvr>
-                                        <p:cTn id="39" dur="1" fill="hold">
+                                        <p:cTn id="32" dur="1" fill="hold">
                                           <p:stCondLst>
                                             <p:cond delay="0"/>
                                           </p:stCondLst>
@@ -9360,7 +9213,7 @@
                                     </p:set>
                                     <p:animEffect transition="in" filter="fade">
                                       <p:cBhvr>
-                                        <p:cTn id="40" dur="1000"/>
+                                        <p:cTn id="33" dur="1000"/>
                                         <p:tgtEl>
                                           <p:spTgt spid="282"/>
                                         </p:tgtEl>
@@ -9370,14 +9223,14 @@
                                 </p:cTn>
                               </p:par>
                               <p:par>
-                                <p:cTn id="41" presetID="10" presetClass="entr" presetSubtype="0" fill="hold" nodeType="withEffect">
+                                <p:cTn id="34" presetID="10" presetClass="entr" presetSubtype="0" fill="hold" nodeType="withEffect">
                                   <p:stCondLst>
                                     <p:cond delay="0"/>
                                   </p:stCondLst>
                                   <p:childTnLst>
                                     <p:set>
                                       <p:cBhvr>
-                                        <p:cTn id="42" dur="1" fill="hold">
+                                        <p:cTn id="35" dur="1" fill="hold">
                                           <p:stCondLst>
                                             <p:cond delay="0"/>
                                           </p:stCondLst>
@@ -9395,7 +9248,7 @@
                                     </p:set>
                                     <p:animEffect transition="in" filter="fade">
                                       <p:cBhvr>
-                                        <p:cTn id="43" dur="1000"/>
+                                        <p:cTn id="36" dur="1000"/>
                                         <p:tgtEl>
                                           <p:spTgt spid="284"/>
                                         </p:tgtEl>
@@ -9405,14 +9258,14 @@
                                 </p:cTn>
                               </p:par>
                               <p:par>
-                                <p:cTn id="44" presetID="10" presetClass="entr" presetSubtype="0" fill="hold" nodeType="withEffect">
+                                <p:cTn id="37" presetID="10" presetClass="entr" presetSubtype="0" fill="hold" nodeType="withEffect">
                                   <p:stCondLst>
                                     <p:cond delay="0"/>
                                   </p:stCondLst>
                                   <p:childTnLst>
                                     <p:set>
                                       <p:cBhvr>
-                                        <p:cTn id="45" dur="1" fill="hold">
+                                        <p:cTn id="38" dur="1" fill="hold">
                                           <p:stCondLst>
                                             <p:cond delay="0"/>
                                           </p:stCondLst>
@@ -9430,7 +9283,7 @@
                                     </p:set>
                                     <p:animEffect transition="in" filter="fade">
                                       <p:cBhvr>
-                                        <p:cTn id="46" dur="1000"/>
+                                        <p:cTn id="39" dur="1000"/>
                                         <p:tgtEl>
                                           <p:spTgt spid="283"/>
                                         </p:tgtEl>
@@ -12077,30 +11930,21 @@
                             </p:childTnLst>
                           </p:cTn>
                         </p:par>
-                      </p:childTnLst>
-                    </p:cTn>
-                  </p:par>
-                  <p:par>
-                    <p:cTn id="8" fill="hold">
-                      <p:stCondLst>
-                        <p:cond delay="indefinite"/>
-                      </p:stCondLst>
-                      <p:childTnLst>
                         <p:par>
-                          <p:cTn id="9" fill="hold">
+                          <p:cTn id="8" fill="hold">
                             <p:stCondLst>
-                              <p:cond delay="0"/>
+                              <p:cond delay="1000"/>
                             </p:stCondLst>
                             <p:childTnLst>
                               <p:par>
-                                <p:cTn id="10" presetID="10" presetClass="entr" presetSubtype="0" fill="hold" nodeType="clickEffect">
+                                <p:cTn id="9" presetID="10" presetClass="entr" presetSubtype="0" fill="hold" nodeType="afterEffect">
                                   <p:stCondLst>
                                     <p:cond delay="0"/>
                                   </p:stCondLst>
                                   <p:childTnLst>
                                     <p:set>
                                       <p:cBhvr>
-                                        <p:cTn id="11" dur="1" fill="hold">
+                                        <p:cTn id="10" dur="1" fill="hold">
                                           <p:stCondLst>
                                             <p:cond delay="0"/>
                                           </p:stCondLst>
@@ -12118,7 +11962,7 @@
                                     </p:set>
                                     <p:animEffect transition="in" filter="fade">
                                       <p:cBhvr>
-                                        <p:cTn id="12" dur="1000"/>
+                                        <p:cTn id="11" dur="1000"/>
                                         <p:tgtEl>
                                           <p:spTgt spid="140"/>
                                         </p:tgtEl>
@@ -12134,26 +11978,26 @@
                     </p:cTn>
                   </p:par>
                   <p:par>
-                    <p:cTn id="13" fill="hold">
+                    <p:cTn id="12" fill="hold">
                       <p:stCondLst>
                         <p:cond delay="indefinite"/>
                       </p:stCondLst>
                       <p:childTnLst>
                         <p:par>
-                          <p:cTn id="14" fill="hold">
+                          <p:cTn id="13" fill="hold">
                             <p:stCondLst>
                               <p:cond delay="0"/>
                             </p:stCondLst>
                             <p:childTnLst>
                               <p:par>
-                                <p:cTn id="15" presetID="10" presetClass="entr" presetSubtype="0" fill="hold" nodeType="clickEffect">
+                                <p:cTn id="14" presetID="10" presetClass="entr" presetSubtype="0" fill="hold" nodeType="clickEffect">
                                   <p:stCondLst>
                                     <p:cond delay="0"/>
                                   </p:stCondLst>
                                   <p:childTnLst>
                                     <p:set>
                                       <p:cBhvr>
-                                        <p:cTn id="16" dur="1" fill="hold">
+                                        <p:cTn id="15" dur="1" fill="hold">
                                           <p:stCondLst>
                                             <p:cond delay="0"/>
                                           </p:stCondLst>
@@ -12171,7 +12015,7 @@
                                     </p:set>
                                     <p:animEffect transition="in" filter="fade">
                                       <p:cBhvr>
-                                        <p:cTn id="17" dur="1000"/>
+                                        <p:cTn id="16" dur="1000"/>
                                         <p:tgtEl>
                                           <p:spTgt spid="141"/>
                                         </p:tgtEl>
@@ -12181,14 +12025,14 @@
                                 </p:cTn>
                               </p:par>
                               <p:par>
-                                <p:cTn id="18" presetID="10" presetClass="entr" presetSubtype="0" fill="hold" nodeType="withEffect">
+                                <p:cTn id="17" presetID="10" presetClass="entr" presetSubtype="0" fill="hold" nodeType="withEffect">
                                   <p:stCondLst>
                                     <p:cond delay="0"/>
                                   </p:stCondLst>
                                   <p:childTnLst>
                                     <p:set>
                                       <p:cBhvr>
-                                        <p:cTn id="19" dur="1" fill="hold">
+                                        <p:cTn id="18" dur="1" fill="hold">
                                           <p:stCondLst>
                                             <p:cond delay="0"/>
                                           </p:stCondLst>
@@ -12206,7 +12050,7 @@
                                     </p:set>
                                     <p:animEffect transition="in" filter="fade">
                                       <p:cBhvr>
-                                        <p:cTn id="20" dur="1000"/>
+                                        <p:cTn id="19" dur="1000"/>
                                         <p:tgtEl>
                                           <p:spTgt spid="142"/>
                                         </p:tgtEl>
@@ -12684,30 +12528,21 @@
                             </p:childTnLst>
                           </p:cTn>
                         </p:par>
-                      </p:childTnLst>
-                    </p:cTn>
-                  </p:par>
-                  <p:par>
-                    <p:cTn id="12" fill="hold">
-                      <p:stCondLst>
-                        <p:cond delay="indefinite"/>
-                      </p:stCondLst>
-                      <p:childTnLst>
                         <p:par>
-                          <p:cTn id="13" fill="hold">
+                          <p:cTn id="12" fill="hold">
                             <p:stCondLst>
-                              <p:cond delay="0"/>
+                              <p:cond delay="1500"/>
                             </p:stCondLst>
                             <p:childTnLst>
                               <p:par>
-                                <p:cTn id="14" presetID="10" presetClass="entr" presetSubtype="0" fill="hold" nodeType="clickEffect">
+                                <p:cTn id="13" presetID="10" presetClass="entr" presetSubtype="0" fill="hold" nodeType="afterEffect">
                                   <p:stCondLst>
                                     <p:cond delay="0"/>
                                   </p:stCondLst>
                                   <p:childTnLst>
                                     <p:set>
                                       <p:cBhvr>
-                                        <p:cTn id="15" dur="1" fill="hold">
+                                        <p:cTn id="14" dur="1" fill="hold">
                                           <p:stCondLst>
                                             <p:cond delay="0"/>
                                           </p:stCondLst>
@@ -12725,7 +12560,7 @@
                                     </p:set>
                                     <p:animEffect transition="in" filter="fade">
                                       <p:cBhvr>
-                                        <p:cTn id="16" dur="1000"/>
+                                        <p:cTn id="15" dur="1000"/>
                                         <p:tgtEl>
                                           <p:spTgt spid="151"/>
                                         </p:tgtEl>
@@ -12955,7 +12790,7 @@
                 <a:cs typeface="Nunito Light"/>
                 <a:sym typeface="Nunito Light"/>
               </a:rPr>
-              <a:t>Organize runs and invite athletes (c),(d)</a:t>
+              <a:t>Organize runs and invite athletes to them (c),(d)</a:t>
             </a:r>
             <a:endParaRPr sz="1000" dirty="0">
               <a:latin typeface="Helvetica Neue Thin" panose="020B0403020202020204" pitchFamily="34" charset="0"/>
@@ -13055,7 +12890,25 @@
                 <a:cs typeface="Nunito Light"/>
                 <a:sym typeface="Nunito Light"/>
               </a:rPr>
-              <a:t>Accepting/Discarding invites to runs (f)</a:t>
+              <a:t>Enroll to </a:t>
+            </a:r>
+            <a:r>
+              <a:rPr lang="en" sz="1800" dirty="0">
+                <a:latin typeface="Helvetica Neue Light" panose="02000403000000020004" pitchFamily="2" charset="0"/>
+                <a:ea typeface="Helvetica Neue Light" panose="02000403000000020004" pitchFamily="2" charset="0"/>
+                <a:cs typeface="Nunito Light"/>
+                <a:sym typeface="Nunito Light"/>
+              </a:rPr>
+              <a:t>all</a:t>
+            </a:r>
+            <a:r>
+              <a:rPr lang="en" sz="1800" dirty="0">
+                <a:latin typeface="Helvetica Neue Thin" panose="020B0403020202020204" pitchFamily="34" charset="0"/>
+                <a:ea typeface="Helvetica Neue Thin" panose="020B0403020202020204" pitchFamily="34" charset="0"/>
+                <a:cs typeface="Nunito Light"/>
+                <a:sym typeface="Nunito Light"/>
+              </a:rPr>
+              <a:t> the present runs (f)</a:t>
             </a:r>
             <a:endParaRPr dirty="0">
               <a:latin typeface="Helvetica Neue Thin" panose="020B0403020202020204" pitchFamily="34" charset="0"/>
@@ -13127,7 +12980,25 @@
                 <a:cs typeface="Nunito Light"/>
                 <a:sym typeface="Nunito Light"/>
               </a:rPr>
-              <a:t>Spectate the present runs (e)</a:t>
+              <a:t>Spectate </a:t>
+            </a:r>
+            <a:r>
+              <a:rPr lang="en" sz="1800" dirty="0">
+                <a:latin typeface="Helvetica Neue Light" panose="02000403000000020004" pitchFamily="2" charset="0"/>
+                <a:ea typeface="Helvetica Neue Light" panose="02000403000000020004" pitchFamily="2" charset="0"/>
+                <a:cs typeface="Nunito Light"/>
+                <a:sym typeface="Nunito Light"/>
+              </a:rPr>
+              <a:t>all</a:t>
+            </a:r>
+            <a:r>
+              <a:rPr lang="en" sz="1800" dirty="0">
+                <a:latin typeface="Helvetica Neue Thin" panose="020B0403020202020204" pitchFamily="34" charset="0"/>
+                <a:ea typeface="Helvetica Neue Thin" panose="020B0403020202020204" pitchFamily="34" charset="0"/>
+                <a:cs typeface="Nunito Light"/>
+                <a:sym typeface="Nunito Light"/>
+              </a:rPr>
+              <a:t> the present runs (e)</a:t>
             </a:r>
             <a:endParaRPr dirty="0">
               <a:latin typeface="Helvetica Neue Thin" panose="020B0403020202020204" pitchFamily="34" charset="0"/>
@@ -13349,30 +13220,21 @@
                             </p:childTnLst>
                           </p:cTn>
                         </p:par>
-                      </p:childTnLst>
-                    </p:cTn>
-                  </p:par>
-                  <p:par>
-                    <p:cTn id="12" fill="hold">
-                      <p:stCondLst>
-                        <p:cond delay="indefinite"/>
-                      </p:stCondLst>
-                      <p:childTnLst>
                         <p:par>
-                          <p:cTn id="13" fill="hold">
+                          <p:cTn id="12" fill="hold">
                             <p:stCondLst>
-                              <p:cond delay="0"/>
+                              <p:cond delay="1500"/>
                             </p:stCondLst>
                             <p:childTnLst>
                               <p:par>
-                                <p:cTn id="14" presetID="10" presetClass="entr" presetSubtype="0" fill="hold" nodeType="clickEffect">
+                                <p:cTn id="13" presetID="10" presetClass="entr" presetSubtype="0" fill="hold" nodeType="afterEffect">
                                   <p:stCondLst>
                                     <p:cond delay="0"/>
                                   </p:stCondLst>
                                   <p:childTnLst>
                                     <p:set>
                                       <p:cBhvr>
-                                        <p:cTn id="15" dur="1" fill="hold">
+                                        <p:cTn id="14" dur="1" fill="hold">
                                           <p:stCondLst>
                                             <p:cond delay="0"/>
                                           </p:stCondLst>
@@ -13390,7 +13252,7 @@
                                     </p:set>
                                     <p:animEffect transition="in" filter="fade">
                                       <p:cBhvr>
-                                        <p:cTn id="16" dur="1000"/>
+                                        <p:cTn id="15" dur="1000"/>
                                         <p:tgtEl>
                                           <p:spTgt spid="162"/>
                                         </p:tgtEl>
@@ -13402,30 +13264,21 @@
                             </p:childTnLst>
                           </p:cTn>
                         </p:par>
-                      </p:childTnLst>
-                    </p:cTn>
-                  </p:par>
-                  <p:par>
-                    <p:cTn id="17" fill="hold">
-                      <p:stCondLst>
-                        <p:cond delay="indefinite"/>
-                      </p:stCondLst>
-                      <p:childTnLst>
                         <p:par>
-                          <p:cTn id="18" fill="hold">
+                          <p:cTn id="16" fill="hold">
                             <p:stCondLst>
-                              <p:cond delay="0"/>
+                              <p:cond delay="2500"/>
                             </p:stCondLst>
                             <p:childTnLst>
                               <p:par>
-                                <p:cTn id="19" presetID="10" presetClass="entr" presetSubtype="0" fill="hold" nodeType="clickEffect">
+                                <p:cTn id="17" presetID="10" presetClass="entr" presetSubtype="0" fill="hold" nodeType="afterEffect">
                                   <p:stCondLst>
                                     <p:cond delay="0"/>
                                   </p:stCondLst>
                                   <p:childTnLst>
                                     <p:set>
                                       <p:cBhvr>
-                                        <p:cTn id="20" dur="1" fill="hold">
+                                        <p:cTn id="18" dur="1" fill="hold">
                                           <p:stCondLst>
                                             <p:cond delay="0"/>
                                           </p:stCondLst>
@@ -13443,7 +13296,7 @@
                                     </p:set>
                                     <p:animEffect transition="in" filter="fade">
                                       <p:cBhvr>
-                                        <p:cTn id="21" dur="1000"/>
+                                        <p:cTn id="19" dur="1000"/>
                                         <p:tgtEl>
                                           <p:spTgt spid="163"/>
                                         </p:tgtEl>

--- a/SEProject.pptx
+++ b/SEProject.pptx
@@ -12790,7 +12790,43 @@
                 <a:cs typeface="Nunito Light"/>
                 <a:sym typeface="Nunito Light"/>
               </a:rPr>
-              <a:t>Organize runs and invite athletes to them (c),(d)</a:t>
+              <a:t>Organize runs and invite athletes in order to </a:t>
+            </a:r>
+            <a:r>
+              <a:rPr lang="en" sz="1800" dirty="0">
+                <a:latin typeface="Helvetica Neue Light" panose="02000403000000020004" pitchFamily="2" charset="0"/>
+                <a:ea typeface="Helvetica Neue Light" panose="02000403000000020004" pitchFamily="2" charset="0"/>
+                <a:cs typeface="Nunito Light"/>
+                <a:sym typeface="Nunito Light"/>
+              </a:rPr>
+              <a:t>promote</a:t>
+            </a:r>
+            <a:r>
+              <a:rPr lang="en" sz="1800" dirty="0">
+                <a:latin typeface="Helvetica Neue Thin" panose="020B0403020202020204" pitchFamily="34" charset="0"/>
+                <a:ea typeface="Helvetica Neue Thin" panose="020B0403020202020204" pitchFamily="34" charset="0"/>
+                <a:cs typeface="Nunito Light"/>
+                <a:sym typeface="Nunito Light"/>
+              </a:rPr>
+              <a:t> them (</a:t>
+            </a:r>
+            <a:r>
+              <a:rPr lang="en" dirty="0">
+                <a:latin typeface="Helvetica Neue Thin" panose="020B0403020202020204" pitchFamily="34" charset="0"/>
+                <a:ea typeface="Helvetica Neue Thin" panose="020B0403020202020204" pitchFamily="34" charset="0"/>
+                <a:cs typeface="Nunito Light"/>
+                <a:sym typeface="Nunito Light"/>
+              </a:rPr>
+              <a:t>d</a:t>
+            </a:r>
+            <a:r>
+              <a:rPr lang="en" sz="1800" dirty="0">
+                <a:latin typeface="Helvetica Neue Thin" panose="020B0403020202020204" pitchFamily="34" charset="0"/>
+                <a:ea typeface="Helvetica Neue Thin" panose="020B0403020202020204" pitchFamily="34" charset="0"/>
+                <a:cs typeface="Nunito Light"/>
+                <a:sym typeface="Nunito Light"/>
+              </a:rPr>
+              <a:t>)</a:t>
             </a:r>
             <a:endParaRPr sz="1000" dirty="0">
               <a:latin typeface="Helvetica Neue Thin" panose="020B0403020202020204" pitchFamily="34" charset="0"/>
@@ -12849,7 +12885,7 @@
         </p:nvSpPr>
         <p:spPr>
           <a:xfrm>
-            <a:off x="4560249" y="2571750"/>
+            <a:off x="4560249" y="2691832"/>
             <a:ext cx="3844279" cy="783600"/>
           </a:xfrm>
           <a:prstGeom prst="rect">
@@ -12908,7 +12944,7 @@
                 <a:cs typeface="Nunito Light"/>
                 <a:sym typeface="Nunito Light"/>
               </a:rPr>
-              <a:t> the present runs (f)</a:t>
+              <a:t> the present runs (c),(f)</a:t>
             </a:r>
             <a:endParaRPr dirty="0">
               <a:latin typeface="Helvetica Neue Thin" panose="020B0403020202020204" pitchFamily="34" charset="0"/>
@@ -13110,6 +13146,152 @@
           </a:ln>
         </p:spPr>
       </p:pic>
+      <p:sp>
+        <p:nvSpPr>
+          <p:cNvPr id="41" name="Google Shape;163;p16">
+            <a:extLst>
+              <a:ext uri="{FF2B5EF4-FFF2-40B4-BE49-F238E27FC236}">
+                <a16:creationId xmlns:a16="http://schemas.microsoft.com/office/drawing/2014/main" id="{B8619C5E-61ED-0D4C-B41F-38517503280D}"/>
+              </a:ext>
+            </a:extLst>
+          </p:cNvPr>
+          <p:cNvSpPr txBox="1"/>
+          <p:nvPr/>
+        </p:nvSpPr>
+        <p:spPr>
+          <a:xfrm>
+            <a:off x="5500674" y="4135961"/>
+            <a:ext cx="1285359" cy="478929"/>
+          </a:xfrm>
+          <a:prstGeom prst="rect">
+            <a:avLst/>
+          </a:prstGeom>
+          <a:noFill/>
+          <a:ln>
+            <a:noFill/>
+          </a:ln>
+        </p:spPr>
+        <p:txBody>
+          <a:bodyPr spcFirstLastPara="1" wrap="square" lIns="91425" tIns="91425" rIns="91425" bIns="91425" anchor="t" anchorCtr="0">
+            <a:noAutofit/>
+          </a:bodyPr>
+          <a:lstStyle/>
+          <a:p>
+            <a:pPr marL="0" lvl="0" indent="0" algn="l" rtl="0">
+              <a:lnSpc>
+                <a:spcPct val="115000"/>
+              </a:lnSpc>
+              <a:spcBef>
+                <a:spcPts val="0"/>
+              </a:spcBef>
+              <a:spcAft>
+                <a:spcPts val="0"/>
+              </a:spcAft>
+              <a:buNone/>
+            </a:pPr>
+            <a:r>
+              <a:rPr lang="it-IT" sz="1800" dirty="0" err="1">
+                <a:latin typeface="Helvetica Neue Light" panose="02000403000000020004" pitchFamily="2" charset="0"/>
+                <a:ea typeface="Helvetica Neue Light" panose="02000403000000020004" pitchFamily="2" charset="0"/>
+                <a:cs typeface="Nunito Light"/>
+                <a:sym typeface="Nunito Light"/>
+              </a:rPr>
+              <a:t>P</a:t>
+            </a:r>
+            <a:r>
+              <a:rPr lang="en" sz="1800" dirty="0" err="1">
+                <a:latin typeface="Helvetica Neue Light" panose="02000403000000020004" pitchFamily="2" charset="0"/>
+                <a:ea typeface="Helvetica Neue Light" panose="02000403000000020004" pitchFamily="2" charset="0"/>
+                <a:cs typeface="Nunito Light"/>
+                <a:sym typeface="Nunito Light"/>
+              </a:rPr>
+              <a:t>ublic</a:t>
+            </a:r>
+            <a:r>
+              <a:rPr lang="en" sz="1800" dirty="0">
+                <a:latin typeface="Helvetica Neue Light" panose="02000403000000020004" pitchFamily="2" charset="0"/>
+                <a:ea typeface="Helvetica Neue Light" panose="02000403000000020004" pitchFamily="2" charset="0"/>
+                <a:cs typeface="Nunito Light"/>
+                <a:sym typeface="Nunito Light"/>
+              </a:rPr>
+              <a:t> </a:t>
+            </a:r>
+            <a:r>
+              <a:rPr lang="en" sz="1800" dirty="0">
+                <a:latin typeface="Helvetica Neue Thin" panose="020B0403020202020204" pitchFamily="34" charset="0"/>
+                <a:ea typeface="Helvetica Neue Thin" panose="020B0403020202020204" pitchFamily="34" charset="0"/>
+                <a:cs typeface="Nunito Light"/>
+                <a:sym typeface="Nunito Light"/>
+              </a:rPr>
+              <a:t>runs</a:t>
+            </a:r>
+            <a:endParaRPr dirty="0">
+              <a:latin typeface="Helvetica Neue Thin" panose="020B0403020202020204" pitchFamily="34" charset="0"/>
+              <a:ea typeface="Helvetica Neue Thin" panose="020B0403020202020204" pitchFamily="34" charset="0"/>
+              <a:cs typeface="Nunito Light"/>
+              <a:sym typeface="Nunito Light"/>
+            </a:endParaRPr>
+          </a:p>
+          <a:p>
+            <a:pPr marL="0" lvl="0" indent="0" algn="l" rtl="0">
+              <a:spcBef>
+                <a:spcPts val="1600"/>
+              </a:spcBef>
+              <a:spcAft>
+                <a:spcPts val="0"/>
+              </a:spcAft>
+              <a:buNone/>
+            </a:pPr>
+            <a:endParaRPr sz="1800" dirty="0">
+              <a:latin typeface="Nunito Light"/>
+              <a:ea typeface="Nunito Light"/>
+              <a:cs typeface="Nunito Light"/>
+              <a:sym typeface="Nunito Light"/>
+            </a:endParaRPr>
+          </a:p>
+        </p:txBody>
+      </p:sp>
+      <p:cxnSp>
+        <p:nvCxnSpPr>
+          <p:cNvPr id="44" name="Connettore 2 43">
+            <a:extLst>
+              <a:ext uri="{FF2B5EF4-FFF2-40B4-BE49-F238E27FC236}">
+                <a16:creationId xmlns:a16="http://schemas.microsoft.com/office/drawing/2014/main" id="{7C9E1558-67A4-514A-B9F6-9BC9B0BD4F92}"/>
+              </a:ext>
+            </a:extLst>
+          </p:cNvPr>
+          <p:cNvCxnSpPr>
+            <a:cxnSpLocks/>
+          </p:cNvCxnSpPr>
+          <p:nvPr/>
+        </p:nvCxnSpPr>
+        <p:spPr>
+          <a:xfrm>
+            <a:off x="6143354" y="3829072"/>
+            <a:ext cx="0" cy="333907"/>
+          </a:xfrm>
+          <a:prstGeom prst="straightConnector1">
+            <a:avLst/>
+          </a:prstGeom>
+          <a:ln>
+            <a:tailEnd type="triangle"/>
+          </a:ln>
+        </p:spPr>
+        <p:style>
+          <a:lnRef idx="1">
+            <a:schemeClr val="accent1"/>
+          </a:lnRef>
+          <a:fillRef idx="0">
+            <a:schemeClr val="accent1"/>
+          </a:fillRef>
+          <a:effectRef idx="0">
+            <a:schemeClr val="accent1"/>
+          </a:effectRef>
+          <a:fontRef idx="minor">
+            <a:schemeClr val="tx1"/>
+          </a:fontRef>
+        </p:style>
+      </p:cxnSp>
     </p:spTree>
   </p:cSld>
   <p:clrMapOvr>
@@ -13299,6 +13481,85 @@
                                         <p:cTn id="19" dur="1000"/>
                                         <p:tgtEl>
                                           <p:spTgt spid="163"/>
+                                        </p:tgtEl>
+                                      </p:cBhvr>
+                                    </p:animEffect>
+                                  </p:childTnLst>
+                                </p:cTn>
+                              </p:par>
+                            </p:childTnLst>
+                          </p:cTn>
+                        </p:par>
+                        <p:par>
+                          <p:cTn id="20" fill="hold">
+                            <p:stCondLst>
+                              <p:cond delay="3500"/>
+                            </p:stCondLst>
+                            <p:childTnLst>
+                              <p:par>
+                                <p:cTn id="21" presetID="10" presetClass="entr" presetSubtype="0" fill="hold" nodeType="afterEffect">
+                                  <p:stCondLst>
+                                    <p:cond delay="0"/>
+                                  </p:stCondLst>
+                                  <p:childTnLst>
+                                    <p:set>
+                                      <p:cBhvr>
+                                        <p:cTn id="22" dur="1" fill="hold">
+                                          <p:stCondLst>
+                                            <p:cond delay="0"/>
+                                          </p:stCondLst>
+                                        </p:cTn>
+                                        <p:tgtEl>
+                                          <p:spTgt spid="41"/>
+                                        </p:tgtEl>
+                                        <p:attrNameLst>
+                                          <p:attrName>style.visibility</p:attrName>
+                                        </p:attrNameLst>
+                                      </p:cBhvr>
+                                      <p:to>
+                                        <p:strVal val="visible"/>
+                                      </p:to>
+                                    </p:set>
+                                    <p:animEffect transition="in" filter="fade">
+                                      <p:cBhvr>
+                                        <p:cTn id="23" dur="1000"/>
+                                        <p:tgtEl>
+                                          <p:spTgt spid="41"/>
+                                        </p:tgtEl>
+                                      </p:cBhvr>
+                                    </p:animEffect>
+                                  </p:childTnLst>
+                                </p:cTn>
+                              </p:par>
+                              <p:par>
+                                <p:cTn id="24" presetID="9" presetClass="entr" presetSubtype="0" fill="hold" nodeType="withEffect">
+                                  <p:stCondLst>
+                                    <p:cond delay="0"/>
+                                  </p:stCondLst>
+                                  <p:childTnLst>
+                                    <p:set>
+                                      <p:cBhvr>
+                                        <p:cTn id="25" dur="1" fill="hold">
+                                          <p:stCondLst>
+                                            <p:cond delay="0"/>
+                                          </p:stCondLst>
+                                        </p:cTn>
+                                        <p:tgtEl>
+                                          <p:spTgt spid="44"/>
+                                        </p:tgtEl>
+                                        <p:attrNameLst>
+                                          <p:attrName>style.visibility</p:attrName>
+                                        </p:attrNameLst>
+                                      </p:cBhvr>
+                                      <p:to>
+                                        <p:strVal val="visible"/>
+                                      </p:to>
+                                    </p:set>
+                                    <p:animEffect transition="in" filter="dissolve">
+                                      <p:cBhvr>
+                                        <p:cTn id="26" dur="500"/>
+                                        <p:tgtEl>
+                                          <p:spTgt spid="44"/>
                                         </p:tgtEl>
                                       </p:cBhvr>
                                     </p:animEffect>

--- a/SEProject.pptx
+++ b/SEProject.pptx
@@ -2265,7 +2265,7 @@
           <a:p>
             <a:fld id="{EDE5E9DA-B076-4B4F-A047-64DDC32B2FEC}" type="datetimeFigureOut">
               <a:rPr lang="it-IT" smtClean="0"/>
-              <a:t>17/12/18</a:t>
+              <a:t>18/12/18</a:t>
             </a:fld>
             <a:endParaRPr lang="it-IT"/>
           </a:p>
@@ -2513,7 +2513,7 @@
           <a:p>
             <a:fld id="{EDE5E9DA-B076-4B4F-A047-64DDC32B2FEC}" type="datetimeFigureOut">
               <a:rPr lang="it-IT" smtClean="0"/>
-              <a:t>17/12/18</a:t>
+              <a:t>18/12/18</a:t>
             </a:fld>
             <a:endParaRPr lang="it-IT"/>
           </a:p>
@@ -2734,7 +2734,7 @@
           <a:p>
             <a:fld id="{EDE5E9DA-B076-4B4F-A047-64DDC32B2FEC}" type="datetimeFigureOut">
               <a:rPr lang="it-IT" smtClean="0"/>
-              <a:t>17/12/18</a:t>
+              <a:t>18/12/18</a:t>
             </a:fld>
             <a:endParaRPr lang="it-IT"/>
           </a:p>
@@ -3323,7 +3323,7 @@
           <a:p>
             <a:fld id="{EDE5E9DA-B076-4B4F-A047-64DDC32B2FEC}" type="datetimeFigureOut">
               <a:rPr lang="it-IT" smtClean="0"/>
-              <a:t>17/12/18</a:t>
+              <a:t>18/12/18</a:t>
             </a:fld>
             <a:endParaRPr lang="it-IT"/>
           </a:p>
@@ -3645,7 +3645,7 @@
           <a:p>
             <a:fld id="{EDE5E9DA-B076-4B4F-A047-64DDC32B2FEC}" type="datetimeFigureOut">
               <a:rPr lang="it-IT" smtClean="0"/>
-              <a:t>17/12/18</a:t>
+              <a:t>18/12/18</a:t>
             </a:fld>
             <a:endParaRPr lang="it-IT"/>
           </a:p>
@@ -3909,7 +3909,7 @@
           <a:p>
             <a:fld id="{EDE5E9DA-B076-4B4F-A047-64DDC32B2FEC}" type="datetimeFigureOut">
               <a:rPr lang="it-IT" smtClean="0"/>
-              <a:t>17/12/18</a:t>
+              <a:t>18/12/18</a:t>
             </a:fld>
             <a:endParaRPr lang="it-IT"/>
           </a:p>
@@ -4303,7 +4303,7 @@
           <a:p>
             <a:fld id="{EDE5E9DA-B076-4B4F-A047-64DDC32B2FEC}" type="datetimeFigureOut">
               <a:rPr lang="it-IT" smtClean="0"/>
-              <a:t>17/12/18</a:t>
+              <a:t>18/12/18</a:t>
             </a:fld>
             <a:endParaRPr lang="it-IT"/>
           </a:p>
@@ -4408,7 +4408,7 @@
           <a:p>
             <a:fld id="{EDE5E9DA-B076-4B4F-A047-64DDC32B2FEC}" type="datetimeFigureOut">
               <a:rPr lang="it-IT" smtClean="0"/>
-              <a:t>17/12/18</a:t>
+              <a:t>18/12/18</a:t>
             </a:fld>
             <a:endParaRPr lang="it-IT"/>
           </a:p>
@@ -4580,7 +4580,7 @@
           <a:p>
             <a:fld id="{EDE5E9DA-B076-4B4F-A047-64DDC32B2FEC}" type="datetimeFigureOut">
               <a:rPr lang="it-IT" smtClean="0"/>
-              <a:t>17/12/18</a:t>
+              <a:t>18/12/18</a:t>
             </a:fld>
             <a:endParaRPr lang="it-IT"/>
           </a:p>
@@ -4949,7 +4949,7 @@
           <a:p>
             <a:fld id="{EDE5E9DA-B076-4B4F-A047-64DDC32B2FEC}" type="datetimeFigureOut">
               <a:rPr lang="it-IT" smtClean="0"/>
-              <a:t>17/12/18</a:t>
+              <a:t>18/12/18</a:t>
             </a:fld>
             <a:endParaRPr lang="it-IT"/>
           </a:p>
@@ -5253,7 +5253,7 @@
           <a:p>
             <a:fld id="{EDE5E9DA-B076-4B4F-A047-64DDC32B2FEC}" type="datetimeFigureOut">
               <a:rPr lang="it-IT" smtClean="0"/>
-              <a:t>17/12/18</a:t>
+              <a:t>18/12/18</a:t>
             </a:fld>
             <a:endParaRPr lang="it-IT"/>
           </a:p>
@@ -5450,7 +5450,7 @@
           <a:p>
             <a:fld id="{EDE5E9DA-B076-4B4F-A047-64DDC32B2FEC}" type="datetimeFigureOut">
               <a:rPr lang="it-IT" smtClean="0"/>
-              <a:t>17/12/18</a:t>
+              <a:t>18/12/18</a:t>
             </a:fld>
             <a:endParaRPr lang="it-IT"/>
           </a:p>
@@ -6658,7 +6658,7 @@
                 <a:cs typeface="Nunito Light"/>
                 <a:sym typeface="Nunito Light"/>
               </a:rPr>
-              <a:t>Components that manage Information Requests</a:t>
+              <a:t>Components that handle Information Monitoring Requests</a:t>
             </a:r>
             <a:endParaRPr dirty="0">
               <a:latin typeface="Helvetica Neue Thin" panose="020B0403020202020204" pitchFamily="34" charset="0"/>
@@ -6677,7 +6677,7 @@
         </p:nvSpPr>
         <p:spPr>
           <a:xfrm>
-            <a:off x="5956123" y="3843201"/>
+            <a:off x="5956124" y="3937900"/>
             <a:ext cx="2876979" cy="800100"/>
           </a:xfrm>
           <a:prstGeom prst="rect">
@@ -6713,6 +6713,122 @@
               <a:t>Components that support system operations</a:t>
             </a:r>
             <a:endParaRPr dirty="0">
+              <a:latin typeface="Helvetica Neue Thin" panose="020B0403020202020204" pitchFamily="34" charset="0"/>
+              <a:ea typeface="Helvetica Neue Thin" panose="020B0403020202020204" pitchFamily="34" charset="0"/>
+              <a:cs typeface="Nunito Light"/>
+              <a:sym typeface="Nunito Light"/>
+            </a:endParaRPr>
+          </a:p>
+        </p:txBody>
+      </p:sp>
+      <p:sp>
+        <p:nvSpPr>
+          <p:cNvPr id="10" name="Google Shape;248;p22">
+            <a:extLst>
+              <a:ext uri="{FF2B5EF4-FFF2-40B4-BE49-F238E27FC236}">
+                <a16:creationId xmlns:a16="http://schemas.microsoft.com/office/drawing/2014/main" id="{4EB33396-5A96-DC42-B4B8-6FEB8BBDF6B0}"/>
+              </a:ext>
+            </a:extLst>
+          </p:cNvPr>
+          <p:cNvSpPr txBox="1"/>
+          <p:nvPr/>
+        </p:nvSpPr>
+        <p:spPr>
+          <a:xfrm>
+            <a:off x="745297" y="4738000"/>
+            <a:ext cx="1282286" cy="381868"/>
+          </a:xfrm>
+          <a:prstGeom prst="rect">
+            <a:avLst/>
+          </a:prstGeom>
+          <a:noFill/>
+          <a:ln>
+            <a:noFill/>
+          </a:ln>
+        </p:spPr>
+        <p:txBody>
+          <a:bodyPr spcFirstLastPara="1" wrap="square" lIns="91425" tIns="91425" rIns="91425" bIns="91425" anchor="t" anchorCtr="0">
+            <a:noAutofit/>
+          </a:bodyPr>
+          <a:lstStyle/>
+          <a:p>
+            <a:pPr marL="0" lvl="0" indent="0" algn="l" rtl="0">
+              <a:spcBef>
+                <a:spcPts val="0"/>
+              </a:spcBef>
+              <a:spcAft>
+                <a:spcPts val="0"/>
+              </a:spcAft>
+              <a:buNone/>
+            </a:pPr>
+            <a:r>
+              <a:rPr lang="en" sz="1600" dirty="0">
+                <a:latin typeface="Helvetica Neue Thin" panose="020B0403020202020204" pitchFamily="34" charset="0"/>
+                <a:ea typeface="Helvetica Neue Thin" panose="020B0403020202020204" pitchFamily="34" charset="0"/>
+                <a:cs typeface="Nunito Light"/>
+                <a:sym typeface="Nunito Light"/>
+              </a:rPr>
+              <a:t>Third Party</a:t>
+            </a:r>
+            <a:endParaRPr sz="1600" dirty="0">
+              <a:latin typeface="Helvetica Neue Thin" panose="020B0403020202020204" pitchFamily="34" charset="0"/>
+              <a:ea typeface="Helvetica Neue Thin" panose="020B0403020202020204" pitchFamily="34" charset="0"/>
+              <a:cs typeface="Nunito Light"/>
+              <a:sym typeface="Nunito Light"/>
+            </a:endParaRPr>
+          </a:p>
+        </p:txBody>
+      </p:sp>
+      <p:sp>
+        <p:nvSpPr>
+          <p:cNvPr id="12" name="Google Shape;248;p22">
+            <a:extLst>
+              <a:ext uri="{FF2B5EF4-FFF2-40B4-BE49-F238E27FC236}">
+                <a16:creationId xmlns:a16="http://schemas.microsoft.com/office/drawing/2014/main" id="{66CAC335-EF06-4F4F-9D6C-E2AB5BA0DA07}"/>
+              </a:ext>
+            </a:extLst>
+          </p:cNvPr>
+          <p:cNvSpPr txBox="1"/>
+          <p:nvPr/>
+        </p:nvSpPr>
+        <p:spPr>
+          <a:xfrm>
+            <a:off x="4298730" y="4727935"/>
+            <a:ext cx="1975945" cy="381868"/>
+          </a:xfrm>
+          <a:prstGeom prst="rect">
+            <a:avLst/>
+          </a:prstGeom>
+          <a:noFill/>
+          <a:ln>
+            <a:noFill/>
+          </a:ln>
+        </p:spPr>
+        <p:txBody>
+          <a:bodyPr spcFirstLastPara="1" wrap="square" lIns="91425" tIns="91425" rIns="91425" bIns="91425" anchor="t" anchorCtr="0">
+            <a:noAutofit/>
+          </a:bodyPr>
+          <a:lstStyle/>
+          <a:p>
+            <a:pPr marL="0" lvl="0" indent="0" algn="l" rtl="0">
+              <a:spcBef>
+                <a:spcPts val="0"/>
+              </a:spcBef>
+              <a:spcAft>
+                <a:spcPts val="0"/>
+              </a:spcAft>
+              <a:buNone/>
+            </a:pPr>
+            <a:r>
+              <a:rPr lang="en" sz="1600" dirty="0">
+                <a:latin typeface="Helvetica Neue Thin" panose="020B0403020202020204" pitchFamily="34" charset="0"/>
+                <a:ea typeface="Helvetica Neue Thin" panose="020B0403020202020204" pitchFamily="34" charset="0"/>
+                <a:cs typeface="Nunito Light"/>
+                <a:sym typeface="Nunito Light"/>
+              </a:rPr>
+              <a:t>Partner Application</a:t>
+            </a:r>
+            <a:endParaRPr sz="1600" dirty="0">
               <a:latin typeface="Helvetica Neue Thin" panose="020B0403020202020204" pitchFamily="34" charset="0"/>
               <a:ea typeface="Helvetica Neue Thin" panose="020B0403020202020204" pitchFamily="34" charset="0"/>
               <a:cs typeface="Nunito Light"/>
@@ -6738,6 +6854,9 @@
                     <p:cTn id="3" fill="hold">
                       <p:stCondLst>
                         <p:cond delay="indefinite"/>
+                        <p:cond evt="onBegin" delay="0">
+                          <p:tn val="2"/>
+                        </p:cond>
                       </p:stCondLst>
                       <p:childTnLst>
                         <p:par>
@@ -6747,7 +6866,7 @@
                             </p:stCondLst>
                             <p:childTnLst>
                               <p:par>
-                                <p:cTn id="5" presetID="10" presetClass="entr" presetSubtype="0" fill="hold" nodeType="clickEffect">
+                                <p:cTn id="5" presetID="10" presetClass="entr" presetSubtype="0" fill="hold" nodeType="withEffect">
                                   <p:stCondLst>
                                     <p:cond delay="0"/>
                                   </p:stCondLst>
@@ -6755,6 +6874,94 @@
                                     <p:set>
                                       <p:cBhvr>
                                         <p:cTn id="6" dur="1" fill="hold">
+                                          <p:stCondLst>
+                                            <p:cond delay="0"/>
+                                          </p:stCondLst>
+                                        </p:cTn>
+                                        <p:tgtEl>
+                                          <p:spTgt spid="10"/>
+                                        </p:tgtEl>
+                                        <p:attrNameLst>
+                                          <p:attrName>style.visibility</p:attrName>
+                                        </p:attrNameLst>
+                                      </p:cBhvr>
+                                      <p:to>
+                                        <p:strVal val="visible"/>
+                                      </p:to>
+                                    </p:set>
+                                    <p:animEffect transition="in" filter="fade">
+                                      <p:cBhvr>
+                                        <p:cTn id="7" dur="1000"/>
+                                        <p:tgtEl>
+                                          <p:spTgt spid="10"/>
+                                        </p:tgtEl>
+                                      </p:cBhvr>
+                                    </p:animEffect>
+                                  </p:childTnLst>
+                                </p:cTn>
+                              </p:par>
+                              <p:par>
+                                <p:cTn id="8" presetID="10" presetClass="entr" presetSubtype="0" fill="hold" nodeType="withEffect">
+                                  <p:stCondLst>
+                                    <p:cond delay="0"/>
+                                  </p:stCondLst>
+                                  <p:childTnLst>
+                                    <p:set>
+                                      <p:cBhvr>
+                                        <p:cTn id="9" dur="1" fill="hold">
+                                          <p:stCondLst>
+                                            <p:cond delay="0"/>
+                                          </p:stCondLst>
+                                        </p:cTn>
+                                        <p:tgtEl>
+                                          <p:spTgt spid="12"/>
+                                        </p:tgtEl>
+                                        <p:attrNameLst>
+                                          <p:attrName>style.visibility</p:attrName>
+                                        </p:attrNameLst>
+                                      </p:cBhvr>
+                                      <p:to>
+                                        <p:strVal val="visible"/>
+                                      </p:to>
+                                    </p:set>
+                                    <p:animEffect transition="in" filter="fade">
+                                      <p:cBhvr>
+                                        <p:cTn id="10" dur="1000"/>
+                                        <p:tgtEl>
+                                          <p:spTgt spid="12"/>
+                                        </p:tgtEl>
+                                      </p:cBhvr>
+                                    </p:animEffect>
+                                  </p:childTnLst>
+                                </p:cTn>
+                              </p:par>
+                            </p:childTnLst>
+                          </p:cTn>
+                        </p:par>
+                      </p:childTnLst>
+                    </p:cTn>
+                  </p:par>
+                  <p:par>
+                    <p:cTn id="11" fill="hold">
+                      <p:stCondLst>
+                        <p:cond delay="indefinite"/>
+                      </p:stCondLst>
+                      <p:childTnLst>
+                        <p:par>
+                          <p:cTn id="12" fill="hold">
+                            <p:stCondLst>
+                              <p:cond delay="0"/>
+                            </p:stCondLst>
+                            <p:childTnLst>
+                              <p:par>
+                                <p:cTn id="13" presetID="10" presetClass="entr" presetSubtype="0" fill="hold" nodeType="clickEffect">
+                                  <p:stCondLst>
+                                    <p:cond delay="0"/>
+                                  </p:stCondLst>
+                                  <p:childTnLst>
+                                    <p:set>
+                                      <p:cBhvr>
+                                        <p:cTn id="14" dur="1" fill="hold">
                                           <p:stCondLst>
                                             <p:cond delay="0"/>
                                           </p:stCondLst>
@@ -6772,7 +6979,7 @@
                                     </p:set>
                                     <p:animEffect transition="in" filter="fade">
                                       <p:cBhvr>
-                                        <p:cTn id="7" dur="1000"/>
+                                        <p:cTn id="15" dur="1000"/>
                                         <p:tgtEl>
                                           <p:spTgt spid="243"/>
                                         </p:tgtEl>
@@ -6782,14 +6989,14 @@
                                 </p:cTn>
                               </p:par>
                               <p:par>
-                                <p:cTn id="8" presetID="10" presetClass="exit" presetSubtype="0" fill="hold" nodeType="withEffect">
+                                <p:cTn id="16" presetID="10" presetClass="exit" presetSubtype="0" fill="hold" nodeType="withEffect">
                                   <p:stCondLst>
                                     <p:cond delay="0"/>
                                   </p:stCondLst>
                                   <p:childTnLst>
                                     <p:animEffect transition="out" filter="fade">
                                       <p:cBhvr>
-                                        <p:cTn id="9" dur="1000"/>
+                                        <p:cTn id="17" dur="1000"/>
                                         <p:tgtEl>
                                           <p:spTgt spid="246"/>
                                         </p:tgtEl>
@@ -6797,7 +7004,7 @@
                                     </p:animEffect>
                                     <p:set>
                                       <p:cBhvr>
-                                        <p:cTn id="10" dur="1" fill="hold">
+                                        <p:cTn id="18" dur="1" fill="hold">
                                           <p:stCondLst>
                                             <p:cond delay="1000"/>
                                           </p:stCondLst>
@@ -6817,14 +7024,14 @@
                                 </p:cTn>
                               </p:par>
                               <p:par>
-                                <p:cTn id="11" presetID="10" presetClass="entr" presetSubtype="0" fill="hold" nodeType="withEffect">
+                                <p:cTn id="19" presetID="10" presetClass="entr" presetSubtype="0" fill="hold" nodeType="withEffect">
                                   <p:stCondLst>
                                     <p:cond delay="0"/>
                                   </p:stCondLst>
                                   <p:childTnLst>
                                     <p:set>
                                       <p:cBhvr>
-                                        <p:cTn id="12" dur="1" fill="hold">
+                                        <p:cTn id="20" dur="1" fill="hold">
                                           <p:stCondLst>
                                             <p:cond delay="0"/>
                                           </p:stCondLst>
@@ -6842,7 +7049,7 @@
                                     </p:set>
                                     <p:animEffect transition="in" filter="fade">
                                       <p:cBhvr>
-                                        <p:cTn id="13" dur="1000"/>
+                                        <p:cTn id="21" dur="1000"/>
                                         <p:tgtEl>
                                           <p:spTgt spid="247"/>
                                         </p:tgtEl>
@@ -6858,26 +7065,26 @@
                     </p:cTn>
                   </p:par>
                   <p:par>
-                    <p:cTn id="14" fill="hold">
+                    <p:cTn id="22" fill="hold">
                       <p:stCondLst>
                         <p:cond delay="indefinite"/>
                       </p:stCondLst>
                       <p:childTnLst>
                         <p:par>
-                          <p:cTn id="15" fill="hold">
+                          <p:cTn id="23" fill="hold">
                             <p:stCondLst>
                               <p:cond delay="0"/>
                             </p:stCondLst>
                             <p:childTnLst>
                               <p:par>
-                                <p:cTn id="16" presetID="10" presetClass="entr" presetSubtype="0" fill="hold" nodeType="clickEffect">
+                                <p:cTn id="24" presetID="10" presetClass="entr" presetSubtype="0" fill="hold" nodeType="clickEffect">
                                   <p:stCondLst>
                                     <p:cond delay="0"/>
                                   </p:stCondLst>
                                   <p:childTnLst>
                                     <p:set>
                                       <p:cBhvr>
-                                        <p:cTn id="17" dur="1" fill="hold">
+                                        <p:cTn id="25" dur="1" fill="hold">
                                           <p:stCondLst>
                                             <p:cond delay="0"/>
                                           </p:stCondLst>
@@ -6895,7 +7102,7 @@
                                     </p:set>
                                     <p:animEffect transition="in" filter="fade">
                                       <p:cBhvr>
-                                        <p:cTn id="18" dur="1000"/>
+                                        <p:cTn id="26" dur="1000"/>
                                         <p:tgtEl>
                                           <p:spTgt spid="245"/>
                                         </p:tgtEl>
@@ -6905,14 +7112,14 @@
                                 </p:cTn>
                               </p:par>
                               <p:par>
-                                <p:cTn id="19" presetID="10" presetClass="entr" presetSubtype="0" fill="hold" nodeType="withEffect">
+                                <p:cTn id="27" presetID="10" presetClass="entr" presetSubtype="0" fill="hold" nodeType="withEffect">
                                   <p:stCondLst>
                                     <p:cond delay="0"/>
                                   </p:stCondLst>
                                   <p:childTnLst>
                                     <p:set>
                                       <p:cBhvr>
-                                        <p:cTn id="20" dur="1" fill="hold">
+                                        <p:cTn id="28" dur="1" fill="hold">
                                           <p:stCondLst>
                                             <p:cond delay="0"/>
                                           </p:stCondLst>
@@ -6930,7 +7137,7 @@
                                     </p:set>
                                     <p:animEffect transition="in" filter="fade">
                                       <p:cBhvr>
-                                        <p:cTn id="21" dur="1000"/>
+                                        <p:cTn id="29" dur="1000"/>
                                         <p:tgtEl>
                                           <p:spTgt spid="248"/>
                                         </p:tgtEl>
@@ -6940,14 +7147,14 @@
                                 </p:cTn>
                               </p:par>
                               <p:par>
-                                <p:cTn id="22" presetID="10" presetClass="exit" presetSubtype="0" fill="hold" nodeType="withEffect">
+                                <p:cTn id="30" presetID="10" presetClass="exit" presetSubtype="0" fill="hold" nodeType="withEffect">
                                   <p:stCondLst>
                                     <p:cond delay="0"/>
                                   </p:stCondLst>
                                   <p:childTnLst>
                                     <p:animEffect transition="out" filter="fade">
                                       <p:cBhvr>
-                                        <p:cTn id="23" dur="1000"/>
+                                        <p:cTn id="31" dur="1000"/>
                                         <p:tgtEl>
                                           <p:spTgt spid="247"/>
                                         </p:tgtEl>
@@ -6955,7 +7162,7 @@
                                     </p:animEffect>
                                     <p:set>
                                       <p:cBhvr>
-                                        <p:cTn id="24" dur="1" fill="hold">
+                                        <p:cTn id="32" dur="1" fill="hold">
                                           <p:stCondLst>
                                             <p:cond delay="1000"/>
                                           </p:stCondLst>
@@ -12980,7 +13187,7 @@
         </p:nvSpPr>
         <p:spPr>
           <a:xfrm>
-            <a:off x="4560249" y="3234844"/>
+            <a:off x="4560249" y="4239693"/>
             <a:ext cx="3771000" cy="783600"/>
           </a:xfrm>
           <a:prstGeom prst="rect">
@@ -13160,7 +13367,7 @@
         </p:nvSpPr>
         <p:spPr>
           <a:xfrm>
-            <a:off x="5500674" y="4135961"/>
+            <a:off x="5475140" y="3431886"/>
             <a:ext cx="1285359" cy="478929"/>
           </a:xfrm>
           <a:prstGeom prst="rect">
@@ -13266,8 +13473,49 @@
           <p:nvPr/>
         </p:nvCxnSpPr>
         <p:spPr>
+          <a:xfrm flipV="1">
+            <a:off x="6117819" y="3910815"/>
+            <a:ext cx="1" cy="328878"/>
+          </a:xfrm>
+          <a:prstGeom prst="straightConnector1">
+            <a:avLst/>
+          </a:prstGeom>
+          <a:ln>
+            <a:tailEnd type="triangle"/>
+          </a:ln>
+        </p:spPr>
+        <p:style>
+          <a:lnRef idx="1">
+            <a:schemeClr val="accent1"/>
+          </a:lnRef>
+          <a:fillRef idx="0">
+            <a:schemeClr val="accent1"/>
+          </a:fillRef>
+          <a:effectRef idx="0">
+            <a:schemeClr val="accent1"/>
+          </a:effectRef>
+          <a:fontRef idx="minor">
+            <a:schemeClr val="tx1"/>
+          </a:fontRef>
+        </p:style>
+      </p:cxnSp>
+      <p:cxnSp>
+        <p:nvCxnSpPr>
+          <p:cNvPr id="13" name="Connettore 2 12">
+            <a:extLst>
+              <a:ext uri="{FF2B5EF4-FFF2-40B4-BE49-F238E27FC236}">
+                <a16:creationId xmlns:a16="http://schemas.microsoft.com/office/drawing/2014/main" id="{16247B58-DC50-2A47-A92D-28A5254B5656}"/>
+              </a:ext>
+            </a:extLst>
+          </p:cNvPr>
+          <p:cNvCxnSpPr>
+            <a:cxnSpLocks/>
+          </p:cNvCxnSpPr>
+          <p:nvPr/>
+        </p:nvCxnSpPr>
+        <p:spPr>
           <a:xfrm>
-            <a:off x="6143354" y="3829072"/>
+            <a:off x="6117821" y="3195843"/>
             <a:ext cx="0" cy="333907"/>
           </a:xfrm>
           <a:prstGeom prst="straightConnector1">
@@ -13560,6 +13808,41 @@
                                         <p:cTn id="26" dur="500"/>
                                         <p:tgtEl>
                                           <p:spTgt spid="44"/>
+                                        </p:tgtEl>
+                                      </p:cBhvr>
+                                    </p:animEffect>
+                                  </p:childTnLst>
+                                </p:cTn>
+                              </p:par>
+                              <p:par>
+                                <p:cTn id="27" presetID="9" presetClass="entr" presetSubtype="0" fill="hold" nodeType="withEffect">
+                                  <p:stCondLst>
+                                    <p:cond delay="0"/>
+                                  </p:stCondLst>
+                                  <p:childTnLst>
+                                    <p:set>
+                                      <p:cBhvr>
+                                        <p:cTn id="28" dur="1" fill="hold">
+                                          <p:stCondLst>
+                                            <p:cond delay="0"/>
+                                          </p:stCondLst>
+                                        </p:cTn>
+                                        <p:tgtEl>
+                                          <p:spTgt spid="13"/>
+                                        </p:tgtEl>
+                                        <p:attrNameLst>
+                                          <p:attrName>style.visibility</p:attrName>
+                                        </p:attrNameLst>
+                                      </p:cBhvr>
+                                      <p:to>
+                                        <p:strVal val="visible"/>
+                                      </p:to>
+                                    </p:set>
+                                    <p:animEffect transition="in" filter="dissolve">
+                                      <p:cBhvr>
+                                        <p:cTn id="29" dur="500"/>
+                                        <p:tgtEl>
+                                          <p:spTgt spid="13"/>
                                         </p:tgtEl>
                                       </p:cBhvr>
                                     </p:animEffect>
